--- a/Publish-PPTX-Speech.pptx
+++ b/Publish-PPTX-Speech.pptx
@@ -2,17 +2,13 @@
 <file path=ppt/presentation.xml><?xml version="1.0" encoding="utf-8"?>
 <p:presentation xmlns:a="http://schemas.openxmlformats.org/drawingml/2006/main" xmlns:r="http://schemas.openxmlformats.org/officeDocument/2006/relationships" xmlns:p="http://schemas.openxmlformats.org/presentationml/2006/main" saveSubsetFonts="1">
   <p:sldMasterIdLst>
-    <p:sldMasterId id="2147483648" r:id="rId4"/>
+    <p:sldMasterId id="2147483648" r:id="rId1"/>
   </p:sldMasterIdLst>
-  <p:notesMasterIdLst>
-    <p:notesMasterId r:id="rId10"/>
-  </p:notesMasterIdLst>
   <p:sldIdLst>
+    <p:sldId id="257" r:id="rId2"/>
+    <p:sldId id="258" r:id="rId3"/>
+    <p:sldId id="259" r:id="rId4"/>
     <p:sldId id="256" r:id="rId5"/>
-    <p:sldId id="276" r:id="rId6"/>
-    <p:sldId id="275" r:id="rId7"/>
-    <p:sldId id="269" r:id="rId8"/>
-    <p:sldId id="271" r:id="rId9"/>
   </p:sldIdLst>
   <p:sldSz cx="12192000" cy="6858000"/>
   <p:notesSz cx="6858000" cy="9144000"/>
@@ -111,975 +107,7 @@
       </a:defRPr>
     </a:lvl9pPr>
   </p:defaultTextStyle>
-  <p:extLst>
-    <p:ext uri="{EFAFB233-063F-42B5-8137-9DF3F51BA10A}">
-      <p15:sldGuideLst xmlns:p15="http://schemas.microsoft.com/office/powerpoint/2012/main"/>
-    </p:ext>
-  </p:extLst>
 </p:presentation>
-</file>
-
-<file path=ppt/notesMasters/notesMaster1.xml><?xml version="1.0" encoding="utf-8"?>
-<p:notesMaster xmlns:a="http://schemas.openxmlformats.org/drawingml/2006/main" xmlns:r="http://schemas.openxmlformats.org/officeDocument/2006/relationships" xmlns:p="http://schemas.openxmlformats.org/presentationml/2006/main">
-  <p:cSld>
-    <p:bg>
-      <p:bgRef idx="1001">
-        <a:schemeClr val="bg1"/>
-      </p:bgRef>
-    </p:bg>
-    <p:spTree>
-      <p:nvGrpSpPr>
-        <p:cNvPr id="1" name=""/>
-        <p:cNvGrpSpPr/>
-        <p:nvPr/>
-      </p:nvGrpSpPr>
-      <p:grpSpPr>
-        <a:xfrm>
-          <a:off x="0" y="0"/>
-          <a:ext cx="0" cy="0"/>
-          <a:chOff x="0" y="0"/>
-          <a:chExt cx="0" cy="0"/>
-        </a:xfrm>
-      </p:grpSpPr>
-      <p:sp>
-        <p:nvSpPr>
-          <p:cNvPr id="2" name="Header Placeholder 1"/>
-          <p:cNvSpPr>
-            <a:spLocks noGrp="1"/>
-          </p:cNvSpPr>
-          <p:nvPr>
-            <p:ph type="hdr" sz="quarter"/>
-          </p:nvPr>
-        </p:nvSpPr>
-        <p:spPr>
-          <a:xfrm>
-            <a:off x="0" y="0"/>
-            <a:ext cx="2971800" cy="458788"/>
-          </a:xfrm>
-          <a:prstGeom prst="rect">
-            <a:avLst/>
-          </a:prstGeom>
-        </p:spPr>
-        <p:txBody>
-          <a:bodyPr vert="horz" lIns="91440" tIns="45720" rIns="91440" bIns="45720" rtlCol="0"/>
-          <a:lstStyle>
-            <a:lvl1pPr algn="l">
-              <a:defRPr sz="1200"/>
-            </a:lvl1pPr>
-          </a:lstStyle>
-          <a:p>
-            <a:endParaRPr lang="nb-NO"/>
-          </a:p>
-        </p:txBody>
-      </p:sp>
-      <p:sp>
-        <p:nvSpPr>
-          <p:cNvPr id="3" name="Date Placeholder 2"/>
-          <p:cNvSpPr>
-            <a:spLocks noGrp="1"/>
-          </p:cNvSpPr>
-          <p:nvPr>
-            <p:ph type="dt" idx="1"/>
-          </p:nvPr>
-        </p:nvSpPr>
-        <p:spPr>
-          <a:xfrm>
-            <a:off x="3884613" y="0"/>
-            <a:ext cx="2971800" cy="458788"/>
-          </a:xfrm>
-          <a:prstGeom prst="rect">
-            <a:avLst/>
-          </a:prstGeom>
-        </p:spPr>
-        <p:txBody>
-          <a:bodyPr vert="horz" lIns="91440" tIns="45720" rIns="91440" bIns="45720" rtlCol="0"/>
-          <a:lstStyle>
-            <a:lvl1pPr algn="r">
-              <a:defRPr sz="1200"/>
-            </a:lvl1pPr>
-          </a:lstStyle>
-          <a:p>
-            <a:fld id="{40BF937A-684B-4359-B721-D0BE8BAB1080}" type="datetimeFigureOut">
-              <a:rPr lang="nb-NO" smtClean="0"/>
-              <a:t>21.10.2019</a:t>
-            </a:fld>
-            <a:endParaRPr lang="nb-NO"/>
-          </a:p>
-        </p:txBody>
-      </p:sp>
-      <p:sp>
-        <p:nvSpPr>
-          <p:cNvPr id="4" name="Slide Image Placeholder 3"/>
-          <p:cNvSpPr>
-            <a:spLocks noGrp="1" noRot="1" noChangeAspect="1"/>
-          </p:cNvSpPr>
-          <p:nvPr>
-            <p:ph type="sldImg" idx="2"/>
-          </p:nvPr>
-        </p:nvSpPr>
-        <p:spPr>
-          <a:xfrm>
-            <a:off x="685800" y="1143000"/>
-            <a:ext cx="5486400" cy="3086100"/>
-          </a:xfrm>
-          <a:prstGeom prst="rect">
-            <a:avLst/>
-          </a:prstGeom>
-          <a:noFill/>
-          <a:ln w="12700">
-            <a:solidFill>
-              <a:prstClr val="black"/>
-            </a:solidFill>
-          </a:ln>
-        </p:spPr>
-        <p:txBody>
-          <a:bodyPr vert="horz" lIns="91440" tIns="45720" rIns="91440" bIns="45720" rtlCol="0" anchor="ctr"/>
-          <a:lstStyle/>
-          <a:p>
-            <a:endParaRPr lang="nb-NO"/>
-          </a:p>
-        </p:txBody>
-      </p:sp>
-      <p:sp>
-        <p:nvSpPr>
-          <p:cNvPr id="5" name="Notes Placeholder 4"/>
-          <p:cNvSpPr>
-            <a:spLocks noGrp="1"/>
-          </p:cNvSpPr>
-          <p:nvPr>
-            <p:ph type="body" sz="quarter" idx="3"/>
-          </p:nvPr>
-        </p:nvSpPr>
-        <p:spPr>
-          <a:xfrm>
-            <a:off x="685800" y="4400550"/>
-            <a:ext cx="5486400" cy="3600450"/>
-          </a:xfrm>
-          <a:prstGeom prst="rect">
-            <a:avLst/>
-          </a:prstGeom>
-        </p:spPr>
-        <p:txBody>
-          <a:bodyPr vert="horz" lIns="91440" tIns="45720" rIns="91440" bIns="45720" rtlCol="0"/>
-          <a:lstStyle/>
-          <a:p>
-            <a:pPr lvl="0"/>
-            <a:r>
-              <a:rPr lang="en-US"/>
-              <a:t>Click to edit Master text styles</a:t>
-            </a:r>
-          </a:p>
-          <a:p>
-            <a:pPr lvl="1"/>
-            <a:r>
-              <a:rPr lang="en-US"/>
-              <a:t>Second level</a:t>
-            </a:r>
-          </a:p>
-          <a:p>
-            <a:pPr lvl="2"/>
-            <a:r>
-              <a:rPr lang="en-US"/>
-              <a:t>Third level</a:t>
-            </a:r>
-          </a:p>
-          <a:p>
-            <a:pPr lvl="3"/>
-            <a:r>
-              <a:rPr lang="en-US"/>
-              <a:t>Fourth level</a:t>
-            </a:r>
-          </a:p>
-          <a:p>
-            <a:pPr lvl="4"/>
-            <a:r>
-              <a:rPr lang="en-US"/>
-              <a:t>Fifth level</a:t>
-            </a:r>
-            <a:endParaRPr lang="nb-NO"/>
-          </a:p>
-        </p:txBody>
-      </p:sp>
-      <p:sp>
-        <p:nvSpPr>
-          <p:cNvPr id="6" name="Footer Placeholder 5"/>
-          <p:cNvSpPr>
-            <a:spLocks noGrp="1"/>
-          </p:cNvSpPr>
-          <p:nvPr>
-            <p:ph type="ftr" sz="quarter" idx="4"/>
-          </p:nvPr>
-        </p:nvSpPr>
-        <p:spPr>
-          <a:xfrm>
-            <a:off x="0" y="8685213"/>
-            <a:ext cx="2971800" cy="458787"/>
-          </a:xfrm>
-          <a:prstGeom prst="rect">
-            <a:avLst/>
-          </a:prstGeom>
-        </p:spPr>
-        <p:txBody>
-          <a:bodyPr vert="horz" lIns="91440" tIns="45720" rIns="91440" bIns="45720" rtlCol="0" anchor="b"/>
-          <a:lstStyle>
-            <a:lvl1pPr algn="l">
-              <a:defRPr sz="1200"/>
-            </a:lvl1pPr>
-          </a:lstStyle>
-          <a:p>
-            <a:endParaRPr lang="nb-NO"/>
-          </a:p>
-        </p:txBody>
-      </p:sp>
-      <p:sp>
-        <p:nvSpPr>
-          <p:cNvPr id="7" name="Slide Number Placeholder 6"/>
-          <p:cNvSpPr>
-            <a:spLocks noGrp="1"/>
-          </p:cNvSpPr>
-          <p:nvPr>
-            <p:ph type="sldNum" sz="quarter" idx="5"/>
-          </p:nvPr>
-        </p:nvSpPr>
-        <p:spPr>
-          <a:xfrm>
-            <a:off x="3884613" y="8685213"/>
-            <a:ext cx="2971800" cy="458787"/>
-          </a:xfrm>
-          <a:prstGeom prst="rect">
-            <a:avLst/>
-          </a:prstGeom>
-        </p:spPr>
-        <p:txBody>
-          <a:bodyPr vert="horz" lIns="91440" tIns="45720" rIns="91440" bIns="45720" rtlCol="0" anchor="b"/>
-          <a:lstStyle>
-            <a:lvl1pPr algn="r">
-              <a:defRPr sz="1200"/>
-            </a:lvl1pPr>
-          </a:lstStyle>
-          <a:p>
-            <a:fld id="{0233F9FD-10AB-4AF3-9E18-2736BB53DE70}" type="slidenum">
-              <a:rPr lang="nb-NO" smtClean="0"/>
-              <a:t>‹#›</a:t>
-            </a:fld>
-            <a:endParaRPr lang="nb-NO"/>
-          </a:p>
-        </p:txBody>
-      </p:sp>
-    </p:spTree>
-    <p:extLst>
-      <p:ext uri="{BB962C8B-B14F-4D97-AF65-F5344CB8AC3E}">
-        <p14:creationId xmlns:p14="http://schemas.microsoft.com/office/powerpoint/2010/main" val="1912009048"/>
-      </p:ext>
-    </p:extLst>
-  </p:cSld>
-  <p:clrMap bg1="lt1" tx1="dk1" bg2="lt2" tx2="dk2" accent1="accent1" accent2="accent2" accent3="accent3" accent4="accent4" accent5="accent5" accent6="accent6" hlink="hlink" folHlink="folHlink"/>
-  <p:notesStyle>
-    <a:lvl1pPr marL="0" algn="l" defTabSz="914400" rtl="0" eaLnBrk="1" latinLnBrk="0" hangingPunct="1">
-      <a:defRPr sz="1200" kern="1200">
-        <a:solidFill>
-          <a:schemeClr val="tx1"/>
-        </a:solidFill>
-        <a:latin typeface="+mn-lt"/>
-        <a:ea typeface="+mn-ea"/>
-        <a:cs typeface="+mn-cs"/>
-      </a:defRPr>
-    </a:lvl1pPr>
-    <a:lvl2pPr marL="457200" algn="l" defTabSz="914400" rtl="0" eaLnBrk="1" latinLnBrk="0" hangingPunct="1">
-      <a:defRPr sz="1200" kern="1200">
-        <a:solidFill>
-          <a:schemeClr val="tx1"/>
-        </a:solidFill>
-        <a:latin typeface="+mn-lt"/>
-        <a:ea typeface="+mn-ea"/>
-        <a:cs typeface="+mn-cs"/>
-      </a:defRPr>
-    </a:lvl2pPr>
-    <a:lvl3pPr marL="914400" algn="l" defTabSz="914400" rtl="0" eaLnBrk="1" latinLnBrk="0" hangingPunct="1">
-      <a:defRPr sz="1200" kern="1200">
-        <a:solidFill>
-          <a:schemeClr val="tx1"/>
-        </a:solidFill>
-        <a:latin typeface="+mn-lt"/>
-        <a:ea typeface="+mn-ea"/>
-        <a:cs typeface="+mn-cs"/>
-      </a:defRPr>
-    </a:lvl3pPr>
-    <a:lvl4pPr marL="1371600" algn="l" defTabSz="914400" rtl="0" eaLnBrk="1" latinLnBrk="0" hangingPunct="1">
-      <a:defRPr sz="1200" kern="1200">
-        <a:solidFill>
-          <a:schemeClr val="tx1"/>
-        </a:solidFill>
-        <a:latin typeface="+mn-lt"/>
-        <a:ea typeface="+mn-ea"/>
-        <a:cs typeface="+mn-cs"/>
-      </a:defRPr>
-    </a:lvl4pPr>
-    <a:lvl5pPr marL="1828800" algn="l" defTabSz="914400" rtl="0" eaLnBrk="1" latinLnBrk="0" hangingPunct="1">
-      <a:defRPr sz="1200" kern="1200">
-        <a:solidFill>
-          <a:schemeClr val="tx1"/>
-        </a:solidFill>
-        <a:latin typeface="+mn-lt"/>
-        <a:ea typeface="+mn-ea"/>
-        <a:cs typeface="+mn-cs"/>
-      </a:defRPr>
-    </a:lvl5pPr>
-    <a:lvl6pPr marL="2286000" algn="l" defTabSz="914400" rtl="0" eaLnBrk="1" latinLnBrk="0" hangingPunct="1">
-      <a:defRPr sz="1200" kern="1200">
-        <a:solidFill>
-          <a:schemeClr val="tx1"/>
-        </a:solidFill>
-        <a:latin typeface="+mn-lt"/>
-        <a:ea typeface="+mn-ea"/>
-        <a:cs typeface="+mn-cs"/>
-      </a:defRPr>
-    </a:lvl6pPr>
-    <a:lvl7pPr marL="2743200" algn="l" defTabSz="914400" rtl="0" eaLnBrk="1" latinLnBrk="0" hangingPunct="1">
-      <a:defRPr sz="1200" kern="1200">
-        <a:solidFill>
-          <a:schemeClr val="tx1"/>
-        </a:solidFill>
-        <a:latin typeface="+mn-lt"/>
-        <a:ea typeface="+mn-ea"/>
-        <a:cs typeface="+mn-cs"/>
-      </a:defRPr>
-    </a:lvl7pPr>
-    <a:lvl8pPr marL="3200400" algn="l" defTabSz="914400" rtl="0" eaLnBrk="1" latinLnBrk="0" hangingPunct="1">
-      <a:defRPr sz="1200" kern="1200">
-        <a:solidFill>
-          <a:schemeClr val="tx1"/>
-        </a:solidFill>
-        <a:latin typeface="+mn-lt"/>
-        <a:ea typeface="+mn-ea"/>
-        <a:cs typeface="+mn-cs"/>
-      </a:defRPr>
-    </a:lvl8pPr>
-    <a:lvl9pPr marL="3657600" algn="l" defTabSz="914400" rtl="0" eaLnBrk="1" latinLnBrk="0" hangingPunct="1">
-      <a:defRPr sz="1200" kern="1200">
-        <a:solidFill>
-          <a:schemeClr val="tx1"/>
-        </a:solidFill>
-        <a:latin typeface="+mn-lt"/>
-        <a:ea typeface="+mn-ea"/>
-        <a:cs typeface="+mn-cs"/>
-      </a:defRPr>
-    </a:lvl9pPr>
-  </p:notesStyle>
-</p:notesMaster>
-</file>
-
-<file path=ppt/notesSlides/notesSlide1.xml><?xml version="1.0" encoding="utf-8"?>
-<p:notes xmlns:a="http://schemas.openxmlformats.org/drawingml/2006/main" xmlns:r="http://schemas.openxmlformats.org/officeDocument/2006/relationships" xmlns:p="http://schemas.openxmlformats.org/presentationml/2006/main">
-  <p:cSld>
-    <p:spTree>
-      <p:nvGrpSpPr>
-        <p:cNvPr id="1" name=""/>
-        <p:cNvGrpSpPr/>
-        <p:nvPr/>
-      </p:nvGrpSpPr>
-      <p:grpSpPr>
-        <a:xfrm>
-          <a:off x="0" y="0"/>
-          <a:ext cx="0" cy="0"/>
-          <a:chOff x="0" y="0"/>
-          <a:chExt cx="0" cy="0"/>
-        </a:xfrm>
-      </p:grpSpPr>
-      <p:sp>
-        <p:nvSpPr>
-          <p:cNvPr id="2" name="Slide Image Placeholder 1"/>
-          <p:cNvSpPr>
-            <a:spLocks noGrp="1" noRot="1" noChangeAspect="1"/>
-          </p:cNvSpPr>
-          <p:nvPr>
-            <p:ph type="sldImg"/>
-          </p:nvPr>
-        </p:nvSpPr>
-        <p:spPr/>
-      </p:sp>
-      <p:sp>
-        <p:nvSpPr>
-          <p:cNvPr id="3" name="Notes Placeholder 2"/>
-          <p:cNvSpPr>
-            <a:spLocks noGrp="1"/>
-          </p:cNvSpPr>
-          <p:nvPr>
-            <p:ph type="body" idx="1"/>
-          </p:nvPr>
-        </p:nvSpPr>
-        <p:spPr/>
-        <p:txBody>
-          <a:bodyPr/>
-          <a:lstStyle/>
-          <a:p>
-            <a:r>
-              <a:rPr lang="en-US" dirty="0" err="1"/>
-              <a:t>Slidexxx,TransitionDuration,ClickForNext</a:t>
-            </a:r>
-            <a:r>
-              <a:rPr lang="en-US" dirty="0"/>
-              <a:t> (Boolean True/False), Gender of voice (Male/Female),Text to say</a:t>
-            </a:r>
-          </a:p>
-          <a:p>
-            <a:r>
-              <a:rPr lang="en-US" dirty="0"/>
-              <a:t>Slide001,0,True,Female,"Let us look at Network Theory in Risk Assessment. We will be doing so using the Bow-Tie method."</a:t>
-            </a:r>
-            <a:endParaRPr lang="nb-NO" dirty="0"/>
-          </a:p>
-        </p:txBody>
-      </p:sp>
-      <p:sp>
-        <p:nvSpPr>
-          <p:cNvPr id="4" name="Slide Number Placeholder 3"/>
-          <p:cNvSpPr>
-            <a:spLocks noGrp="1"/>
-          </p:cNvSpPr>
-          <p:nvPr>
-            <p:ph type="sldNum" sz="quarter" idx="5"/>
-          </p:nvPr>
-        </p:nvSpPr>
-        <p:spPr/>
-        <p:txBody>
-          <a:bodyPr/>
-          <a:lstStyle/>
-          <a:p>
-            <a:fld id="{0233F9FD-10AB-4AF3-9E18-2736BB53DE70}" type="slidenum">
-              <a:rPr lang="nb-NO" smtClean="0"/>
-              <a:t>1</a:t>
-            </a:fld>
-            <a:endParaRPr lang="nb-NO"/>
-          </a:p>
-        </p:txBody>
-      </p:sp>
-    </p:spTree>
-    <p:extLst>
-      <p:ext uri="{BB962C8B-B14F-4D97-AF65-F5344CB8AC3E}">
-        <p14:creationId xmlns:p14="http://schemas.microsoft.com/office/powerpoint/2010/main" val="3362559793"/>
-      </p:ext>
-    </p:extLst>
-  </p:cSld>
-  <p:clrMapOvr>
-    <a:masterClrMapping/>
-  </p:clrMapOvr>
-</p:notes>
-</file>
-
-<file path=ppt/notesSlides/notesSlide2.xml><?xml version="1.0" encoding="utf-8"?>
-<p:notes xmlns:a="http://schemas.openxmlformats.org/drawingml/2006/main" xmlns:r="http://schemas.openxmlformats.org/officeDocument/2006/relationships" xmlns:p="http://schemas.openxmlformats.org/presentationml/2006/main">
-  <p:cSld>
-    <p:spTree>
-      <p:nvGrpSpPr>
-        <p:cNvPr id="1" name=""/>
-        <p:cNvGrpSpPr/>
-        <p:nvPr/>
-      </p:nvGrpSpPr>
-      <p:grpSpPr>
-        <a:xfrm>
-          <a:off x="0" y="0"/>
-          <a:ext cx="0" cy="0"/>
-          <a:chOff x="0" y="0"/>
-          <a:chExt cx="0" cy="0"/>
-        </a:xfrm>
-      </p:grpSpPr>
-      <p:sp>
-        <p:nvSpPr>
-          <p:cNvPr id="2" name="Slide Image Placeholder 1"/>
-          <p:cNvSpPr>
-            <a:spLocks noGrp="1" noRot="1" noChangeAspect="1"/>
-          </p:cNvSpPr>
-          <p:nvPr>
-            <p:ph type="sldImg"/>
-          </p:nvPr>
-        </p:nvSpPr>
-        <p:spPr/>
-      </p:sp>
-      <p:sp>
-        <p:nvSpPr>
-          <p:cNvPr id="3" name="Notes Placeholder 2"/>
-          <p:cNvSpPr>
-            <a:spLocks noGrp="1"/>
-          </p:cNvSpPr>
-          <p:nvPr>
-            <p:ph type="body" idx="1"/>
-          </p:nvPr>
-        </p:nvSpPr>
-        <p:spPr/>
-        <p:txBody>
-          <a:bodyPr/>
-          <a:lstStyle/>
-          <a:p>
-            <a:r>
-              <a:rPr lang="en-US" dirty="0" err="1"/>
-              <a:t>Slidexxx,TransitionDuration,ClickForNext</a:t>
-            </a:r>
-            <a:r>
-              <a:rPr lang="en-US" dirty="0"/>
-              <a:t> (Boolean True/False), Gender of voice (Male/Female),Text to say</a:t>
-            </a:r>
-          </a:p>
-          <a:p>
-            <a:r>
-              <a:rPr lang="en-US" dirty="0"/>
-              <a:t>Slide002,0,False,Female,"The Bow-Tie method starts with a look at a Hazard that can lead to </a:t>
-            </a:r>
-            <a:r>
-              <a:rPr lang="en-US"/>
-              <a:t>an Event."</a:t>
-            </a:r>
-            <a:endParaRPr lang="en-US" dirty="0"/>
-          </a:p>
-        </p:txBody>
-      </p:sp>
-      <p:sp>
-        <p:nvSpPr>
-          <p:cNvPr id="4" name="Slide Number Placeholder 3"/>
-          <p:cNvSpPr>
-            <a:spLocks noGrp="1"/>
-          </p:cNvSpPr>
-          <p:nvPr>
-            <p:ph type="sldNum" sz="quarter" idx="5"/>
-          </p:nvPr>
-        </p:nvSpPr>
-        <p:spPr/>
-        <p:txBody>
-          <a:bodyPr/>
-          <a:lstStyle/>
-          <a:p>
-            <a:fld id="{0233F9FD-10AB-4AF3-9E18-2736BB53DE70}" type="slidenum">
-              <a:rPr lang="nb-NO" smtClean="0"/>
-              <a:t>2</a:t>
-            </a:fld>
-            <a:endParaRPr lang="nb-NO"/>
-          </a:p>
-        </p:txBody>
-      </p:sp>
-    </p:spTree>
-    <p:extLst>
-      <p:ext uri="{BB962C8B-B14F-4D97-AF65-F5344CB8AC3E}">
-        <p14:creationId xmlns:p14="http://schemas.microsoft.com/office/powerpoint/2010/main" val="3241386491"/>
-      </p:ext>
-    </p:extLst>
-  </p:cSld>
-  <p:clrMapOvr>
-    <a:masterClrMapping/>
-  </p:clrMapOvr>
-</p:notes>
-</file>
-
-<file path=ppt/notesSlides/notesSlide3.xml><?xml version="1.0" encoding="utf-8"?>
-<p:notes xmlns:a="http://schemas.openxmlformats.org/drawingml/2006/main" xmlns:r="http://schemas.openxmlformats.org/officeDocument/2006/relationships" xmlns:p="http://schemas.openxmlformats.org/presentationml/2006/main">
-  <p:cSld>
-    <p:spTree>
-      <p:nvGrpSpPr>
-        <p:cNvPr id="1" name=""/>
-        <p:cNvGrpSpPr/>
-        <p:nvPr/>
-      </p:nvGrpSpPr>
-      <p:grpSpPr>
-        <a:xfrm>
-          <a:off x="0" y="0"/>
-          <a:ext cx="0" cy="0"/>
-          <a:chOff x="0" y="0"/>
-          <a:chExt cx="0" cy="0"/>
-        </a:xfrm>
-      </p:grpSpPr>
-      <p:sp>
-        <p:nvSpPr>
-          <p:cNvPr id="2" name="Slide Image Placeholder 1"/>
-          <p:cNvSpPr>
-            <a:spLocks noGrp="1" noRot="1" noChangeAspect="1"/>
-          </p:cNvSpPr>
-          <p:nvPr>
-            <p:ph type="sldImg"/>
-          </p:nvPr>
-        </p:nvSpPr>
-        <p:spPr/>
-      </p:sp>
-      <p:sp>
-        <p:nvSpPr>
-          <p:cNvPr id="3" name="Notes Placeholder 2"/>
-          <p:cNvSpPr>
-            <a:spLocks noGrp="1"/>
-          </p:cNvSpPr>
-          <p:nvPr>
-            <p:ph type="body" idx="1"/>
-          </p:nvPr>
-        </p:nvSpPr>
-        <p:spPr/>
-        <p:txBody>
-          <a:bodyPr/>
-          <a:lstStyle/>
-          <a:p>
-            <a:r>
-              <a:rPr lang="en-US" dirty="0" err="1"/>
-              <a:t>Slidexxx,TransitionDuration,ClickForNext</a:t>
-            </a:r>
-            <a:r>
-              <a:rPr lang="en-US" dirty="0"/>
-              <a:t> (Boolean True/False), Gender of voice (Male/Female),Text to say</a:t>
-            </a:r>
-          </a:p>
-          <a:p>
-            <a:r>
-              <a:rPr lang="en-US" dirty="0"/>
-              <a:t>Slide003,0,False,Female,"In this run-through of the model we look at Business E-mail Compromise that leads to fraud."</a:t>
-            </a:r>
-          </a:p>
-          <a:p>
-            <a:pPr marL="0" marR="0" lvl="0" indent="0" algn="l" defTabSz="914400" rtl="0" eaLnBrk="1" fontAlgn="auto" latinLnBrk="0" hangingPunct="1">
-              <a:lnSpc>
-                <a:spcPct val="100000"/>
-              </a:lnSpc>
-              <a:spcBef>
-                <a:spcPts val="0"/>
-              </a:spcBef>
-              <a:spcAft>
-                <a:spcPts val="0"/>
-              </a:spcAft>
-              <a:buClrTx/>
-              <a:buSzTx/>
-              <a:buFontTx/>
-              <a:buNone/>
-              <a:tabLst/>
-              <a:defRPr/>
-            </a:pPr>
-            <a:r>
-              <a:rPr lang="en-US" dirty="0"/>
-              <a:t>Slide003,0,False,Female,"The fraudsters could target our company or our customers or partners."</a:t>
-            </a:r>
-          </a:p>
-        </p:txBody>
-      </p:sp>
-      <p:sp>
-        <p:nvSpPr>
-          <p:cNvPr id="4" name="Slide Number Placeholder 3"/>
-          <p:cNvSpPr>
-            <a:spLocks noGrp="1"/>
-          </p:cNvSpPr>
-          <p:nvPr>
-            <p:ph type="sldNum" sz="quarter" idx="5"/>
-          </p:nvPr>
-        </p:nvSpPr>
-        <p:spPr/>
-        <p:txBody>
-          <a:bodyPr/>
-          <a:lstStyle/>
-          <a:p>
-            <a:fld id="{0233F9FD-10AB-4AF3-9E18-2736BB53DE70}" type="slidenum">
-              <a:rPr lang="nb-NO" smtClean="0"/>
-              <a:t>3</a:t>
-            </a:fld>
-            <a:endParaRPr lang="nb-NO"/>
-          </a:p>
-        </p:txBody>
-      </p:sp>
-    </p:spTree>
-    <p:extLst>
-      <p:ext uri="{BB962C8B-B14F-4D97-AF65-F5344CB8AC3E}">
-        <p14:creationId xmlns:p14="http://schemas.microsoft.com/office/powerpoint/2010/main" val="1566003683"/>
-      </p:ext>
-    </p:extLst>
-  </p:cSld>
-  <p:clrMapOvr>
-    <a:masterClrMapping/>
-  </p:clrMapOvr>
-</p:notes>
-</file>
-
-<file path=ppt/notesSlides/notesSlide4.xml><?xml version="1.0" encoding="utf-8"?>
-<p:notes xmlns:a="http://schemas.openxmlformats.org/drawingml/2006/main" xmlns:r="http://schemas.openxmlformats.org/officeDocument/2006/relationships" xmlns:p="http://schemas.openxmlformats.org/presentationml/2006/main">
-  <p:cSld>
-    <p:spTree>
-      <p:nvGrpSpPr>
-        <p:cNvPr id="1" name=""/>
-        <p:cNvGrpSpPr/>
-        <p:nvPr/>
-      </p:nvGrpSpPr>
-      <p:grpSpPr>
-        <a:xfrm>
-          <a:off x="0" y="0"/>
-          <a:ext cx="0" cy="0"/>
-          <a:chOff x="0" y="0"/>
-          <a:chExt cx="0" cy="0"/>
-        </a:xfrm>
-      </p:grpSpPr>
-      <p:sp>
-        <p:nvSpPr>
-          <p:cNvPr id="2" name="Slide Image Placeholder 1"/>
-          <p:cNvSpPr>
-            <a:spLocks noGrp="1" noRot="1" noChangeAspect="1"/>
-          </p:cNvSpPr>
-          <p:nvPr>
-            <p:ph type="sldImg"/>
-          </p:nvPr>
-        </p:nvSpPr>
-        <p:spPr/>
-      </p:sp>
-      <p:sp>
-        <p:nvSpPr>
-          <p:cNvPr id="3" name="Notes Placeholder 2"/>
-          <p:cNvSpPr>
-            <a:spLocks noGrp="1"/>
-          </p:cNvSpPr>
-          <p:nvPr>
-            <p:ph type="body" idx="1"/>
-          </p:nvPr>
-        </p:nvSpPr>
-        <p:spPr/>
-        <p:txBody>
-          <a:bodyPr/>
-          <a:lstStyle/>
-          <a:p>
-            <a:pPr marL="0" marR="0" lvl="0" indent="0" algn="l" defTabSz="914400" rtl="0" eaLnBrk="1" fontAlgn="auto" latinLnBrk="0" hangingPunct="1">
-              <a:lnSpc>
-                <a:spcPct val="100000"/>
-              </a:lnSpc>
-              <a:spcBef>
-                <a:spcPts val="0"/>
-              </a:spcBef>
-              <a:spcAft>
-                <a:spcPts val="0"/>
-              </a:spcAft>
-              <a:buClrTx/>
-              <a:buSzTx/>
-              <a:buFontTx/>
-              <a:buNone/>
-              <a:tabLst/>
-              <a:defRPr/>
-            </a:pPr>
-            <a:r>
-              <a:rPr lang="en-US" dirty="0" err="1"/>
-              <a:t>Slidexxx,TransitionDuration,ClickForNext</a:t>
-            </a:r>
-            <a:r>
-              <a:rPr lang="en-US" dirty="0"/>
-              <a:t> (Boolean True/False), Gender of voice (Male/Female),Text to say</a:t>
-            </a:r>
-          </a:p>
-          <a:p>
-            <a:pPr marL="0" marR="0" lvl="0" indent="0" algn="l" defTabSz="914400" rtl="0" eaLnBrk="1" fontAlgn="auto" latinLnBrk="0" hangingPunct="1">
-              <a:lnSpc>
-                <a:spcPct val="100000"/>
-              </a:lnSpc>
-              <a:spcBef>
-                <a:spcPts val="0"/>
-              </a:spcBef>
-              <a:spcAft>
-                <a:spcPts val="0"/>
-              </a:spcAft>
-              <a:buClrTx/>
-              <a:buSzTx/>
-              <a:buFontTx/>
-              <a:buNone/>
-              <a:tabLst/>
-              <a:defRPr/>
-            </a:pPr>
-            <a:r>
-              <a:rPr lang="en-US" dirty="0"/>
-              <a:t>Slide004,0,False,Female,"The 2018 Internet Crime Report had the combination of Business Email Compromise and Email Account Compromise listed at the very top."</a:t>
-            </a:r>
-          </a:p>
-          <a:p>
-            <a:pPr marL="0" marR="0" lvl="0" indent="0" algn="l" defTabSz="914400" rtl="0" eaLnBrk="1" fontAlgn="auto" latinLnBrk="0" hangingPunct="1">
-              <a:lnSpc>
-                <a:spcPct val="100000"/>
-              </a:lnSpc>
-              <a:spcBef>
-                <a:spcPts val="0"/>
-              </a:spcBef>
-              <a:spcAft>
-                <a:spcPts val="0"/>
-              </a:spcAft>
-              <a:buClrTx/>
-              <a:buSzTx/>
-              <a:buFontTx/>
-              <a:buNone/>
-              <a:tabLst/>
-              <a:defRPr/>
-            </a:pPr>
-            <a:r>
-              <a:rPr lang="en-US" dirty="0"/>
-              <a:t>Slide004,0,False,Female,"The reported Victim Loss was the incredible amount of 1.3 Billion US dollars."</a:t>
-            </a:r>
-          </a:p>
-          <a:p>
-            <a:endParaRPr lang="nb-NO" dirty="0"/>
-          </a:p>
-        </p:txBody>
-      </p:sp>
-      <p:sp>
-        <p:nvSpPr>
-          <p:cNvPr id="4" name="Slide Number Placeholder 3"/>
-          <p:cNvSpPr>
-            <a:spLocks noGrp="1"/>
-          </p:cNvSpPr>
-          <p:nvPr>
-            <p:ph type="sldNum" sz="quarter" idx="5"/>
-          </p:nvPr>
-        </p:nvSpPr>
-        <p:spPr/>
-        <p:txBody>
-          <a:bodyPr/>
-          <a:lstStyle/>
-          <a:p>
-            <a:fld id="{0233F9FD-10AB-4AF3-9E18-2736BB53DE70}" type="slidenum">
-              <a:rPr lang="nb-NO" smtClean="0"/>
-              <a:t>4</a:t>
-            </a:fld>
-            <a:endParaRPr lang="nb-NO"/>
-          </a:p>
-        </p:txBody>
-      </p:sp>
-    </p:spTree>
-    <p:extLst>
-      <p:ext uri="{BB962C8B-B14F-4D97-AF65-F5344CB8AC3E}">
-        <p14:creationId xmlns:p14="http://schemas.microsoft.com/office/powerpoint/2010/main" val="3517908375"/>
-      </p:ext>
-    </p:extLst>
-  </p:cSld>
-  <p:clrMapOvr>
-    <a:masterClrMapping/>
-  </p:clrMapOvr>
-</p:notes>
-</file>
-
-<file path=ppt/notesSlides/notesSlide5.xml><?xml version="1.0" encoding="utf-8"?>
-<p:notes xmlns:a="http://schemas.openxmlformats.org/drawingml/2006/main" xmlns:r="http://schemas.openxmlformats.org/officeDocument/2006/relationships" xmlns:p="http://schemas.openxmlformats.org/presentationml/2006/main">
-  <p:cSld>
-    <p:spTree>
-      <p:nvGrpSpPr>
-        <p:cNvPr id="1" name=""/>
-        <p:cNvGrpSpPr/>
-        <p:nvPr/>
-      </p:nvGrpSpPr>
-      <p:grpSpPr>
-        <a:xfrm>
-          <a:off x="0" y="0"/>
-          <a:ext cx="0" cy="0"/>
-          <a:chOff x="0" y="0"/>
-          <a:chExt cx="0" cy="0"/>
-        </a:xfrm>
-      </p:grpSpPr>
-      <p:sp>
-        <p:nvSpPr>
-          <p:cNvPr id="2" name="Slide Image Placeholder 1"/>
-          <p:cNvSpPr>
-            <a:spLocks noGrp="1" noRot="1" noChangeAspect="1"/>
-          </p:cNvSpPr>
-          <p:nvPr>
-            <p:ph type="sldImg"/>
-          </p:nvPr>
-        </p:nvSpPr>
-        <p:spPr/>
-      </p:sp>
-      <p:sp>
-        <p:nvSpPr>
-          <p:cNvPr id="3" name="Notes Placeholder 2"/>
-          <p:cNvSpPr>
-            <a:spLocks noGrp="1"/>
-          </p:cNvSpPr>
-          <p:nvPr>
-            <p:ph type="body" idx="1"/>
-          </p:nvPr>
-        </p:nvSpPr>
-        <p:spPr/>
-        <p:txBody>
-          <a:bodyPr/>
-          <a:lstStyle/>
-          <a:p>
-            <a:pPr marL="0" marR="0" lvl="0" indent="0" algn="l" defTabSz="914400" rtl="0" eaLnBrk="1" fontAlgn="auto" latinLnBrk="0" hangingPunct="1">
-              <a:lnSpc>
-                <a:spcPct val="100000"/>
-              </a:lnSpc>
-              <a:spcBef>
-                <a:spcPts val="0"/>
-              </a:spcBef>
-              <a:spcAft>
-                <a:spcPts val="0"/>
-              </a:spcAft>
-              <a:buClrTx/>
-              <a:buSzTx/>
-              <a:buFontTx/>
-              <a:buNone/>
-              <a:tabLst/>
-              <a:defRPr/>
-            </a:pPr>
-            <a:r>
-              <a:rPr lang="en-US" dirty="0" err="1"/>
-              <a:t>Slidexxx,TransitionDuration,ClickForNext</a:t>
-            </a:r>
-            <a:r>
-              <a:rPr lang="en-US" dirty="0"/>
-              <a:t> (Boolean True/False), Gender of voice (Male/Female),Text to say</a:t>
-            </a:r>
-          </a:p>
-          <a:p>
-            <a:pPr marL="0" marR="0" lvl="0" indent="0" algn="l" defTabSz="914400" rtl="0" eaLnBrk="1" fontAlgn="auto" latinLnBrk="0" hangingPunct="1">
-              <a:lnSpc>
-                <a:spcPct val="100000"/>
-              </a:lnSpc>
-              <a:spcBef>
-                <a:spcPts val="0"/>
-              </a:spcBef>
-              <a:spcAft>
-                <a:spcPts val="0"/>
-              </a:spcAft>
-              <a:buClrTx/>
-              <a:buSzTx/>
-              <a:buFontTx/>
-              <a:buNone/>
-              <a:tabLst/>
-              <a:defRPr/>
-            </a:pPr>
-            <a:r>
-              <a:rPr lang="en-US" dirty="0"/>
-              <a:t>Slide016,5,False,Female,"Thanks for watching!</a:t>
-            </a:r>
-            <a:r>
-              <a:rPr lang="nb-NO" dirty="0"/>
-              <a:t>"</a:t>
-            </a:r>
-            <a:endParaRPr lang="en-US" dirty="0"/>
-          </a:p>
-        </p:txBody>
-      </p:sp>
-      <p:sp>
-        <p:nvSpPr>
-          <p:cNvPr id="4" name="Slide Number Placeholder 3"/>
-          <p:cNvSpPr>
-            <a:spLocks noGrp="1"/>
-          </p:cNvSpPr>
-          <p:nvPr>
-            <p:ph type="sldNum" sz="quarter" idx="5"/>
-          </p:nvPr>
-        </p:nvSpPr>
-        <p:spPr/>
-        <p:txBody>
-          <a:bodyPr/>
-          <a:lstStyle/>
-          <a:p>
-            <a:fld id="{0233F9FD-10AB-4AF3-9E18-2736BB53DE70}" type="slidenum">
-              <a:rPr lang="nb-NO" smtClean="0"/>
-              <a:t>5</a:t>
-            </a:fld>
-            <a:endParaRPr lang="nb-NO"/>
-          </a:p>
-        </p:txBody>
-      </p:sp>
-    </p:spTree>
-    <p:extLst>
-      <p:ext uri="{BB962C8B-B14F-4D97-AF65-F5344CB8AC3E}">
-        <p14:creationId xmlns:p14="http://schemas.microsoft.com/office/powerpoint/2010/main" val="4017132071"/>
-      </p:ext>
-    </p:extLst>
-  </p:cSld>
-  <p:clrMapOvr>
-    <a:masterClrMapping/>
-  </p:clrMapOvr>
-</p:notes>
 </file>
 
 <file path=ppt/slideLayouts/slideLayout1.xml><?xml version="1.0" encoding="utf-8"?>
@@ -1104,7 +132,7 @@
           <p:cNvPr id="2" name="Title 1">
             <a:extLst>
               <a:ext uri="{FF2B5EF4-FFF2-40B4-BE49-F238E27FC236}">
-                <a16:creationId xmlns:a16="http://schemas.microsoft.com/office/drawing/2014/main" id="{47A4BE38-3C9A-46D7-9E8C-315E1EAB84B8}"/>
+                <a16:creationId xmlns:a16="http://schemas.microsoft.com/office/drawing/2014/main" id="{1BD53B09-3CA8-4146-864B-8850A85A66AF}"/>
               </a:ext>
             </a:extLst>
           </p:cNvPr>
@@ -1142,7 +170,7 @@
           <p:cNvPr id="3" name="Subtitle 2">
             <a:extLst>
               <a:ext uri="{FF2B5EF4-FFF2-40B4-BE49-F238E27FC236}">
-                <a16:creationId xmlns:a16="http://schemas.microsoft.com/office/drawing/2014/main" id="{74AF944F-95B9-4E0F-A357-CC676B8B65CA}"/>
+                <a16:creationId xmlns:a16="http://schemas.microsoft.com/office/drawing/2014/main" id="{10D820AD-CE02-497F-92C1-A4A1D42EED57}"/>
               </a:ext>
             </a:extLst>
           </p:cNvPr>
@@ -1213,7 +241,7 @@
           <p:cNvPr id="4" name="Date Placeholder 3">
             <a:extLst>
               <a:ext uri="{FF2B5EF4-FFF2-40B4-BE49-F238E27FC236}">
-                <a16:creationId xmlns:a16="http://schemas.microsoft.com/office/drawing/2014/main" id="{B32EA070-24C6-4D36-901A-C13375942B1D}"/>
+                <a16:creationId xmlns:a16="http://schemas.microsoft.com/office/drawing/2014/main" id="{EA686CEE-67D8-4758-9E86-A382DF1EB3A0}"/>
               </a:ext>
             </a:extLst>
           </p:cNvPr>
@@ -1229,9 +257,9 @@
           <a:bodyPr/>
           <a:lstStyle/>
           <a:p>
-            <a:fld id="{B2C2D184-42E9-45CD-A9C8-B85E03024ED6}" type="datetimeFigureOut">
+            <a:fld id="{E6C88626-B35D-4F2B-B082-5DE8C0F00F1C}" type="datetimeFigureOut">
               <a:rPr lang="nb-NO" smtClean="0"/>
-              <a:t>21.10.2019</a:t>
+              <a:t>24.10.2019</a:t>
             </a:fld>
             <a:endParaRPr lang="nb-NO"/>
           </a:p>
@@ -1242,7 +270,7 @@
           <p:cNvPr id="5" name="Footer Placeholder 4">
             <a:extLst>
               <a:ext uri="{FF2B5EF4-FFF2-40B4-BE49-F238E27FC236}">
-                <a16:creationId xmlns:a16="http://schemas.microsoft.com/office/drawing/2014/main" id="{A0DB4676-F110-4BAB-AE23-D49B1B0B21F2}"/>
+                <a16:creationId xmlns:a16="http://schemas.microsoft.com/office/drawing/2014/main" id="{06AB0C41-D371-4267-927C-21C57D9DC11D}"/>
               </a:ext>
             </a:extLst>
           </p:cNvPr>
@@ -1267,7 +295,7 @@
           <p:cNvPr id="6" name="Slide Number Placeholder 5">
             <a:extLst>
               <a:ext uri="{FF2B5EF4-FFF2-40B4-BE49-F238E27FC236}">
-                <a16:creationId xmlns:a16="http://schemas.microsoft.com/office/drawing/2014/main" id="{8462905F-9408-445C-AF17-D8C9BC1AAB68}"/>
+                <a16:creationId xmlns:a16="http://schemas.microsoft.com/office/drawing/2014/main" id="{AA2B2E8F-3055-418F-84AD-6538A66512E9}"/>
               </a:ext>
             </a:extLst>
           </p:cNvPr>
@@ -1283,7 +311,7 @@
           <a:bodyPr/>
           <a:lstStyle/>
           <a:p>
-            <a:fld id="{39AB1B2D-2B2D-46D0-839F-616D810E2342}" type="slidenum">
+            <a:fld id="{50F557BE-4A20-4409-BA63-37F803670A5E}" type="slidenum">
               <a:rPr lang="nb-NO" smtClean="0"/>
               <a:t>‹#›</a:t>
             </a:fld>
@@ -1294,7 +322,7 @@
     </p:spTree>
     <p:extLst>
       <p:ext uri="{BB962C8B-B14F-4D97-AF65-F5344CB8AC3E}">
-        <p14:creationId xmlns:p14="http://schemas.microsoft.com/office/powerpoint/2010/main" val="477889598"/>
+        <p14:creationId xmlns:p14="http://schemas.microsoft.com/office/powerpoint/2010/main" val="1828712312"/>
       </p:ext>
     </p:extLst>
   </p:cSld>
@@ -1326,7 +354,7 @@
           <p:cNvPr id="2" name="Title 1">
             <a:extLst>
               <a:ext uri="{FF2B5EF4-FFF2-40B4-BE49-F238E27FC236}">
-                <a16:creationId xmlns:a16="http://schemas.microsoft.com/office/drawing/2014/main" id="{69A5D9E4-EA7D-4E03-B0A3-CBAF28800817}"/>
+                <a16:creationId xmlns:a16="http://schemas.microsoft.com/office/drawing/2014/main" id="{9BCB0E26-9218-4208-9BED-798DB3C96C22}"/>
               </a:ext>
             </a:extLst>
           </p:cNvPr>
@@ -1355,7 +383,7 @@
           <p:cNvPr id="3" name="Vertical Text Placeholder 2">
             <a:extLst>
               <a:ext uri="{FF2B5EF4-FFF2-40B4-BE49-F238E27FC236}">
-                <a16:creationId xmlns:a16="http://schemas.microsoft.com/office/drawing/2014/main" id="{7CECDB79-C555-449E-ACB6-A9419C68F960}"/>
+                <a16:creationId xmlns:a16="http://schemas.microsoft.com/office/drawing/2014/main" id="{6D3B2BB7-DA0E-4D9E-896C-FE1D348B0C97}"/>
               </a:ext>
             </a:extLst>
           </p:cNvPr>
@@ -1413,7 +441,7 @@
           <p:cNvPr id="4" name="Date Placeholder 3">
             <a:extLst>
               <a:ext uri="{FF2B5EF4-FFF2-40B4-BE49-F238E27FC236}">
-                <a16:creationId xmlns:a16="http://schemas.microsoft.com/office/drawing/2014/main" id="{7E37F9CF-7BF4-4E1C-86C6-498AF4EA6AAC}"/>
+                <a16:creationId xmlns:a16="http://schemas.microsoft.com/office/drawing/2014/main" id="{108E52E8-73C3-4D4A-A3A2-E96158337A94}"/>
               </a:ext>
             </a:extLst>
           </p:cNvPr>
@@ -1429,9 +457,9 @@
           <a:bodyPr/>
           <a:lstStyle/>
           <a:p>
-            <a:fld id="{B2C2D184-42E9-45CD-A9C8-B85E03024ED6}" type="datetimeFigureOut">
+            <a:fld id="{E6C88626-B35D-4F2B-B082-5DE8C0F00F1C}" type="datetimeFigureOut">
               <a:rPr lang="nb-NO" smtClean="0"/>
-              <a:t>21.10.2019</a:t>
+              <a:t>24.10.2019</a:t>
             </a:fld>
             <a:endParaRPr lang="nb-NO"/>
           </a:p>
@@ -1442,7 +470,7 @@
           <p:cNvPr id="5" name="Footer Placeholder 4">
             <a:extLst>
               <a:ext uri="{FF2B5EF4-FFF2-40B4-BE49-F238E27FC236}">
-                <a16:creationId xmlns:a16="http://schemas.microsoft.com/office/drawing/2014/main" id="{AD48C867-EB5A-45D3-8073-4B0990832BF8}"/>
+                <a16:creationId xmlns:a16="http://schemas.microsoft.com/office/drawing/2014/main" id="{FD287B23-5AEE-4639-8D06-081F6AFC47A0}"/>
               </a:ext>
             </a:extLst>
           </p:cNvPr>
@@ -1467,7 +495,7 @@
           <p:cNvPr id="6" name="Slide Number Placeholder 5">
             <a:extLst>
               <a:ext uri="{FF2B5EF4-FFF2-40B4-BE49-F238E27FC236}">
-                <a16:creationId xmlns:a16="http://schemas.microsoft.com/office/drawing/2014/main" id="{C47A6F12-FEEF-4DD0-8C32-36FD8D8271D1}"/>
+                <a16:creationId xmlns:a16="http://schemas.microsoft.com/office/drawing/2014/main" id="{1C77133F-49BD-44D8-9412-B0C776F219C6}"/>
               </a:ext>
             </a:extLst>
           </p:cNvPr>
@@ -1483,7 +511,7 @@
           <a:bodyPr/>
           <a:lstStyle/>
           <a:p>
-            <a:fld id="{39AB1B2D-2B2D-46D0-839F-616D810E2342}" type="slidenum">
+            <a:fld id="{50F557BE-4A20-4409-BA63-37F803670A5E}" type="slidenum">
               <a:rPr lang="nb-NO" smtClean="0"/>
               <a:t>‹#›</a:t>
             </a:fld>
@@ -1494,7 +522,7 @@
     </p:spTree>
     <p:extLst>
       <p:ext uri="{BB962C8B-B14F-4D97-AF65-F5344CB8AC3E}">
-        <p14:creationId xmlns:p14="http://schemas.microsoft.com/office/powerpoint/2010/main" val="723166101"/>
+        <p14:creationId xmlns:p14="http://schemas.microsoft.com/office/powerpoint/2010/main" val="3440721403"/>
       </p:ext>
     </p:extLst>
   </p:cSld>
@@ -1526,7 +554,7 @@
           <p:cNvPr id="2" name="Vertical Title 1">
             <a:extLst>
               <a:ext uri="{FF2B5EF4-FFF2-40B4-BE49-F238E27FC236}">
-                <a16:creationId xmlns:a16="http://schemas.microsoft.com/office/drawing/2014/main" id="{5F836DD0-58CE-4F05-AE30-0B037AF9DC27}"/>
+                <a16:creationId xmlns:a16="http://schemas.microsoft.com/office/drawing/2014/main" id="{9C9C08C2-FA4A-4904-AE8C-870C46766DA0}"/>
               </a:ext>
             </a:extLst>
           </p:cNvPr>
@@ -1560,7 +588,7 @@
           <p:cNvPr id="3" name="Vertical Text Placeholder 2">
             <a:extLst>
               <a:ext uri="{FF2B5EF4-FFF2-40B4-BE49-F238E27FC236}">
-                <a16:creationId xmlns:a16="http://schemas.microsoft.com/office/drawing/2014/main" id="{5995A2AF-589F-4043-9575-03A3BA62F5A6}"/>
+                <a16:creationId xmlns:a16="http://schemas.microsoft.com/office/drawing/2014/main" id="{F4A7A3A3-38FE-42F0-A460-A14A619F5D0D}"/>
               </a:ext>
             </a:extLst>
           </p:cNvPr>
@@ -1623,7 +651,7 @@
           <p:cNvPr id="4" name="Date Placeholder 3">
             <a:extLst>
               <a:ext uri="{FF2B5EF4-FFF2-40B4-BE49-F238E27FC236}">
-                <a16:creationId xmlns:a16="http://schemas.microsoft.com/office/drawing/2014/main" id="{26C87B74-A3C6-4827-BEF1-B6BFB1B38020}"/>
+                <a16:creationId xmlns:a16="http://schemas.microsoft.com/office/drawing/2014/main" id="{C8C097EF-C889-4DB4-BF09-C2A0BC0A74E1}"/>
               </a:ext>
             </a:extLst>
           </p:cNvPr>
@@ -1639,9 +667,9 @@
           <a:bodyPr/>
           <a:lstStyle/>
           <a:p>
-            <a:fld id="{B2C2D184-42E9-45CD-A9C8-B85E03024ED6}" type="datetimeFigureOut">
+            <a:fld id="{E6C88626-B35D-4F2B-B082-5DE8C0F00F1C}" type="datetimeFigureOut">
               <a:rPr lang="nb-NO" smtClean="0"/>
-              <a:t>21.10.2019</a:t>
+              <a:t>24.10.2019</a:t>
             </a:fld>
             <a:endParaRPr lang="nb-NO"/>
           </a:p>
@@ -1652,7 +680,7 @@
           <p:cNvPr id="5" name="Footer Placeholder 4">
             <a:extLst>
               <a:ext uri="{FF2B5EF4-FFF2-40B4-BE49-F238E27FC236}">
-                <a16:creationId xmlns:a16="http://schemas.microsoft.com/office/drawing/2014/main" id="{445B7B30-EEB2-49A2-AB8D-8EBB06187D5B}"/>
+                <a16:creationId xmlns:a16="http://schemas.microsoft.com/office/drawing/2014/main" id="{B5A66CFF-3E97-46CD-8451-D24972E06DB9}"/>
               </a:ext>
             </a:extLst>
           </p:cNvPr>
@@ -1677,7 +705,7 @@
           <p:cNvPr id="6" name="Slide Number Placeholder 5">
             <a:extLst>
               <a:ext uri="{FF2B5EF4-FFF2-40B4-BE49-F238E27FC236}">
-                <a16:creationId xmlns:a16="http://schemas.microsoft.com/office/drawing/2014/main" id="{37811452-3354-4B8F-85DC-8A457A5C049B}"/>
+                <a16:creationId xmlns:a16="http://schemas.microsoft.com/office/drawing/2014/main" id="{454D87D3-4A05-4118-A8FC-A844E5E04B4C}"/>
               </a:ext>
             </a:extLst>
           </p:cNvPr>
@@ -1693,7 +721,7 @@
           <a:bodyPr/>
           <a:lstStyle/>
           <a:p>
-            <a:fld id="{39AB1B2D-2B2D-46D0-839F-616D810E2342}" type="slidenum">
+            <a:fld id="{50F557BE-4A20-4409-BA63-37F803670A5E}" type="slidenum">
               <a:rPr lang="nb-NO" smtClean="0"/>
               <a:t>‹#›</a:t>
             </a:fld>
@@ -1704,7 +732,7 @@
     </p:spTree>
     <p:extLst>
       <p:ext uri="{BB962C8B-B14F-4D97-AF65-F5344CB8AC3E}">
-        <p14:creationId xmlns:p14="http://schemas.microsoft.com/office/powerpoint/2010/main" val="1720684386"/>
+        <p14:creationId xmlns:p14="http://schemas.microsoft.com/office/powerpoint/2010/main" val="2157213250"/>
       </p:ext>
     </p:extLst>
   </p:cSld>
@@ -1736,7 +764,7 @@
           <p:cNvPr id="2" name="Title 1">
             <a:extLst>
               <a:ext uri="{FF2B5EF4-FFF2-40B4-BE49-F238E27FC236}">
-                <a16:creationId xmlns:a16="http://schemas.microsoft.com/office/drawing/2014/main" id="{72BA13D5-0F37-4978-9BD3-E8DD0076CDBA}"/>
+                <a16:creationId xmlns:a16="http://schemas.microsoft.com/office/drawing/2014/main" id="{640EAE8E-087C-497B-9B8F-8ED0A60D3CA6}"/>
               </a:ext>
             </a:extLst>
           </p:cNvPr>
@@ -1765,7 +793,7 @@
           <p:cNvPr id="3" name="Content Placeholder 2">
             <a:extLst>
               <a:ext uri="{FF2B5EF4-FFF2-40B4-BE49-F238E27FC236}">
-                <a16:creationId xmlns:a16="http://schemas.microsoft.com/office/drawing/2014/main" id="{2E1DC83A-36EF-449E-B121-F14FF2DB2859}"/>
+                <a16:creationId xmlns:a16="http://schemas.microsoft.com/office/drawing/2014/main" id="{044FDA6C-12E7-490F-97D7-A232F01C2E3A}"/>
               </a:ext>
             </a:extLst>
           </p:cNvPr>
@@ -1823,7 +851,7 @@
           <p:cNvPr id="4" name="Date Placeholder 3">
             <a:extLst>
               <a:ext uri="{FF2B5EF4-FFF2-40B4-BE49-F238E27FC236}">
-                <a16:creationId xmlns:a16="http://schemas.microsoft.com/office/drawing/2014/main" id="{926C64FC-7679-4C46-B792-DA8ED6471F3E}"/>
+                <a16:creationId xmlns:a16="http://schemas.microsoft.com/office/drawing/2014/main" id="{E9A7DFFF-9B9A-4596-B300-B45A4DDE028A}"/>
               </a:ext>
             </a:extLst>
           </p:cNvPr>
@@ -1839,9 +867,9 @@
           <a:bodyPr/>
           <a:lstStyle/>
           <a:p>
-            <a:fld id="{B2C2D184-42E9-45CD-A9C8-B85E03024ED6}" type="datetimeFigureOut">
+            <a:fld id="{E6C88626-B35D-4F2B-B082-5DE8C0F00F1C}" type="datetimeFigureOut">
               <a:rPr lang="nb-NO" smtClean="0"/>
-              <a:t>21.10.2019</a:t>
+              <a:t>24.10.2019</a:t>
             </a:fld>
             <a:endParaRPr lang="nb-NO"/>
           </a:p>
@@ -1852,7 +880,7 @@
           <p:cNvPr id="5" name="Footer Placeholder 4">
             <a:extLst>
               <a:ext uri="{FF2B5EF4-FFF2-40B4-BE49-F238E27FC236}">
-                <a16:creationId xmlns:a16="http://schemas.microsoft.com/office/drawing/2014/main" id="{DEF941B3-CA8C-46F6-962B-394BB700EC05}"/>
+                <a16:creationId xmlns:a16="http://schemas.microsoft.com/office/drawing/2014/main" id="{22463C25-DCAB-4F8E-8E1D-232A87DCDF46}"/>
               </a:ext>
             </a:extLst>
           </p:cNvPr>
@@ -1877,7 +905,7 @@
           <p:cNvPr id="6" name="Slide Number Placeholder 5">
             <a:extLst>
               <a:ext uri="{FF2B5EF4-FFF2-40B4-BE49-F238E27FC236}">
-                <a16:creationId xmlns:a16="http://schemas.microsoft.com/office/drawing/2014/main" id="{454DDDAE-7074-4A77-ACBF-D48814DAB623}"/>
+                <a16:creationId xmlns:a16="http://schemas.microsoft.com/office/drawing/2014/main" id="{DCC18B97-1F8E-4A20-8A9C-D36E4A5C4F2C}"/>
               </a:ext>
             </a:extLst>
           </p:cNvPr>
@@ -1893,7 +921,7 @@
           <a:bodyPr/>
           <a:lstStyle/>
           <a:p>
-            <a:fld id="{39AB1B2D-2B2D-46D0-839F-616D810E2342}" type="slidenum">
+            <a:fld id="{50F557BE-4A20-4409-BA63-37F803670A5E}" type="slidenum">
               <a:rPr lang="nb-NO" smtClean="0"/>
               <a:t>‹#›</a:t>
             </a:fld>
@@ -1904,7 +932,7 @@
     </p:spTree>
     <p:extLst>
       <p:ext uri="{BB962C8B-B14F-4D97-AF65-F5344CB8AC3E}">
-        <p14:creationId xmlns:p14="http://schemas.microsoft.com/office/powerpoint/2010/main" val="2159515732"/>
+        <p14:creationId xmlns:p14="http://schemas.microsoft.com/office/powerpoint/2010/main" val="2802003892"/>
       </p:ext>
     </p:extLst>
   </p:cSld>
@@ -1936,7 +964,7 @@
           <p:cNvPr id="2" name="Title 1">
             <a:extLst>
               <a:ext uri="{FF2B5EF4-FFF2-40B4-BE49-F238E27FC236}">
-                <a16:creationId xmlns:a16="http://schemas.microsoft.com/office/drawing/2014/main" id="{AD8DDCB5-60F9-4FBE-AE8C-A5F087E0C35B}"/>
+                <a16:creationId xmlns:a16="http://schemas.microsoft.com/office/drawing/2014/main" id="{2B154824-99D3-4B5A-87EC-B7E009ABE79D}"/>
               </a:ext>
             </a:extLst>
           </p:cNvPr>
@@ -1974,7 +1002,7 @@
           <p:cNvPr id="3" name="Text Placeholder 2">
             <a:extLst>
               <a:ext uri="{FF2B5EF4-FFF2-40B4-BE49-F238E27FC236}">
-                <a16:creationId xmlns:a16="http://schemas.microsoft.com/office/drawing/2014/main" id="{C179CC1F-C21E-4DE9-9811-9105766423C4}"/>
+                <a16:creationId xmlns:a16="http://schemas.microsoft.com/office/drawing/2014/main" id="{2C022CF2-8C83-480B-8C0C-3559BAB156E2}"/>
               </a:ext>
             </a:extLst>
           </p:cNvPr>
@@ -2099,7 +1127,7 @@
           <p:cNvPr id="4" name="Date Placeholder 3">
             <a:extLst>
               <a:ext uri="{FF2B5EF4-FFF2-40B4-BE49-F238E27FC236}">
-                <a16:creationId xmlns:a16="http://schemas.microsoft.com/office/drawing/2014/main" id="{88D37867-1579-487E-834E-C782E2B3059D}"/>
+                <a16:creationId xmlns:a16="http://schemas.microsoft.com/office/drawing/2014/main" id="{63C79B00-383A-45C9-B5F4-A8221322B74B}"/>
               </a:ext>
             </a:extLst>
           </p:cNvPr>
@@ -2115,9 +1143,9 @@
           <a:bodyPr/>
           <a:lstStyle/>
           <a:p>
-            <a:fld id="{B2C2D184-42E9-45CD-A9C8-B85E03024ED6}" type="datetimeFigureOut">
+            <a:fld id="{E6C88626-B35D-4F2B-B082-5DE8C0F00F1C}" type="datetimeFigureOut">
               <a:rPr lang="nb-NO" smtClean="0"/>
-              <a:t>21.10.2019</a:t>
+              <a:t>24.10.2019</a:t>
             </a:fld>
             <a:endParaRPr lang="nb-NO"/>
           </a:p>
@@ -2128,7 +1156,7 @@
           <p:cNvPr id="5" name="Footer Placeholder 4">
             <a:extLst>
               <a:ext uri="{FF2B5EF4-FFF2-40B4-BE49-F238E27FC236}">
-                <a16:creationId xmlns:a16="http://schemas.microsoft.com/office/drawing/2014/main" id="{7BB07BB9-D93F-4C48-89E0-7B3712C08FBC}"/>
+                <a16:creationId xmlns:a16="http://schemas.microsoft.com/office/drawing/2014/main" id="{4010D479-785D-4402-B9D4-D84CD455358E}"/>
               </a:ext>
             </a:extLst>
           </p:cNvPr>
@@ -2153,7 +1181,7 @@
           <p:cNvPr id="6" name="Slide Number Placeholder 5">
             <a:extLst>
               <a:ext uri="{FF2B5EF4-FFF2-40B4-BE49-F238E27FC236}">
-                <a16:creationId xmlns:a16="http://schemas.microsoft.com/office/drawing/2014/main" id="{AA08730A-70AB-4F8E-8629-5DE3B7AD96DB}"/>
+                <a16:creationId xmlns:a16="http://schemas.microsoft.com/office/drawing/2014/main" id="{8E443659-CD0A-480C-8273-E4D8D1BDA92C}"/>
               </a:ext>
             </a:extLst>
           </p:cNvPr>
@@ -2169,7 +1197,7 @@
           <a:bodyPr/>
           <a:lstStyle/>
           <a:p>
-            <a:fld id="{39AB1B2D-2B2D-46D0-839F-616D810E2342}" type="slidenum">
+            <a:fld id="{50F557BE-4A20-4409-BA63-37F803670A5E}" type="slidenum">
               <a:rPr lang="nb-NO" smtClean="0"/>
               <a:t>‹#›</a:t>
             </a:fld>
@@ -2180,7 +1208,7 @@
     </p:spTree>
     <p:extLst>
       <p:ext uri="{BB962C8B-B14F-4D97-AF65-F5344CB8AC3E}">
-        <p14:creationId xmlns:p14="http://schemas.microsoft.com/office/powerpoint/2010/main" val="139620860"/>
+        <p14:creationId xmlns:p14="http://schemas.microsoft.com/office/powerpoint/2010/main" val="3743396568"/>
       </p:ext>
     </p:extLst>
   </p:cSld>
@@ -2212,7 +1240,7 @@
           <p:cNvPr id="2" name="Title 1">
             <a:extLst>
               <a:ext uri="{FF2B5EF4-FFF2-40B4-BE49-F238E27FC236}">
-                <a16:creationId xmlns:a16="http://schemas.microsoft.com/office/drawing/2014/main" id="{44A2CBC9-14FD-47CB-A29F-A3FA8C7D2140}"/>
+                <a16:creationId xmlns:a16="http://schemas.microsoft.com/office/drawing/2014/main" id="{44F55FB2-304F-443B-A002-BEDBAEB4DB54}"/>
               </a:ext>
             </a:extLst>
           </p:cNvPr>
@@ -2241,7 +1269,7 @@
           <p:cNvPr id="3" name="Content Placeholder 2">
             <a:extLst>
               <a:ext uri="{FF2B5EF4-FFF2-40B4-BE49-F238E27FC236}">
-                <a16:creationId xmlns:a16="http://schemas.microsoft.com/office/drawing/2014/main" id="{EC43E8CB-5A54-47D2-A67E-20F3E8BC4E6B}"/>
+                <a16:creationId xmlns:a16="http://schemas.microsoft.com/office/drawing/2014/main" id="{AF5AAF0A-D570-45A5-9598-046260CA88F6}"/>
               </a:ext>
             </a:extLst>
           </p:cNvPr>
@@ -2304,7 +1332,7 @@
           <p:cNvPr id="4" name="Content Placeholder 3">
             <a:extLst>
               <a:ext uri="{FF2B5EF4-FFF2-40B4-BE49-F238E27FC236}">
-                <a16:creationId xmlns:a16="http://schemas.microsoft.com/office/drawing/2014/main" id="{DB938B2B-A26F-45FE-9D58-F005B4EC0C17}"/>
+                <a16:creationId xmlns:a16="http://schemas.microsoft.com/office/drawing/2014/main" id="{E7A510C9-9860-4EBA-B268-CFC936D2146E}"/>
               </a:ext>
             </a:extLst>
           </p:cNvPr>
@@ -2367,7 +1395,7 @@
           <p:cNvPr id="5" name="Date Placeholder 4">
             <a:extLst>
               <a:ext uri="{FF2B5EF4-FFF2-40B4-BE49-F238E27FC236}">
-                <a16:creationId xmlns:a16="http://schemas.microsoft.com/office/drawing/2014/main" id="{46F0AE56-3FEC-4415-B99F-0ECE20DDAC1C}"/>
+                <a16:creationId xmlns:a16="http://schemas.microsoft.com/office/drawing/2014/main" id="{66D1AC8C-89F1-4112-B69F-7457A179FF1A}"/>
               </a:ext>
             </a:extLst>
           </p:cNvPr>
@@ -2383,9 +1411,9 @@
           <a:bodyPr/>
           <a:lstStyle/>
           <a:p>
-            <a:fld id="{B2C2D184-42E9-45CD-A9C8-B85E03024ED6}" type="datetimeFigureOut">
+            <a:fld id="{E6C88626-B35D-4F2B-B082-5DE8C0F00F1C}" type="datetimeFigureOut">
               <a:rPr lang="nb-NO" smtClean="0"/>
-              <a:t>21.10.2019</a:t>
+              <a:t>24.10.2019</a:t>
             </a:fld>
             <a:endParaRPr lang="nb-NO"/>
           </a:p>
@@ -2396,7 +1424,7 @@
           <p:cNvPr id="6" name="Footer Placeholder 5">
             <a:extLst>
               <a:ext uri="{FF2B5EF4-FFF2-40B4-BE49-F238E27FC236}">
-                <a16:creationId xmlns:a16="http://schemas.microsoft.com/office/drawing/2014/main" id="{6801F5B5-309E-41C7-9ED3-6C800605F7FF}"/>
+                <a16:creationId xmlns:a16="http://schemas.microsoft.com/office/drawing/2014/main" id="{C8197DD1-EFA0-47AA-8EFE-0E180F501F24}"/>
               </a:ext>
             </a:extLst>
           </p:cNvPr>
@@ -2421,7 +1449,7 @@
           <p:cNvPr id="7" name="Slide Number Placeholder 6">
             <a:extLst>
               <a:ext uri="{FF2B5EF4-FFF2-40B4-BE49-F238E27FC236}">
-                <a16:creationId xmlns:a16="http://schemas.microsoft.com/office/drawing/2014/main" id="{1B5DDBAB-31EF-4893-A434-82B68DEFB0ED}"/>
+                <a16:creationId xmlns:a16="http://schemas.microsoft.com/office/drawing/2014/main" id="{682FA863-560A-4444-927E-D43C02A6617E}"/>
               </a:ext>
             </a:extLst>
           </p:cNvPr>
@@ -2437,7 +1465,7 @@
           <a:bodyPr/>
           <a:lstStyle/>
           <a:p>
-            <a:fld id="{39AB1B2D-2B2D-46D0-839F-616D810E2342}" type="slidenum">
+            <a:fld id="{50F557BE-4A20-4409-BA63-37F803670A5E}" type="slidenum">
               <a:rPr lang="nb-NO" smtClean="0"/>
               <a:t>‹#›</a:t>
             </a:fld>
@@ -2448,7 +1476,7 @@
     </p:spTree>
     <p:extLst>
       <p:ext uri="{BB962C8B-B14F-4D97-AF65-F5344CB8AC3E}">
-        <p14:creationId xmlns:p14="http://schemas.microsoft.com/office/powerpoint/2010/main" val="329643528"/>
+        <p14:creationId xmlns:p14="http://schemas.microsoft.com/office/powerpoint/2010/main" val="2223144471"/>
       </p:ext>
     </p:extLst>
   </p:cSld>
@@ -2480,7 +1508,7 @@
           <p:cNvPr id="2" name="Title 1">
             <a:extLst>
               <a:ext uri="{FF2B5EF4-FFF2-40B4-BE49-F238E27FC236}">
-                <a16:creationId xmlns:a16="http://schemas.microsoft.com/office/drawing/2014/main" id="{500BCC4F-1F13-47F2-8BB5-120C8266C3B3}"/>
+                <a16:creationId xmlns:a16="http://schemas.microsoft.com/office/drawing/2014/main" id="{AD5FBE71-28DB-4B81-9610-A3D1F453724B}"/>
               </a:ext>
             </a:extLst>
           </p:cNvPr>
@@ -2514,7 +1542,7 @@
           <p:cNvPr id="3" name="Text Placeholder 2">
             <a:extLst>
               <a:ext uri="{FF2B5EF4-FFF2-40B4-BE49-F238E27FC236}">
-                <a16:creationId xmlns:a16="http://schemas.microsoft.com/office/drawing/2014/main" id="{B535ABF9-4FC6-4943-B584-166916C4AAA6}"/>
+                <a16:creationId xmlns:a16="http://schemas.microsoft.com/office/drawing/2014/main" id="{8063C0FB-A7E0-4D3D-90ED-DBB894CBB707}"/>
               </a:ext>
             </a:extLst>
           </p:cNvPr>
@@ -2585,7 +1613,7 @@
           <p:cNvPr id="4" name="Content Placeholder 3">
             <a:extLst>
               <a:ext uri="{FF2B5EF4-FFF2-40B4-BE49-F238E27FC236}">
-                <a16:creationId xmlns:a16="http://schemas.microsoft.com/office/drawing/2014/main" id="{0060F2CA-94BA-4F67-9EBE-718BD2F8CA8F}"/>
+                <a16:creationId xmlns:a16="http://schemas.microsoft.com/office/drawing/2014/main" id="{D403F213-1974-4EE6-8D21-DB112A2A11FD}"/>
               </a:ext>
             </a:extLst>
           </p:cNvPr>
@@ -2648,7 +1676,7 @@
           <p:cNvPr id="5" name="Text Placeholder 4">
             <a:extLst>
               <a:ext uri="{FF2B5EF4-FFF2-40B4-BE49-F238E27FC236}">
-                <a16:creationId xmlns:a16="http://schemas.microsoft.com/office/drawing/2014/main" id="{81D0C0AD-D93A-4922-ACA2-584CC6FE7DF9}"/>
+                <a16:creationId xmlns:a16="http://schemas.microsoft.com/office/drawing/2014/main" id="{B9D6B6F9-218C-42D7-A74E-B10784D7C6C6}"/>
               </a:ext>
             </a:extLst>
           </p:cNvPr>
@@ -2719,7 +1747,7 @@
           <p:cNvPr id="6" name="Content Placeholder 5">
             <a:extLst>
               <a:ext uri="{FF2B5EF4-FFF2-40B4-BE49-F238E27FC236}">
-                <a16:creationId xmlns:a16="http://schemas.microsoft.com/office/drawing/2014/main" id="{A6B73E4A-D710-443E-B7F9-E9C80215742E}"/>
+                <a16:creationId xmlns:a16="http://schemas.microsoft.com/office/drawing/2014/main" id="{766D5AA4-359B-4AC4-A2FD-0BF9D5BB0F59}"/>
               </a:ext>
             </a:extLst>
           </p:cNvPr>
@@ -2782,7 +1810,7 @@
           <p:cNvPr id="7" name="Date Placeholder 6">
             <a:extLst>
               <a:ext uri="{FF2B5EF4-FFF2-40B4-BE49-F238E27FC236}">
-                <a16:creationId xmlns:a16="http://schemas.microsoft.com/office/drawing/2014/main" id="{438DB33B-7B5A-4747-A9C9-D9B808A77EE1}"/>
+                <a16:creationId xmlns:a16="http://schemas.microsoft.com/office/drawing/2014/main" id="{94E5E0D4-2EFB-4D97-9077-DCFF9B48C50B}"/>
               </a:ext>
             </a:extLst>
           </p:cNvPr>
@@ -2798,9 +1826,9 @@
           <a:bodyPr/>
           <a:lstStyle/>
           <a:p>
-            <a:fld id="{B2C2D184-42E9-45CD-A9C8-B85E03024ED6}" type="datetimeFigureOut">
+            <a:fld id="{E6C88626-B35D-4F2B-B082-5DE8C0F00F1C}" type="datetimeFigureOut">
               <a:rPr lang="nb-NO" smtClean="0"/>
-              <a:t>21.10.2019</a:t>
+              <a:t>24.10.2019</a:t>
             </a:fld>
             <a:endParaRPr lang="nb-NO"/>
           </a:p>
@@ -2811,7 +1839,7 @@
           <p:cNvPr id="8" name="Footer Placeholder 7">
             <a:extLst>
               <a:ext uri="{FF2B5EF4-FFF2-40B4-BE49-F238E27FC236}">
-                <a16:creationId xmlns:a16="http://schemas.microsoft.com/office/drawing/2014/main" id="{6163753C-61B2-49FA-BCF7-A1A4E91B4E06}"/>
+                <a16:creationId xmlns:a16="http://schemas.microsoft.com/office/drawing/2014/main" id="{D2EBFEFF-A11D-4DC2-AC5B-9BB9D474A06B}"/>
               </a:ext>
             </a:extLst>
           </p:cNvPr>
@@ -2836,7 +1864,7 @@
           <p:cNvPr id="9" name="Slide Number Placeholder 8">
             <a:extLst>
               <a:ext uri="{FF2B5EF4-FFF2-40B4-BE49-F238E27FC236}">
-                <a16:creationId xmlns:a16="http://schemas.microsoft.com/office/drawing/2014/main" id="{96E1EA62-32F6-42CE-9B07-8E4318C5A0DB}"/>
+                <a16:creationId xmlns:a16="http://schemas.microsoft.com/office/drawing/2014/main" id="{011DA708-5914-47B2-9DC5-A0F4AA2B3779}"/>
               </a:ext>
             </a:extLst>
           </p:cNvPr>
@@ -2852,7 +1880,7 @@
           <a:bodyPr/>
           <a:lstStyle/>
           <a:p>
-            <a:fld id="{39AB1B2D-2B2D-46D0-839F-616D810E2342}" type="slidenum">
+            <a:fld id="{50F557BE-4A20-4409-BA63-37F803670A5E}" type="slidenum">
               <a:rPr lang="nb-NO" smtClean="0"/>
               <a:t>‹#›</a:t>
             </a:fld>
@@ -2863,7 +1891,7 @@
     </p:spTree>
     <p:extLst>
       <p:ext uri="{BB962C8B-B14F-4D97-AF65-F5344CB8AC3E}">
-        <p14:creationId xmlns:p14="http://schemas.microsoft.com/office/powerpoint/2010/main" val="2127966470"/>
+        <p14:creationId xmlns:p14="http://schemas.microsoft.com/office/powerpoint/2010/main" val="3790252205"/>
       </p:ext>
     </p:extLst>
   </p:cSld>
@@ -2895,7 +1923,7 @@
           <p:cNvPr id="2" name="Title 1">
             <a:extLst>
               <a:ext uri="{FF2B5EF4-FFF2-40B4-BE49-F238E27FC236}">
-                <a16:creationId xmlns:a16="http://schemas.microsoft.com/office/drawing/2014/main" id="{DCAF7A40-5D96-4217-8EA2-9F3D51E30C12}"/>
+                <a16:creationId xmlns:a16="http://schemas.microsoft.com/office/drawing/2014/main" id="{BB4BBBD1-17AF-4E5C-AD2B-1A0C040530AD}"/>
               </a:ext>
             </a:extLst>
           </p:cNvPr>
@@ -2924,7 +1952,7 @@
           <p:cNvPr id="3" name="Date Placeholder 2">
             <a:extLst>
               <a:ext uri="{FF2B5EF4-FFF2-40B4-BE49-F238E27FC236}">
-                <a16:creationId xmlns:a16="http://schemas.microsoft.com/office/drawing/2014/main" id="{EDCEDBB5-B603-40BB-9DA2-CE2A46A225EA}"/>
+                <a16:creationId xmlns:a16="http://schemas.microsoft.com/office/drawing/2014/main" id="{EC981124-4D3A-4AF9-817A-B0B34B5C00AD}"/>
               </a:ext>
             </a:extLst>
           </p:cNvPr>
@@ -2940,9 +1968,9 @@
           <a:bodyPr/>
           <a:lstStyle/>
           <a:p>
-            <a:fld id="{B2C2D184-42E9-45CD-A9C8-B85E03024ED6}" type="datetimeFigureOut">
+            <a:fld id="{E6C88626-B35D-4F2B-B082-5DE8C0F00F1C}" type="datetimeFigureOut">
               <a:rPr lang="nb-NO" smtClean="0"/>
-              <a:t>21.10.2019</a:t>
+              <a:t>24.10.2019</a:t>
             </a:fld>
             <a:endParaRPr lang="nb-NO"/>
           </a:p>
@@ -2953,7 +1981,7 @@
           <p:cNvPr id="4" name="Footer Placeholder 3">
             <a:extLst>
               <a:ext uri="{FF2B5EF4-FFF2-40B4-BE49-F238E27FC236}">
-                <a16:creationId xmlns:a16="http://schemas.microsoft.com/office/drawing/2014/main" id="{FF686607-C316-4149-9C3A-FE9B02DC6B50}"/>
+                <a16:creationId xmlns:a16="http://schemas.microsoft.com/office/drawing/2014/main" id="{8F4ACDEE-ACAD-44F9-BF78-A2551B03A94B}"/>
               </a:ext>
             </a:extLst>
           </p:cNvPr>
@@ -2978,7 +2006,7 @@
           <p:cNvPr id="5" name="Slide Number Placeholder 4">
             <a:extLst>
               <a:ext uri="{FF2B5EF4-FFF2-40B4-BE49-F238E27FC236}">
-                <a16:creationId xmlns:a16="http://schemas.microsoft.com/office/drawing/2014/main" id="{76A3956A-EE1D-4594-ABFA-83239D3A8900}"/>
+                <a16:creationId xmlns:a16="http://schemas.microsoft.com/office/drawing/2014/main" id="{CE6922CF-A918-478C-AE25-25EC14496CF9}"/>
               </a:ext>
             </a:extLst>
           </p:cNvPr>
@@ -2994,7 +2022,7 @@
           <a:bodyPr/>
           <a:lstStyle/>
           <a:p>
-            <a:fld id="{39AB1B2D-2B2D-46D0-839F-616D810E2342}" type="slidenum">
+            <a:fld id="{50F557BE-4A20-4409-BA63-37F803670A5E}" type="slidenum">
               <a:rPr lang="nb-NO" smtClean="0"/>
               <a:t>‹#›</a:t>
             </a:fld>
@@ -3005,7 +2033,7 @@
     </p:spTree>
     <p:extLst>
       <p:ext uri="{BB962C8B-B14F-4D97-AF65-F5344CB8AC3E}">
-        <p14:creationId xmlns:p14="http://schemas.microsoft.com/office/powerpoint/2010/main" val="2235487403"/>
+        <p14:creationId xmlns:p14="http://schemas.microsoft.com/office/powerpoint/2010/main" val="2392192983"/>
       </p:ext>
     </p:extLst>
   </p:cSld>
@@ -3037,7 +2065,7 @@
           <p:cNvPr id="2" name="Date Placeholder 1">
             <a:extLst>
               <a:ext uri="{FF2B5EF4-FFF2-40B4-BE49-F238E27FC236}">
-                <a16:creationId xmlns:a16="http://schemas.microsoft.com/office/drawing/2014/main" id="{AB4116B4-9A84-44AB-A800-96E9E1D9EF67}"/>
+                <a16:creationId xmlns:a16="http://schemas.microsoft.com/office/drawing/2014/main" id="{BD616ED0-DB7A-42FA-B3FF-96EEFB67CD5F}"/>
               </a:ext>
             </a:extLst>
           </p:cNvPr>
@@ -3053,9 +2081,9 @@
           <a:bodyPr/>
           <a:lstStyle/>
           <a:p>
-            <a:fld id="{B2C2D184-42E9-45CD-A9C8-B85E03024ED6}" type="datetimeFigureOut">
+            <a:fld id="{E6C88626-B35D-4F2B-B082-5DE8C0F00F1C}" type="datetimeFigureOut">
               <a:rPr lang="nb-NO" smtClean="0"/>
-              <a:t>21.10.2019</a:t>
+              <a:t>24.10.2019</a:t>
             </a:fld>
             <a:endParaRPr lang="nb-NO"/>
           </a:p>
@@ -3066,7 +2094,7 @@
           <p:cNvPr id="3" name="Footer Placeholder 2">
             <a:extLst>
               <a:ext uri="{FF2B5EF4-FFF2-40B4-BE49-F238E27FC236}">
-                <a16:creationId xmlns:a16="http://schemas.microsoft.com/office/drawing/2014/main" id="{3C2BFB3A-8089-4CD7-B8C1-D7307A958C2E}"/>
+                <a16:creationId xmlns:a16="http://schemas.microsoft.com/office/drawing/2014/main" id="{0CD9247C-0F41-46FF-B30D-6CC9DA57CF41}"/>
               </a:ext>
             </a:extLst>
           </p:cNvPr>
@@ -3091,7 +2119,7 @@
           <p:cNvPr id="4" name="Slide Number Placeholder 3">
             <a:extLst>
               <a:ext uri="{FF2B5EF4-FFF2-40B4-BE49-F238E27FC236}">
-                <a16:creationId xmlns:a16="http://schemas.microsoft.com/office/drawing/2014/main" id="{6C1A0192-8216-49A0-AFED-A4FCAD520791}"/>
+                <a16:creationId xmlns:a16="http://schemas.microsoft.com/office/drawing/2014/main" id="{511EE18A-3F2D-410C-98BA-23F234CEA3C2}"/>
               </a:ext>
             </a:extLst>
           </p:cNvPr>
@@ -3107,7 +2135,7 @@
           <a:bodyPr/>
           <a:lstStyle/>
           <a:p>
-            <a:fld id="{39AB1B2D-2B2D-46D0-839F-616D810E2342}" type="slidenum">
+            <a:fld id="{50F557BE-4A20-4409-BA63-37F803670A5E}" type="slidenum">
               <a:rPr lang="nb-NO" smtClean="0"/>
               <a:t>‹#›</a:t>
             </a:fld>
@@ -3118,7 +2146,7 @@
     </p:spTree>
     <p:extLst>
       <p:ext uri="{BB962C8B-B14F-4D97-AF65-F5344CB8AC3E}">
-        <p14:creationId xmlns:p14="http://schemas.microsoft.com/office/powerpoint/2010/main" val="3631701098"/>
+        <p14:creationId xmlns:p14="http://schemas.microsoft.com/office/powerpoint/2010/main" val="663029800"/>
       </p:ext>
     </p:extLst>
   </p:cSld>
@@ -3150,7 +2178,7 @@
           <p:cNvPr id="2" name="Title 1">
             <a:extLst>
               <a:ext uri="{FF2B5EF4-FFF2-40B4-BE49-F238E27FC236}">
-                <a16:creationId xmlns:a16="http://schemas.microsoft.com/office/drawing/2014/main" id="{8F15433D-162E-4E3B-93BD-4429FF38A830}"/>
+                <a16:creationId xmlns:a16="http://schemas.microsoft.com/office/drawing/2014/main" id="{6F8B2281-3F51-42DD-8644-679DBEE1510D}"/>
               </a:ext>
             </a:extLst>
           </p:cNvPr>
@@ -3188,7 +2216,7 @@
           <p:cNvPr id="3" name="Content Placeholder 2">
             <a:extLst>
               <a:ext uri="{FF2B5EF4-FFF2-40B4-BE49-F238E27FC236}">
-                <a16:creationId xmlns:a16="http://schemas.microsoft.com/office/drawing/2014/main" id="{B2367579-C323-4815-9512-D8DA9A7F792E}"/>
+                <a16:creationId xmlns:a16="http://schemas.microsoft.com/office/drawing/2014/main" id="{187FF2D5-6A0B-42A1-B1D2-4C51B11FA3D6}"/>
               </a:ext>
             </a:extLst>
           </p:cNvPr>
@@ -3279,7 +2307,7 @@
           <p:cNvPr id="4" name="Text Placeholder 3">
             <a:extLst>
               <a:ext uri="{FF2B5EF4-FFF2-40B4-BE49-F238E27FC236}">
-                <a16:creationId xmlns:a16="http://schemas.microsoft.com/office/drawing/2014/main" id="{99486E2E-5204-42F3-BF89-FBFBB5CDA490}"/>
+                <a16:creationId xmlns:a16="http://schemas.microsoft.com/office/drawing/2014/main" id="{45B66343-691F-49EC-9D70-73C40E8352DF}"/>
               </a:ext>
             </a:extLst>
           </p:cNvPr>
@@ -3350,7 +2378,7 @@
           <p:cNvPr id="5" name="Date Placeholder 4">
             <a:extLst>
               <a:ext uri="{FF2B5EF4-FFF2-40B4-BE49-F238E27FC236}">
-                <a16:creationId xmlns:a16="http://schemas.microsoft.com/office/drawing/2014/main" id="{011232FB-788B-414E-9735-4516C8104702}"/>
+                <a16:creationId xmlns:a16="http://schemas.microsoft.com/office/drawing/2014/main" id="{1214DDE4-16EB-4CC8-A61E-7F8B9A2FA06E}"/>
               </a:ext>
             </a:extLst>
           </p:cNvPr>
@@ -3366,9 +2394,9 @@
           <a:bodyPr/>
           <a:lstStyle/>
           <a:p>
-            <a:fld id="{B2C2D184-42E9-45CD-A9C8-B85E03024ED6}" type="datetimeFigureOut">
+            <a:fld id="{E6C88626-B35D-4F2B-B082-5DE8C0F00F1C}" type="datetimeFigureOut">
               <a:rPr lang="nb-NO" smtClean="0"/>
-              <a:t>21.10.2019</a:t>
+              <a:t>24.10.2019</a:t>
             </a:fld>
             <a:endParaRPr lang="nb-NO"/>
           </a:p>
@@ -3379,7 +2407,7 @@
           <p:cNvPr id="6" name="Footer Placeholder 5">
             <a:extLst>
               <a:ext uri="{FF2B5EF4-FFF2-40B4-BE49-F238E27FC236}">
-                <a16:creationId xmlns:a16="http://schemas.microsoft.com/office/drawing/2014/main" id="{A0B43923-8350-4397-8BD8-38A25B4F0972}"/>
+                <a16:creationId xmlns:a16="http://schemas.microsoft.com/office/drawing/2014/main" id="{6E997697-4927-4E90-BF9D-FD70134BC9C2}"/>
               </a:ext>
             </a:extLst>
           </p:cNvPr>
@@ -3404,7 +2432,7 @@
           <p:cNvPr id="7" name="Slide Number Placeholder 6">
             <a:extLst>
               <a:ext uri="{FF2B5EF4-FFF2-40B4-BE49-F238E27FC236}">
-                <a16:creationId xmlns:a16="http://schemas.microsoft.com/office/drawing/2014/main" id="{97A37C50-6218-42DC-98AA-599D7C4862C8}"/>
+                <a16:creationId xmlns:a16="http://schemas.microsoft.com/office/drawing/2014/main" id="{E83BC4AD-9A80-4E98-8615-7B73A5EB5B58}"/>
               </a:ext>
             </a:extLst>
           </p:cNvPr>
@@ -3420,7 +2448,7 @@
           <a:bodyPr/>
           <a:lstStyle/>
           <a:p>
-            <a:fld id="{39AB1B2D-2B2D-46D0-839F-616D810E2342}" type="slidenum">
+            <a:fld id="{50F557BE-4A20-4409-BA63-37F803670A5E}" type="slidenum">
               <a:rPr lang="nb-NO" smtClean="0"/>
               <a:t>‹#›</a:t>
             </a:fld>
@@ -3431,7 +2459,7 @@
     </p:spTree>
     <p:extLst>
       <p:ext uri="{BB962C8B-B14F-4D97-AF65-F5344CB8AC3E}">
-        <p14:creationId xmlns:p14="http://schemas.microsoft.com/office/powerpoint/2010/main" val="1120387081"/>
+        <p14:creationId xmlns:p14="http://schemas.microsoft.com/office/powerpoint/2010/main" val="1699905090"/>
       </p:ext>
     </p:extLst>
   </p:cSld>
@@ -3463,7 +2491,7 @@
           <p:cNvPr id="2" name="Title 1">
             <a:extLst>
               <a:ext uri="{FF2B5EF4-FFF2-40B4-BE49-F238E27FC236}">
-                <a16:creationId xmlns:a16="http://schemas.microsoft.com/office/drawing/2014/main" id="{2183405C-19BD-4763-ADAF-11131DD1326F}"/>
+                <a16:creationId xmlns:a16="http://schemas.microsoft.com/office/drawing/2014/main" id="{1807E0B3-5FDF-4434-8D4E-0783B4CE88E4}"/>
               </a:ext>
             </a:extLst>
           </p:cNvPr>
@@ -3501,7 +2529,7 @@
           <p:cNvPr id="3" name="Picture Placeholder 2">
             <a:extLst>
               <a:ext uri="{FF2B5EF4-FFF2-40B4-BE49-F238E27FC236}">
-                <a16:creationId xmlns:a16="http://schemas.microsoft.com/office/drawing/2014/main" id="{740B47B2-5ED2-4D7D-AD8D-7D837721A050}"/>
+                <a16:creationId xmlns:a16="http://schemas.microsoft.com/office/drawing/2014/main" id="{CA8898F0-1838-4434-BA8E-8E37243281E5}"/>
               </a:ext>
             </a:extLst>
           </p:cNvPr>
@@ -3568,7 +2596,7 @@
           <p:cNvPr id="4" name="Text Placeholder 3">
             <a:extLst>
               <a:ext uri="{FF2B5EF4-FFF2-40B4-BE49-F238E27FC236}">
-                <a16:creationId xmlns:a16="http://schemas.microsoft.com/office/drawing/2014/main" id="{643DA252-0CEE-414F-B177-A359E0EFB25C}"/>
+                <a16:creationId xmlns:a16="http://schemas.microsoft.com/office/drawing/2014/main" id="{695D7375-0A6A-4D7F-8DC2-479AEBBBD304}"/>
               </a:ext>
             </a:extLst>
           </p:cNvPr>
@@ -3639,7 +2667,7 @@
           <p:cNvPr id="5" name="Date Placeholder 4">
             <a:extLst>
               <a:ext uri="{FF2B5EF4-FFF2-40B4-BE49-F238E27FC236}">
-                <a16:creationId xmlns:a16="http://schemas.microsoft.com/office/drawing/2014/main" id="{D62D0070-5425-432D-83ED-D502E63DEFD7}"/>
+                <a16:creationId xmlns:a16="http://schemas.microsoft.com/office/drawing/2014/main" id="{01C9FC7C-3160-4893-8B78-DC3B84207A42}"/>
               </a:ext>
             </a:extLst>
           </p:cNvPr>
@@ -3655,9 +2683,9 @@
           <a:bodyPr/>
           <a:lstStyle/>
           <a:p>
-            <a:fld id="{B2C2D184-42E9-45CD-A9C8-B85E03024ED6}" type="datetimeFigureOut">
+            <a:fld id="{E6C88626-B35D-4F2B-B082-5DE8C0F00F1C}" type="datetimeFigureOut">
               <a:rPr lang="nb-NO" smtClean="0"/>
-              <a:t>21.10.2019</a:t>
+              <a:t>24.10.2019</a:t>
             </a:fld>
             <a:endParaRPr lang="nb-NO"/>
           </a:p>
@@ -3668,7 +2696,7 @@
           <p:cNvPr id="6" name="Footer Placeholder 5">
             <a:extLst>
               <a:ext uri="{FF2B5EF4-FFF2-40B4-BE49-F238E27FC236}">
-                <a16:creationId xmlns:a16="http://schemas.microsoft.com/office/drawing/2014/main" id="{801D5F4B-4BD0-41B3-AABF-C3EE43EC0806}"/>
+                <a16:creationId xmlns:a16="http://schemas.microsoft.com/office/drawing/2014/main" id="{53A7B78C-5189-4116-8310-5C7152E5361F}"/>
               </a:ext>
             </a:extLst>
           </p:cNvPr>
@@ -3693,7 +2721,7 @@
           <p:cNvPr id="7" name="Slide Number Placeholder 6">
             <a:extLst>
               <a:ext uri="{FF2B5EF4-FFF2-40B4-BE49-F238E27FC236}">
-                <a16:creationId xmlns:a16="http://schemas.microsoft.com/office/drawing/2014/main" id="{B6A25220-719E-44B3-A025-924BF003C81F}"/>
+                <a16:creationId xmlns:a16="http://schemas.microsoft.com/office/drawing/2014/main" id="{B35E6673-1675-401C-A85F-C7AB4EA7D13C}"/>
               </a:ext>
             </a:extLst>
           </p:cNvPr>
@@ -3709,7 +2737,7 @@
           <a:bodyPr/>
           <a:lstStyle/>
           <a:p>
-            <a:fld id="{39AB1B2D-2B2D-46D0-839F-616D810E2342}" type="slidenum">
+            <a:fld id="{50F557BE-4A20-4409-BA63-37F803670A5E}" type="slidenum">
               <a:rPr lang="nb-NO" smtClean="0"/>
               <a:t>‹#›</a:t>
             </a:fld>
@@ -3720,7 +2748,7 @@
     </p:spTree>
     <p:extLst>
       <p:ext uri="{BB962C8B-B14F-4D97-AF65-F5344CB8AC3E}">
-        <p14:creationId xmlns:p14="http://schemas.microsoft.com/office/powerpoint/2010/main" val="143175335"/>
+        <p14:creationId xmlns:p14="http://schemas.microsoft.com/office/powerpoint/2010/main" val="1474708369"/>
       </p:ext>
     </p:extLst>
   </p:cSld>
@@ -3757,7 +2785,7 @@
           <p:cNvPr id="2" name="Title Placeholder 1">
             <a:extLst>
               <a:ext uri="{FF2B5EF4-FFF2-40B4-BE49-F238E27FC236}">
-                <a16:creationId xmlns:a16="http://schemas.microsoft.com/office/drawing/2014/main" id="{9D07D41A-6267-486C-A422-401FEF2303BF}"/>
+                <a16:creationId xmlns:a16="http://schemas.microsoft.com/office/drawing/2014/main" id="{BE8EE02E-792D-4A15-B463-10A3ECEF216A}"/>
               </a:ext>
             </a:extLst>
           </p:cNvPr>
@@ -3796,7 +2824,7 @@
           <p:cNvPr id="3" name="Text Placeholder 2">
             <a:extLst>
               <a:ext uri="{FF2B5EF4-FFF2-40B4-BE49-F238E27FC236}">
-                <a16:creationId xmlns:a16="http://schemas.microsoft.com/office/drawing/2014/main" id="{27D2AF78-8132-4EBB-BB1E-0B23080E3C2C}"/>
+                <a16:creationId xmlns:a16="http://schemas.microsoft.com/office/drawing/2014/main" id="{EF18FB57-2268-4A12-BA87-8B227F439697}"/>
               </a:ext>
             </a:extLst>
           </p:cNvPr>
@@ -3864,7 +2892,7 @@
           <p:cNvPr id="4" name="Date Placeholder 3">
             <a:extLst>
               <a:ext uri="{FF2B5EF4-FFF2-40B4-BE49-F238E27FC236}">
-                <a16:creationId xmlns:a16="http://schemas.microsoft.com/office/drawing/2014/main" id="{C1C6C61A-39BE-4522-8198-AF21CC781A74}"/>
+                <a16:creationId xmlns:a16="http://schemas.microsoft.com/office/drawing/2014/main" id="{22A766B4-857E-4A4D-9259-58E10BCBF9D2}"/>
               </a:ext>
             </a:extLst>
           </p:cNvPr>
@@ -3898,9 +2926,9 @@
             </a:lvl1pPr>
           </a:lstStyle>
           <a:p>
-            <a:fld id="{B2C2D184-42E9-45CD-A9C8-B85E03024ED6}" type="datetimeFigureOut">
+            <a:fld id="{E6C88626-B35D-4F2B-B082-5DE8C0F00F1C}" type="datetimeFigureOut">
               <a:rPr lang="nb-NO" smtClean="0"/>
-              <a:t>21.10.2019</a:t>
+              <a:t>24.10.2019</a:t>
             </a:fld>
             <a:endParaRPr lang="nb-NO"/>
           </a:p>
@@ -3911,7 +2939,7 @@
           <p:cNvPr id="5" name="Footer Placeholder 4">
             <a:extLst>
               <a:ext uri="{FF2B5EF4-FFF2-40B4-BE49-F238E27FC236}">
-                <a16:creationId xmlns:a16="http://schemas.microsoft.com/office/drawing/2014/main" id="{35AD305E-DB5A-48F1-81A8-9BE321EEF37C}"/>
+                <a16:creationId xmlns:a16="http://schemas.microsoft.com/office/drawing/2014/main" id="{5716A64E-6AB8-40B6-AAD7-EFC352F24777}"/>
               </a:ext>
             </a:extLst>
           </p:cNvPr>
@@ -3954,7 +2982,7 @@
           <p:cNvPr id="6" name="Slide Number Placeholder 5">
             <a:extLst>
               <a:ext uri="{FF2B5EF4-FFF2-40B4-BE49-F238E27FC236}">
-                <a16:creationId xmlns:a16="http://schemas.microsoft.com/office/drawing/2014/main" id="{08475846-330B-419A-AD74-2D27B4A80834}"/>
+                <a16:creationId xmlns:a16="http://schemas.microsoft.com/office/drawing/2014/main" id="{F95E2DE2-FDBA-43BA-B729-720F9CD4EBA3}"/>
               </a:ext>
             </a:extLst>
           </p:cNvPr>
@@ -3988,7 +3016,7 @@
             </a:lvl1pPr>
           </a:lstStyle>
           <a:p>
-            <a:fld id="{39AB1B2D-2B2D-46D0-839F-616D810E2342}" type="slidenum">
+            <a:fld id="{50F557BE-4A20-4409-BA63-37F803670A5E}" type="slidenum">
               <a:rPr lang="nb-NO" smtClean="0"/>
               <a:t>‹#›</a:t>
             </a:fld>
@@ -3999,7 +3027,7 @@
     </p:spTree>
     <p:extLst>
       <p:ext uri="{BB962C8B-B14F-4D97-AF65-F5344CB8AC3E}">
-        <p14:creationId xmlns:p14="http://schemas.microsoft.com/office/powerpoint/2010/main" val="1385927664"/>
+        <p14:creationId xmlns:p14="http://schemas.microsoft.com/office/powerpoint/2010/main" val="2054869735"/>
       </p:ext>
     </p:extLst>
   </p:cSld>
@@ -4303,14 +3331,6 @@
 <file path=ppt/slides/slide1.xml><?xml version="1.0" encoding="utf-8"?>
 <p:sld xmlns:a="http://schemas.openxmlformats.org/drawingml/2006/main" xmlns:r="http://schemas.openxmlformats.org/officeDocument/2006/relationships" xmlns:p="http://schemas.openxmlformats.org/presentationml/2006/main">
   <p:cSld>
-    <p:bg>
-      <p:bgPr>
-        <a:solidFill>
-          <a:schemeClr val="bg1"/>
-        </a:solidFill>
-        <a:effectLst/>
-      </p:bgPr>
-    </p:bg>
     <p:spTree>
       <p:nvGrpSpPr>
         <p:cNvPr id="1" name=""/>
@@ -4327,141 +3347,10 @@
       </p:grpSpPr>
       <p:sp>
         <p:nvSpPr>
-          <p:cNvPr id="10" name="Rectangle 9">
-            <a:extLst>
-              <a:ext uri="{FF2B5EF4-FFF2-40B4-BE49-F238E27FC236}">
-                <a16:creationId xmlns:a16="http://schemas.microsoft.com/office/drawing/2014/main" id="{35555856-9970-4BC3-9AA9-6A917F53AFBD}"/>
-              </a:ext>
-              <a:ext uri="{C183D7F6-B498-43B3-948B-1728B52AA6E4}">
-                <adec:decorative xmlns:adec="http://schemas.microsoft.com/office/drawing/2017/decorative" val="1"/>
-              </a:ext>
-            </a:extLst>
-          </p:cNvPr>
-          <p:cNvSpPr>
-            <a:spLocks noGrp="1" noRot="1" noChangeAspect="1" noMove="1" noResize="1" noEditPoints="1" noAdjustHandles="1" noChangeArrowheads="1" noChangeShapeType="1" noTextEdit="1"/>
-          </p:cNvSpPr>
-          <p:nvPr>
-            <p:extLst>
-              <p:ext uri="{386F3935-93C4-4BCD-93E2-E3B085C9AB24}">
-                <p16:designElem xmlns:p16="http://schemas.microsoft.com/office/powerpoint/2015/main" val="1"/>
-              </p:ext>
-            </p:extLst>
-          </p:nvPr>
-        </p:nvSpPr>
-        <p:spPr>
-          <a:xfrm>
-            <a:off x="5769972" y="0"/>
-            <a:ext cx="6421721" cy="6858000"/>
-          </a:xfrm>
-          <a:prstGeom prst="rect">
-            <a:avLst/>
-          </a:prstGeom>
-          <a:gradFill>
-            <a:gsLst>
-              <a:gs pos="0">
-                <a:schemeClr val="accent1">
-                  <a:lumMod val="100000"/>
-                  <a:alpha val="82000"/>
-                </a:schemeClr>
-              </a:gs>
-              <a:gs pos="25000">
-                <a:schemeClr val="accent1">
-                  <a:alpha val="60000"/>
-                </a:schemeClr>
-              </a:gs>
-              <a:gs pos="94000">
-                <a:schemeClr val="bg2">
-                  <a:lumMod val="75000"/>
-                </a:schemeClr>
-              </a:gs>
-              <a:gs pos="100000">
-                <a:schemeClr val="bg2">
-                  <a:lumMod val="75000"/>
-                </a:schemeClr>
-              </a:gs>
-            </a:gsLst>
-            <a:lin ang="4200000" scaled="0"/>
-          </a:gradFill>
-          <a:ln>
-            <a:noFill/>
-          </a:ln>
-        </p:spPr>
-        <p:style>
-          <a:lnRef idx="2">
-            <a:schemeClr val="accent1">
-              <a:shade val="50000"/>
-            </a:schemeClr>
-          </a:lnRef>
-          <a:fillRef idx="1">
-            <a:schemeClr val="accent1"/>
-          </a:fillRef>
-          <a:effectRef idx="0">
-            <a:schemeClr val="accent1"/>
-          </a:effectRef>
-          <a:fontRef idx="minor">
-            <a:schemeClr val="lt1"/>
-          </a:fontRef>
-        </p:style>
-        <p:txBody>
-          <a:bodyPr rtlCol="0" anchor="ctr"/>
-          <a:lstStyle/>
-          <a:p>
-            <a:pPr algn="ctr"/>
-            <a:endParaRPr lang="en-US"/>
-          </a:p>
-        </p:txBody>
-      </p:sp>
-      <p:pic>
-        <p:nvPicPr>
-          <p:cNvPr id="12" name="Picture 11">
-            <a:extLst>
-              <a:ext uri="{FF2B5EF4-FFF2-40B4-BE49-F238E27FC236}">
-                <a16:creationId xmlns:a16="http://schemas.microsoft.com/office/drawing/2014/main" id="{7F487851-BFAF-46D8-A1ED-50CAD6E46F59}"/>
-              </a:ext>
-              <a:ext uri="{C183D7F6-B498-43B3-948B-1728B52AA6E4}">
-                <adec:decorative xmlns:adec="http://schemas.microsoft.com/office/drawing/2017/decorative" val="1"/>
-              </a:ext>
-            </a:extLst>
-          </p:cNvPr>
-          <p:cNvPicPr>
-            <a:picLocks noGrp="1" noRot="1" noChangeAspect="1" noMove="1" noResize="1" noEditPoints="1" noAdjustHandles="1" noChangeArrowheads="1" noChangeShapeType="1" noCrop="1"/>
-          </p:cNvPicPr>
-          <p:nvPr>
-            <p:extLst>
-              <p:ext uri="{386F3935-93C4-4BCD-93E2-E3B085C9AB24}">
-                <p16:designElem xmlns:p16="http://schemas.microsoft.com/office/powerpoint/2015/main" val="1"/>
-              </p:ext>
-            </p:extLst>
-          </p:nvPr>
-        </p:nvPicPr>
-        <p:blipFill>
-          <a:blip r:embed="rId3">
-            <a:extLst>
-              <a:ext uri="{28A0092B-C50C-407E-A947-70E740481C1C}">
-                <a14:useLocalDpi xmlns:a14="http://schemas.microsoft.com/office/drawing/2010/main" val="0"/>
-              </a:ext>
-            </a:extLst>
-          </a:blip>
-          <a:stretch>
-            <a:fillRect/>
-          </a:stretch>
-        </p:blipFill>
-        <p:spPr>
-          <a:xfrm flipH="1">
-            <a:off x="0" y="0"/>
-            <a:ext cx="12192000" cy="6858000"/>
-          </a:xfrm>
-          <a:prstGeom prst="rect">
-            <a:avLst/>
-          </a:prstGeom>
-        </p:spPr>
-      </p:pic>
-      <p:sp>
-        <p:nvSpPr>
           <p:cNvPr id="2" name="Title 1">
             <a:extLst>
               <a:ext uri="{FF2B5EF4-FFF2-40B4-BE49-F238E27FC236}">
-                <a16:creationId xmlns:a16="http://schemas.microsoft.com/office/drawing/2014/main" id="{53DEEB59-7EEA-495A-8F2F-B90458E475B0}"/>
+                <a16:creationId xmlns:a16="http://schemas.microsoft.com/office/drawing/2014/main" id="{5EF59F8C-9E62-4157-A90F-0B3A2D2CFCAD}"/>
               </a:ext>
             </a:extLst>
           </p:cNvPr>
@@ -4472,47 +3361,12 @@
             <p:ph type="ctrTitle"/>
           </p:nvPr>
         </p:nvSpPr>
-        <p:spPr>
-          <a:xfrm>
-            <a:off x="804484" y="4267832"/>
-            <a:ext cx="4805996" cy="1297115"/>
-          </a:xfrm>
-        </p:spPr>
-        <p:txBody>
-          <a:bodyPr anchor="t">
-            <a:normAutofit/>
-          </a:bodyPr>
-          <a:lstStyle/>
-          <a:p>
-            <a:pPr algn="l"/>
-            <a:r>
-              <a:rPr lang="en-US" sz="4100">
-                <a:solidFill>
-                  <a:srgbClr val="000000"/>
-                </a:solidFill>
-              </a:rPr>
-              <a:t>Network Theory in</a:t>
-            </a:r>
-            <a:br>
-              <a:rPr lang="en-US" sz="4100">
-                <a:solidFill>
-                  <a:srgbClr val="000000"/>
-                </a:solidFill>
-              </a:rPr>
-            </a:br>
-            <a:r>
-              <a:rPr lang="en-US" sz="4100">
-                <a:solidFill>
-                  <a:srgbClr val="000000"/>
-                </a:solidFill>
-              </a:rPr>
-              <a:t>Risk Assessment</a:t>
-            </a:r>
-            <a:endParaRPr lang="nb-NO" sz="4100">
-              <a:solidFill>
-                <a:srgbClr val="000000"/>
-              </a:solidFill>
-            </a:endParaRPr>
+        <p:spPr/>
+        <p:txBody>
+          <a:bodyPr/>
+          <a:lstStyle/>
+          <a:p>
+            <a:endParaRPr lang="nb-NO"/>
           </a:p>
         </p:txBody>
       </p:sp>
@@ -4521,7 +3375,7 @@
           <p:cNvPr id="3" name="Subtitle 2">
             <a:extLst>
               <a:ext uri="{FF2B5EF4-FFF2-40B4-BE49-F238E27FC236}">
-                <a16:creationId xmlns:a16="http://schemas.microsoft.com/office/drawing/2014/main" id="{7C48B57F-5B07-4E5C-A0AF-2D8D99B64475}"/>
+                <a16:creationId xmlns:a16="http://schemas.microsoft.com/office/drawing/2014/main" id="{AACEEE00-0F15-4097-9D41-B5BE258F5E32}"/>
               </a:ext>
             </a:extLst>
           </p:cNvPr>
@@ -4532,375 +3386,25 @@
             <p:ph type="subTitle" idx="1"/>
           </p:nvPr>
         </p:nvSpPr>
-        <p:spPr>
-          <a:xfrm>
-            <a:off x="804788" y="3428999"/>
-            <a:ext cx="4805691" cy="838831"/>
-          </a:xfrm>
-        </p:spPr>
-        <p:txBody>
-          <a:bodyPr anchor="b">
-            <a:normAutofit/>
-          </a:bodyPr>
-          <a:lstStyle/>
-          <a:p>
-            <a:pPr algn="l"/>
-            <a:r>
-              <a:rPr lang="en-US" sz="1800" dirty="0">
-                <a:solidFill>
-                  <a:srgbClr val="000000"/>
-                </a:solidFill>
-              </a:rPr>
-              <a:t>Using the Bow-Tie Method</a:t>
-            </a:r>
-            <a:endParaRPr lang="nb-NO" sz="1800" dirty="0">
-              <a:solidFill>
-                <a:srgbClr val="000000"/>
-              </a:solidFill>
-            </a:endParaRPr>
-          </a:p>
-        </p:txBody>
-      </p:sp>
-      <p:sp>
-        <p:nvSpPr>
-          <p:cNvPr id="14" name="Freeform 50">
-            <a:extLst>
-              <a:ext uri="{FF2B5EF4-FFF2-40B4-BE49-F238E27FC236}">
-                <a16:creationId xmlns:a16="http://schemas.microsoft.com/office/drawing/2014/main" id="{13722DD7-BA73-4776-93A3-94491FEF7260}"/>
-              </a:ext>
-              <a:ext uri="{C183D7F6-B498-43B3-948B-1728B52AA6E4}">
-                <adec:decorative xmlns:adec="http://schemas.microsoft.com/office/drawing/2017/decorative" val="1"/>
-              </a:ext>
-            </a:extLst>
-          </p:cNvPr>
-          <p:cNvSpPr>
-            <a:spLocks noGrp="1" noRot="1" noChangeAspect="1" noMove="1" noResize="1" noEditPoints="1" noAdjustHandles="1" noChangeArrowheads="1" noChangeShapeType="1" noTextEdit="1"/>
-          </p:cNvSpPr>
-          <p:nvPr>
-            <p:extLst>
-              <p:ext uri="{386F3935-93C4-4BCD-93E2-E3B085C9AB24}">
-                <p16:designElem xmlns:p16="http://schemas.microsoft.com/office/powerpoint/2015/main" val="1"/>
-              </p:ext>
-            </p:extLst>
-          </p:nvPr>
-        </p:nvSpPr>
-        <p:spPr>
-          <a:xfrm>
-            <a:off x="6727121" y="581159"/>
-            <a:ext cx="5464879" cy="6276841"/>
-          </a:xfrm>
-          <a:custGeom>
-            <a:avLst/>
-            <a:gdLst>
-              <a:gd name="connsiteX0" fmla="*/ 3299930 w 5464879"/>
-              <a:gd name="connsiteY0" fmla="*/ 0 h 6276841"/>
-              <a:gd name="connsiteX1" fmla="*/ 5398992 w 5464879"/>
-              <a:gd name="connsiteY1" fmla="*/ 753544 h 6276841"/>
-              <a:gd name="connsiteX2" fmla="*/ 5464879 w 5464879"/>
-              <a:gd name="connsiteY2" fmla="*/ 813426 h 6276841"/>
-              <a:gd name="connsiteX3" fmla="*/ 5464879 w 5464879"/>
-              <a:gd name="connsiteY3" fmla="*/ 5786434 h 6276841"/>
-              <a:gd name="connsiteX4" fmla="*/ 5398992 w 5464879"/>
-              <a:gd name="connsiteY4" fmla="*/ 5846317 h 6276841"/>
-              <a:gd name="connsiteX5" fmla="*/ 4872873 w 5464879"/>
-              <a:gd name="connsiteY5" fmla="*/ 6201577 h 6276841"/>
-              <a:gd name="connsiteX6" fmla="*/ 4716632 w 5464879"/>
-              <a:gd name="connsiteY6" fmla="*/ 6276841 h 6276841"/>
-              <a:gd name="connsiteX7" fmla="*/ 1883227 w 5464879"/>
-              <a:gd name="connsiteY7" fmla="*/ 6276841 h 6276841"/>
-              <a:gd name="connsiteX8" fmla="*/ 1726987 w 5464879"/>
-              <a:gd name="connsiteY8" fmla="*/ 6201577 h 6276841"/>
-              <a:gd name="connsiteX9" fmla="*/ 0 w 5464879"/>
-              <a:gd name="connsiteY9" fmla="*/ 3299930 h 6276841"/>
-              <a:gd name="connsiteX10" fmla="*/ 3299930 w 5464879"/>
-              <a:gd name="connsiteY10" fmla="*/ 0 h 6276841"/>
-            </a:gdLst>
-            <a:ahLst/>
-            <a:cxnLst>
-              <a:cxn ang="0">
-                <a:pos x="connsiteX0" y="connsiteY0"/>
-              </a:cxn>
-              <a:cxn ang="0">
-                <a:pos x="connsiteX1" y="connsiteY1"/>
-              </a:cxn>
-              <a:cxn ang="0">
-                <a:pos x="connsiteX2" y="connsiteY2"/>
-              </a:cxn>
-              <a:cxn ang="0">
-                <a:pos x="connsiteX3" y="connsiteY3"/>
-              </a:cxn>
-              <a:cxn ang="0">
-                <a:pos x="connsiteX4" y="connsiteY4"/>
-              </a:cxn>
-              <a:cxn ang="0">
-                <a:pos x="connsiteX5" y="connsiteY5"/>
-              </a:cxn>
-              <a:cxn ang="0">
-                <a:pos x="connsiteX6" y="connsiteY6"/>
-              </a:cxn>
-              <a:cxn ang="0">
-                <a:pos x="connsiteX7" y="connsiteY7"/>
-              </a:cxn>
-              <a:cxn ang="0">
-                <a:pos x="connsiteX8" y="connsiteY8"/>
-              </a:cxn>
-              <a:cxn ang="0">
-                <a:pos x="connsiteX9" y="connsiteY9"/>
-              </a:cxn>
-              <a:cxn ang="0">
-                <a:pos x="connsiteX10" y="connsiteY10"/>
-              </a:cxn>
-            </a:cxnLst>
-            <a:rect l="l" t="t" r="r" b="b"/>
-            <a:pathLst>
-              <a:path w="5464879" h="6276841">
-                <a:moveTo>
-                  <a:pt x="3299930" y="0"/>
-                </a:moveTo>
-                <a:cubicBezTo>
-                  <a:pt x="4097274" y="0"/>
-                  <a:pt x="4828569" y="282789"/>
-                  <a:pt x="5398992" y="753544"/>
-                </a:cubicBezTo>
-                <a:lnTo>
-                  <a:pt x="5464879" y="813426"/>
-                </a:lnTo>
-                <a:lnTo>
-                  <a:pt x="5464879" y="5786434"/>
-                </a:lnTo>
-                <a:lnTo>
-                  <a:pt x="5398992" y="5846317"/>
-                </a:lnTo>
-                <a:cubicBezTo>
-                  <a:pt x="5236014" y="5980818"/>
-                  <a:pt x="5059904" y="6099975"/>
-                  <a:pt x="4872873" y="6201577"/>
-                </a:cubicBezTo>
-                <a:lnTo>
-                  <a:pt x="4716632" y="6276841"/>
-                </a:lnTo>
-                <a:lnTo>
-                  <a:pt x="1883227" y="6276841"/>
-                </a:lnTo>
-                <a:lnTo>
-                  <a:pt x="1726987" y="6201577"/>
-                </a:lnTo>
-                <a:cubicBezTo>
-                  <a:pt x="698316" y="5642769"/>
-                  <a:pt x="0" y="4552900"/>
-                  <a:pt x="0" y="3299930"/>
-                </a:cubicBezTo>
-                <a:cubicBezTo>
-                  <a:pt x="0" y="1477429"/>
-                  <a:pt x="1477429" y="0"/>
-                  <a:pt x="3299930" y="0"/>
-                </a:cubicBezTo>
-                <a:close/>
-              </a:path>
-            </a:pathLst>
-          </a:custGeom>
-          <a:solidFill>
-            <a:srgbClr val="FFFFFF"/>
-          </a:solidFill>
-          <a:ln>
-            <a:gradFill>
-              <a:gsLst>
-                <a:gs pos="0">
-                  <a:schemeClr val="accent1">
-                    <a:lumMod val="40000"/>
-                    <a:lumOff val="60000"/>
-                  </a:schemeClr>
-                </a:gs>
-                <a:gs pos="23000">
-                  <a:schemeClr val="accent1">
-                    <a:lumMod val="45000"/>
-                    <a:lumOff val="55000"/>
-                  </a:schemeClr>
-                </a:gs>
-                <a:gs pos="83000">
-                  <a:schemeClr val="bg2">
-                    <a:lumMod val="75000"/>
-                  </a:schemeClr>
-                </a:gs>
-                <a:gs pos="100000">
-                  <a:schemeClr val="bg2">
-                    <a:lumMod val="75000"/>
-                  </a:schemeClr>
-                </a:gs>
-              </a:gsLst>
-              <a:lin ang="5400000" scaled="1"/>
-            </a:gradFill>
-          </a:ln>
-        </p:spPr>
-        <p:style>
-          <a:lnRef idx="2">
-            <a:schemeClr val="accent1">
-              <a:shade val="50000"/>
-            </a:schemeClr>
-          </a:lnRef>
-          <a:fillRef idx="1">
-            <a:schemeClr val="accent1"/>
-          </a:fillRef>
-          <a:effectRef idx="0">
-            <a:schemeClr val="accent1"/>
-          </a:effectRef>
-          <a:fontRef idx="minor">
-            <a:schemeClr val="lt1"/>
-          </a:fontRef>
-        </p:style>
-        <p:txBody>
-          <a:bodyPr wrap="square" rtlCol="0" anchor="ctr">
-            <a:noAutofit/>
-          </a:bodyPr>
-          <a:lstStyle/>
-          <a:p>
-            <a:pPr algn="ctr"/>
-            <a:endParaRPr lang="en-US"/>
-          </a:p>
-        </p:txBody>
-      </p:sp>
-      <p:pic>
-        <p:nvPicPr>
-          <p:cNvPr id="7" name="Graphic 6" descr="Warning">
-            <a:extLst>
-              <a:ext uri="{FF2B5EF4-FFF2-40B4-BE49-F238E27FC236}">
-                <a16:creationId xmlns:a16="http://schemas.microsoft.com/office/drawing/2014/main" id="{37CE6900-A1B7-4F37-BFAE-E9909CECA378}"/>
-              </a:ext>
-            </a:extLst>
-          </p:cNvPr>
-          <p:cNvPicPr>
-            <a:picLocks noChangeAspect="1"/>
-          </p:cNvPicPr>
-          <p:nvPr/>
-        </p:nvPicPr>
-        <p:blipFill>
-          <a:blip r:embed="rId4">
-            <a:extLst>
-              <a:ext uri="{28A0092B-C50C-407E-A947-70E740481C1C}">
-                <a14:useLocalDpi xmlns:a14="http://schemas.microsoft.com/office/drawing/2010/main" val="0"/>
-              </a:ext>
-              <a:ext uri="{96DAC541-7B7A-43D3-8B79-37D633B846F1}">
-                <asvg:svgBlip xmlns:asvg="http://schemas.microsoft.com/office/drawing/2016/SVG/main" r:embed="rId5"/>
-              </a:ext>
-            </a:extLst>
-          </a:blip>
-          <a:stretch>
-            <a:fillRect/>
-          </a:stretch>
-        </p:blipFill>
-        <p:spPr>
-          <a:xfrm>
-            <a:off x="7709770" y="1815320"/>
-            <a:ext cx="4141760" cy="4141760"/>
-          </a:xfrm>
-          <a:prstGeom prst="rect">
-            <a:avLst/>
-          </a:prstGeom>
-        </p:spPr>
-      </p:pic>
+        <p:spPr/>
+        <p:txBody>
+          <a:bodyPr/>
+          <a:lstStyle/>
+          <a:p>
+            <a:endParaRPr lang="nb-NO"/>
+          </a:p>
+        </p:txBody>
+      </p:sp>
     </p:spTree>
     <p:extLst>
       <p:ext uri="{BB962C8B-B14F-4D97-AF65-F5344CB8AC3E}">
-        <p14:creationId xmlns:p14="http://schemas.microsoft.com/office/powerpoint/2010/main" val="4183527348"/>
+        <p14:creationId xmlns:p14="http://schemas.microsoft.com/office/powerpoint/2010/main" val="485967307"/>
       </p:ext>
     </p:extLst>
   </p:cSld>
   <p:clrMapOvr>
     <a:masterClrMapping/>
   </p:clrMapOvr>
-  <mc:AlternateContent xmlns:mc="http://schemas.openxmlformats.org/markup-compatibility/2006">
-    <mc:Choice xmlns:p14="http://schemas.microsoft.com/office/powerpoint/2010/main" Requires="p14">
-      <p:transition p14:dur="10" advTm="6800"/>
-    </mc:Choice>
-    <mc:Fallback>
-      <p:transition advTm="6800"/>
-    </mc:Fallback>
-  </mc:AlternateContent>
-  <p:timing>
-    <p:tnLst>
-      <p:par>
-        <p:cTn id="1" dur="indefinite" restart="never" nodeType="tmRoot">
-          <p:childTnLst>
-            <p:seq concurrent="1" nextAc="seek">
-              <p:cTn id="2" dur="indefinite" nodeType="mainSeq">
-                <p:childTnLst>
-                  <p:par>
-                    <p:cTn id="3" fill="hold">
-                      <p:stCondLst>
-                        <p:cond delay="indefinite"/>
-                        <p:cond evt="onBegin" delay="0">
-                          <p:tn val="2"/>
-                        </p:cond>
-                      </p:stCondLst>
-                      <p:childTnLst>
-                        <p:par>
-                          <p:cTn id="4" fill="hold">
-                            <p:stCondLst>
-                              <p:cond delay="0"/>
-                            </p:stCondLst>
-                            <p:childTnLst>
-                              <p:par>
-                                <p:cTn id="5" presetID="1" presetClass="entr" presetSubtype="0" fill="hold" grpId="0" nodeType="afterEffect">
-                                  <p:stCondLst>
-                                    <p:cond delay="2000"/>
-                                  </p:stCondLst>
-                                  <p:childTnLst>
-                                    <p:set>
-                                      <p:cBhvr>
-                                        <p:cTn id="6" dur="1" fill="hold">
-                                          <p:stCondLst>
-                                            <p:cond delay="0"/>
-                                          </p:stCondLst>
-                                        </p:cTn>
-                                        <p:tgtEl>
-                                          <p:spTgt spid="3">
-                                            <p:txEl>
-                                              <p:pRg st="0" end="0"/>
-                                            </p:txEl>
-                                          </p:spTgt>
-                                        </p:tgtEl>
-                                        <p:attrNameLst>
-                                          <p:attrName>style.visibility</p:attrName>
-                                        </p:attrNameLst>
-                                      </p:cBhvr>
-                                      <p:to>
-                                        <p:strVal val="visible"/>
-                                      </p:to>
-                                    </p:set>
-                                  </p:childTnLst>
-                                </p:cTn>
-                              </p:par>
-                            </p:childTnLst>
-                          </p:cTn>
-                        </p:par>
-                      </p:childTnLst>
-                    </p:cTn>
-                  </p:par>
-                </p:childTnLst>
-              </p:cTn>
-              <p:prevCondLst>
-                <p:cond evt="onPrev" delay="0">
-                  <p:tgtEl>
-                    <p:sldTgt/>
-                  </p:tgtEl>
-                </p:cond>
-              </p:prevCondLst>
-              <p:nextCondLst>
-                <p:cond evt="onNext" delay="0">
-                  <p:tgtEl>
-                    <p:sldTgt/>
-                  </p:tgtEl>
-                </p:cond>
-              </p:nextCondLst>
-            </p:seq>
-          </p:childTnLst>
-        </p:cTn>
-      </p:par>
-    </p:tnLst>
-    <p:bldLst>
-      <p:bldP spid="3" grpId="0" build="p"/>
-    </p:bldLst>
-  </p:timing>
 </p:sld>
 </file>
 
@@ -4921,188 +3425,66 @@
           <a:chExt cx="0" cy="0"/>
         </a:xfrm>
       </p:grpSpPr>
-      <p:grpSp>
-        <p:nvGrpSpPr>
-          <p:cNvPr id="5" name="Group 4">
-            <a:extLst>
-              <a:ext uri="{FF2B5EF4-FFF2-40B4-BE49-F238E27FC236}">
-                <a16:creationId xmlns:a16="http://schemas.microsoft.com/office/drawing/2014/main" id="{4B9F70A5-AF64-4971-B436-6C92F0064695}"/>
-              </a:ext>
-            </a:extLst>
-          </p:cNvPr>
-          <p:cNvGrpSpPr/>
-          <p:nvPr/>
-        </p:nvGrpSpPr>
-        <p:grpSpPr>
-          <a:xfrm>
-            <a:off x="4601207" y="325487"/>
-            <a:ext cx="2989586" cy="6207027"/>
-            <a:chOff x="4601207" y="325487"/>
-            <a:chExt cx="2989586" cy="6207027"/>
-          </a:xfrm>
-        </p:grpSpPr>
-        <p:pic>
-          <p:nvPicPr>
-            <p:cNvPr id="2" name="Picture 1">
-              <a:extLst>
-                <a:ext uri="{FF2B5EF4-FFF2-40B4-BE49-F238E27FC236}">
-                  <a16:creationId xmlns:a16="http://schemas.microsoft.com/office/drawing/2014/main" id="{5EECB5A6-7272-4AA2-B751-2458EE625B6A}"/>
-                </a:ext>
-              </a:extLst>
-            </p:cNvPr>
-            <p:cNvPicPr>
-              <a:picLocks noChangeAspect="1"/>
-            </p:cNvPicPr>
-            <p:nvPr/>
-          </p:nvPicPr>
-          <p:blipFill rotWithShape="1">
-            <a:blip r:embed="rId3">
-              <a:extLst>
-                <a:ext uri="{28A0092B-C50C-407E-A947-70E740481C1C}">
-                  <a14:useLocalDpi xmlns:a14="http://schemas.microsoft.com/office/drawing/2010/main" val="0"/>
-                </a:ext>
-              </a:extLst>
-            </a:blip>
-            <a:srcRect l="42612" r="42154" b="35448"/>
-            <a:stretch/>
-          </p:blipFill>
-          <p:spPr>
-            <a:xfrm>
-              <a:off x="4601207" y="325487"/>
-              <a:ext cx="2989586" cy="6207027"/>
-            </a:xfrm>
-            <a:prstGeom prst="rect">
-              <a:avLst/>
-            </a:prstGeom>
-          </p:spPr>
-        </p:pic>
-        <p:sp>
-          <p:nvSpPr>
-            <p:cNvPr id="3" name="Rectangle 2">
-              <a:extLst>
-                <a:ext uri="{FF2B5EF4-FFF2-40B4-BE49-F238E27FC236}">
-                  <a16:creationId xmlns:a16="http://schemas.microsoft.com/office/drawing/2014/main" id="{322A6159-CC99-4CDE-8A49-B32C489A268E}"/>
-                </a:ext>
-              </a:extLst>
-            </p:cNvPr>
-            <p:cNvSpPr/>
-            <p:nvPr/>
-          </p:nvSpPr>
-          <p:spPr>
-            <a:xfrm>
-              <a:off x="4764086" y="1589943"/>
-              <a:ext cx="2646117" cy="345736"/>
-            </a:xfrm>
-            <a:prstGeom prst="rect">
-              <a:avLst/>
-            </a:prstGeom>
-            <a:solidFill>
-              <a:schemeClr val="bg1"/>
-            </a:solidFill>
-            <a:ln>
-              <a:noFill/>
-            </a:ln>
-          </p:spPr>
-          <p:style>
-            <a:lnRef idx="2">
-              <a:schemeClr val="accent1">
-                <a:shade val="50000"/>
-              </a:schemeClr>
-            </a:lnRef>
-            <a:fillRef idx="1">
-              <a:schemeClr val="accent1"/>
-            </a:fillRef>
-            <a:effectRef idx="0">
-              <a:schemeClr val="accent1"/>
-            </a:effectRef>
-            <a:fontRef idx="minor">
-              <a:schemeClr val="lt1"/>
-            </a:fontRef>
-          </p:style>
-          <p:txBody>
-            <a:bodyPr rtlCol="0" anchor="ctr"/>
-            <a:lstStyle/>
-            <a:p>
-              <a:pPr algn="ctr"/>
-              <a:endParaRPr lang="nb-NO"/>
-            </a:p>
-          </p:txBody>
-        </p:sp>
-        <p:sp>
-          <p:nvSpPr>
-            <p:cNvPr id="4" name="Rectangle 3">
-              <a:extLst>
-                <a:ext uri="{FF2B5EF4-FFF2-40B4-BE49-F238E27FC236}">
-                  <a16:creationId xmlns:a16="http://schemas.microsoft.com/office/drawing/2014/main" id="{A43CCD18-7A32-47D6-BC9E-23C31CD5A67B}"/>
-                </a:ext>
-              </a:extLst>
-            </p:cNvPr>
-            <p:cNvSpPr/>
-            <p:nvPr/>
-          </p:nvSpPr>
-          <p:spPr>
-            <a:xfrm>
-              <a:off x="4636832" y="5095188"/>
-              <a:ext cx="2868373" cy="913725"/>
-            </a:xfrm>
-            <a:prstGeom prst="rect">
-              <a:avLst/>
-            </a:prstGeom>
-            <a:solidFill>
-              <a:schemeClr val="bg1"/>
-            </a:solidFill>
-            <a:ln>
-              <a:noFill/>
-            </a:ln>
-          </p:spPr>
-          <p:style>
-            <a:lnRef idx="2">
-              <a:schemeClr val="accent1">
-                <a:shade val="50000"/>
-              </a:schemeClr>
-            </a:lnRef>
-            <a:fillRef idx="1">
-              <a:schemeClr val="accent1"/>
-            </a:fillRef>
-            <a:effectRef idx="0">
-              <a:schemeClr val="accent1"/>
-            </a:effectRef>
-            <a:fontRef idx="minor">
-              <a:schemeClr val="lt1"/>
-            </a:fontRef>
-          </p:style>
-          <p:txBody>
-            <a:bodyPr rtlCol="0" anchor="ctr"/>
-            <a:lstStyle/>
-            <a:p>
-              <a:pPr algn="ctr"/>
-              <a:endParaRPr lang="nb-NO"/>
-            </a:p>
-          </p:txBody>
-        </p:sp>
-      </p:grpSp>
+      <p:sp>
+        <p:nvSpPr>
+          <p:cNvPr id="2" name="Title 1">
+            <a:extLst>
+              <a:ext uri="{FF2B5EF4-FFF2-40B4-BE49-F238E27FC236}">
+                <a16:creationId xmlns:a16="http://schemas.microsoft.com/office/drawing/2014/main" id="{5EF59F8C-9E62-4157-A90F-0B3A2D2CFCAD}"/>
+              </a:ext>
+            </a:extLst>
+          </p:cNvPr>
+          <p:cNvSpPr>
+            <a:spLocks noGrp="1"/>
+          </p:cNvSpPr>
+          <p:nvPr>
+            <p:ph type="ctrTitle"/>
+          </p:nvPr>
+        </p:nvSpPr>
+        <p:spPr/>
+        <p:txBody>
+          <a:bodyPr/>
+          <a:lstStyle/>
+          <a:p>
+            <a:endParaRPr lang="nb-NO"/>
+          </a:p>
+        </p:txBody>
+      </p:sp>
+      <p:sp>
+        <p:nvSpPr>
+          <p:cNvPr id="3" name="Subtitle 2">
+            <a:extLst>
+              <a:ext uri="{FF2B5EF4-FFF2-40B4-BE49-F238E27FC236}">
+                <a16:creationId xmlns:a16="http://schemas.microsoft.com/office/drawing/2014/main" id="{AACEEE00-0F15-4097-9D41-B5BE258F5E32}"/>
+              </a:ext>
+            </a:extLst>
+          </p:cNvPr>
+          <p:cNvSpPr>
+            <a:spLocks noGrp="1"/>
+          </p:cNvSpPr>
+          <p:nvPr>
+            <p:ph type="subTitle" idx="1"/>
+          </p:nvPr>
+        </p:nvSpPr>
+        <p:spPr/>
+        <p:txBody>
+          <a:bodyPr/>
+          <a:lstStyle/>
+          <a:p>
+            <a:endParaRPr lang="nb-NO"/>
+          </a:p>
+        </p:txBody>
+      </p:sp>
     </p:spTree>
     <p:extLst>
       <p:ext uri="{BB962C8B-B14F-4D97-AF65-F5344CB8AC3E}">
-        <p14:creationId xmlns:p14="http://schemas.microsoft.com/office/powerpoint/2010/main" val="4242807668"/>
+        <p14:creationId xmlns:p14="http://schemas.microsoft.com/office/powerpoint/2010/main" val="160713743"/>
       </p:ext>
     </p:extLst>
   </p:cSld>
   <p:clrMapOvr>
     <a:masterClrMapping/>
   </p:clrMapOvr>
-  <mc:AlternateContent xmlns:mc="http://schemas.openxmlformats.org/markup-compatibility/2006">
-    <mc:Choice xmlns:p159="http://schemas.microsoft.com/office/powerpoint/2015/09/main" Requires="p159">
-      <p:transition xmlns:p14="http://schemas.microsoft.com/office/powerpoint/2010/main" spd="slow" p14:dur="2000" advClick="0" advTm="5400">
-        <p159:morph option="byObject"/>
-      </p:transition>
-    </mc:Choice>
-    <mc:Fallback>
-      <p:transition spd="slow" advClick="0" advTm="5400">
-        <p:fade/>
-      </p:transition>
-    </mc:Fallback>
-  </mc:AlternateContent>
 </p:sld>
 </file>
 
@@ -5123,77 +3505,72 @@
           <a:chExt cx="0" cy="0"/>
         </a:xfrm>
       </p:grpSpPr>
-      <p:pic>
-        <p:nvPicPr>
-          <p:cNvPr id="2" name="Picture 1">
-            <a:extLst>
-              <a:ext uri="{FF2B5EF4-FFF2-40B4-BE49-F238E27FC236}">
-                <a16:creationId xmlns:a16="http://schemas.microsoft.com/office/drawing/2014/main" id="{5EECB5A6-7272-4AA2-B751-2458EE625B6A}"/>
-              </a:ext>
-            </a:extLst>
-          </p:cNvPr>
-          <p:cNvPicPr>
-            <a:picLocks noChangeAspect="1"/>
-          </p:cNvPicPr>
-          <p:nvPr/>
-        </p:nvPicPr>
-        <p:blipFill rotWithShape="1">
-          <a:blip r:embed="rId3">
-            <a:extLst>
-              <a:ext uri="{28A0092B-C50C-407E-A947-70E740481C1C}">
-                <a14:useLocalDpi xmlns:a14="http://schemas.microsoft.com/office/drawing/2010/main" val="0"/>
-              </a:ext>
-            </a:extLst>
-          </a:blip>
-          <a:srcRect l="42612" r="42154" b="35448"/>
-          <a:stretch/>
-        </p:blipFill>
-        <p:spPr>
-          <a:xfrm>
-            <a:off x="5224178" y="548464"/>
-            <a:ext cx="1791143" cy="3718800"/>
-          </a:xfrm>
-          <a:prstGeom prst="rect">
-            <a:avLst/>
-          </a:prstGeom>
-        </p:spPr>
-      </p:pic>
+      <p:sp>
+        <p:nvSpPr>
+          <p:cNvPr id="2" name="Title 1">
+            <a:extLst>
+              <a:ext uri="{FF2B5EF4-FFF2-40B4-BE49-F238E27FC236}">
+                <a16:creationId xmlns:a16="http://schemas.microsoft.com/office/drawing/2014/main" id="{5EF59F8C-9E62-4157-A90F-0B3A2D2CFCAD}"/>
+              </a:ext>
+            </a:extLst>
+          </p:cNvPr>
+          <p:cNvSpPr>
+            <a:spLocks noGrp="1"/>
+          </p:cNvSpPr>
+          <p:nvPr>
+            <p:ph type="ctrTitle"/>
+          </p:nvPr>
+        </p:nvSpPr>
+        <p:spPr/>
+        <p:txBody>
+          <a:bodyPr/>
+          <a:lstStyle/>
+          <a:p>
+            <a:endParaRPr lang="nb-NO"/>
+          </a:p>
+        </p:txBody>
+      </p:sp>
+      <p:sp>
+        <p:nvSpPr>
+          <p:cNvPr id="3" name="Subtitle 2">
+            <a:extLst>
+              <a:ext uri="{FF2B5EF4-FFF2-40B4-BE49-F238E27FC236}">
+                <a16:creationId xmlns:a16="http://schemas.microsoft.com/office/drawing/2014/main" id="{AACEEE00-0F15-4097-9D41-B5BE258F5E32}"/>
+              </a:ext>
+            </a:extLst>
+          </p:cNvPr>
+          <p:cNvSpPr>
+            <a:spLocks noGrp="1"/>
+          </p:cNvSpPr>
+          <p:nvPr>
+            <p:ph type="subTitle" idx="1"/>
+          </p:nvPr>
+        </p:nvSpPr>
+        <p:spPr/>
+        <p:txBody>
+          <a:bodyPr/>
+          <a:lstStyle/>
+          <a:p>
+            <a:endParaRPr lang="nb-NO"/>
+          </a:p>
+        </p:txBody>
+      </p:sp>
     </p:spTree>
     <p:extLst>
       <p:ext uri="{BB962C8B-B14F-4D97-AF65-F5344CB8AC3E}">
-        <p14:creationId xmlns:p14="http://schemas.microsoft.com/office/powerpoint/2010/main" val="183777957"/>
+        <p14:creationId xmlns:p14="http://schemas.microsoft.com/office/powerpoint/2010/main" val="3513139012"/>
       </p:ext>
     </p:extLst>
   </p:cSld>
   <p:clrMapOvr>
     <a:masterClrMapping/>
   </p:clrMapOvr>
-  <mc:AlternateContent xmlns:mc="http://schemas.openxmlformats.org/markup-compatibility/2006">
-    <mc:Choice xmlns:p159="http://schemas.microsoft.com/office/powerpoint/2015/09/main" Requires="p159">
-      <p:transition xmlns:p14="http://schemas.microsoft.com/office/powerpoint/2010/main" spd="slow" p14:dur="2000" advClick="0" advTm="11700">
-        <p159:morph option="byObject"/>
-      </p:transition>
-    </mc:Choice>
-    <mc:Fallback>
-      <p:transition spd="slow" advClick="0" advTm="11700">
-        <p:fade/>
-      </p:transition>
-    </mc:Fallback>
-  </mc:AlternateContent>
 </p:sld>
 </file>
 
 <file path=ppt/slides/slide4.xml><?xml version="1.0" encoding="utf-8"?>
 <p:sld xmlns:a="http://schemas.openxmlformats.org/drawingml/2006/main" xmlns:r="http://schemas.openxmlformats.org/officeDocument/2006/relationships" xmlns:p="http://schemas.openxmlformats.org/presentationml/2006/main">
   <p:cSld>
-    <p:bg>
-      <p:bgPr>
-        <a:solidFill>
-          <a:schemeClr val="bg1"/>
-        </a:solidFill>
-        <a:effectLst/>
-      </p:bgPr>
-    </p:bg>
     <p:spTree>
       <p:nvGrpSpPr>
         <p:cNvPr id="1" name=""/>
@@ -5210,719 +3587,64 @@
       </p:grpSpPr>
       <p:sp>
         <p:nvSpPr>
-          <p:cNvPr id="8" name="Rectangle 7">
-            <a:extLst>
-              <a:ext uri="{FF2B5EF4-FFF2-40B4-BE49-F238E27FC236}">
-                <a16:creationId xmlns:a16="http://schemas.microsoft.com/office/drawing/2014/main" id="{A9F529C3-C941-49FD-8C67-82F134F64BDB}"/>
-              </a:ext>
-              <a:ext uri="{C183D7F6-B498-43B3-948B-1728B52AA6E4}">
-                <adec:decorative xmlns:adec="http://schemas.microsoft.com/office/drawing/2017/decorative" val="1"/>
-              </a:ext>
-            </a:extLst>
-          </p:cNvPr>
-          <p:cNvSpPr>
-            <a:spLocks noGrp="1" noRot="1" noChangeAspect="1" noMove="1" noResize="1" noEditPoints="1" noAdjustHandles="1" noChangeArrowheads="1" noChangeShapeType="1" noTextEdit="1"/>
-          </p:cNvSpPr>
-          <p:nvPr>
-            <p:extLst>
-              <p:ext uri="{386F3935-93C4-4BCD-93E2-E3B085C9AB24}">
-                <p16:designElem xmlns:p16="http://schemas.microsoft.com/office/powerpoint/2015/main" val="1"/>
-              </p:ext>
-            </p:extLst>
-          </p:nvPr>
-        </p:nvSpPr>
-        <p:spPr>
-          <a:xfrm>
-            <a:off x="0" y="0"/>
-            <a:ext cx="12192000" cy="6858000"/>
-          </a:xfrm>
-          <a:prstGeom prst="rect">
-            <a:avLst/>
-          </a:prstGeom>
-          <a:solidFill>
-            <a:schemeClr val="tx1">
-              <a:lumMod val="50000"/>
-              <a:lumOff val="50000"/>
-              <a:alpha val="30000"/>
-            </a:schemeClr>
-          </a:solidFill>
-          <a:ln>
-            <a:noFill/>
-          </a:ln>
-        </p:spPr>
-        <p:style>
-          <a:lnRef idx="2">
-            <a:schemeClr val="accent1">
-              <a:shade val="50000"/>
-            </a:schemeClr>
-          </a:lnRef>
-          <a:fillRef idx="1">
-            <a:schemeClr val="accent1"/>
-          </a:fillRef>
-          <a:effectRef idx="0">
-            <a:schemeClr val="accent1"/>
-          </a:effectRef>
-          <a:fontRef idx="minor">
-            <a:schemeClr val="lt1"/>
-          </a:fontRef>
-        </p:style>
-        <p:txBody>
-          <a:bodyPr rtlCol="0" anchor="ctr"/>
-          <a:lstStyle/>
-          <a:p>
-            <a:pPr algn="ctr"/>
-            <a:endParaRPr lang="en-US"/>
-          </a:p>
-        </p:txBody>
-      </p:sp>
-      <p:sp>
-        <p:nvSpPr>
-          <p:cNvPr id="10" name="Rectangle 9">
-            <a:extLst>
-              <a:ext uri="{FF2B5EF4-FFF2-40B4-BE49-F238E27FC236}">
-                <a16:creationId xmlns:a16="http://schemas.microsoft.com/office/drawing/2014/main" id="{20586029-32A0-47E5-9AEC-AE3ABA6B94D0}"/>
-              </a:ext>
-              <a:ext uri="{C183D7F6-B498-43B3-948B-1728B52AA6E4}">
-                <adec:decorative xmlns:adec="http://schemas.microsoft.com/office/drawing/2017/decorative" val="1"/>
-              </a:ext>
-            </a:extLst>
-          </p:cNvPr>
-          <p:cNvSpPr>
-            <a:spLocks noGrp="1" noRot="1" noChangeAspect="1" noMove="1" noResize="1" noEditPoints="1" noAdjustHandles="1" noChangeArrowheads="1" noChangeShapeType="1" noTextEdit="1"/>
-          </p:cNvSpPr>
-          <p:nvPr>
-            <p:extLst>
-              <p:ext uri="{386F3935-93C4-4BCD-93E2-E3B085C9AB24}">
-                <p16:designElem xmlns:p16="http://schemas.microsoft.com/office/powerpoint/2015/main" val="1"/>
-              </p:ext>
-            </p:extLst>
-          </p:nvPr>
-        </p:nvSpPr>
-        <p:spPr>
-          <a:xfrm>
-            <a:off x="477012" y="480060"/>
-            <a:ext cx="11237976" cy="5897880"/>
-          </a:xfrm>
-          <a:prstGeom prst="rect">
-            <a:avLst/>
-          </a:prstGeom>
-          <a:solidFill>
-            <a:srgbClr val="FFFFFF"/>
-          </a:solidFill>
-          <a:ln w="9525">
-            <a:noFill/>
-          </a:ln>
-          <a:effectLst>
-            <a:outerShdw blurRad="63500" dist="17780" dir="5400000" algn="t" rotWithShape="0">
-              <a:prstClr val="black">
-                <a:alpha val="43000"/>
-              </a:prstClr>
-            </a:outerShdw>
-          </a:effectLst>
-        </p:spPr>
-        <p:style>
-          <a:lnRef idx="2">
-            <a:schemeClr val="accent1">
-              <a:shade val="50000"/>
-            </a:schemeClr>
-          </a:lnRef>
-          <a:fillRef idx="1">
-            <a:schemeClr val="accent1"/>
-          </a:fillRef>
-          <a:effectRef idx="0">
-            <a:schemeClr val="accent1"/>
-          </a:effectRef>
-          <a:fontRef idx="minor">
-            <a:schemeClr val="lt1"/>
-          </a:fontRef>
-        </p:style>
-        <p:txBody>
-          <a:bodyPr rtlCol="0" anchor="ctr"/>
-          <a:lstStyle/>
-          <a:p>
-            <a:pPr algn="ctr"/>
-            <a:endParaRPr lang="en-US"/>
-          </a:p>
-        </p:txBody>
-      </p:sp>
-      <p:pic>
-        <p:nvPicPr>
-          <p:cNvPr id="2" name="Picture 1">
-            <a:extLst>
-              <a:ext uri="{FF2B5EF4-FFF2-40B4-BE49-F238E27FC236}">
-                <a16:creationId xmlns:a16="http://schemas.microsoft.com/office/drawing/2014/main" id="{5EECB5A6-7272-4AA2-B751-2458EE625B6A}"/>
-              </a:ext>
-            </a:extLst>
-          </p:cNvPr>
-          <p:cNvPicPr>
-            <a:picLocks noChangeAspect="1"/>
-          </p:cNvPicPr>
-          <p:nvPr/>
-        </p:nvPicPr>
-        <p:blipFill rotWithShape="1">
-          <a:blip r:embed="rId3">
-            <a:extLst>
-              <a:ext uri="{28A0092B-C50C-407E-A947-70E740481C1C}">
-                <a14:useLocalDpi xmlns:a14="http://schemas.microsoft.com/office/drawing/2010/main" val="0"/>
-              </a:ext>
-            </a:extLst>
-          </a:blip>
-          <a:srcRect l="42612" r="42154" b="35448"/>
-          <a:stretch/>
-        </p:blipFill>
-        <p:spPr>
-          <a:xfrm>
-            <a:off x="1959428" y="643467"/>
-            <a:ext cx="2683279" cy="5571066"/>
-          </a:xfrm>
-          <a:prstGeom prst="rect">
-            <a:avLst/>
-          </a:prstGeom>
-        </p:spPr>
-      </p:pic>
-      <p:cxnSp>
-        <p:nvCxnSpPr>
-          <p:cNvPr id="12" name="Straight Connector 11">
-            <a:extLst>
-              <a:ext uri="{FF2B5EF4-FFF2-40B4-BE49-F238E27FC236}">
-                <a16:creationId xmlns:a16="http://schemas.microsoft.com/office/drawing/2014/main" id="{8C730EAB-A532-4295-A302-FB4B90DB9F5E}"/>
-              </a:ext>
-              <a:ext uri="{C183D7F6-B498-43B3-948B-1728B52AA6E4}">
-                <adec:decorative xmlns:adec="http://schemas.microsoft.com/office/drawing/2017/decorative" val="1"/>
-              </a:ext>
-            </a:extLst>
-          </p:cNvPr>
-          <p:cNvCxnSpPr>
-            <a:cxnSpLocks noGrp="1" noRot="1" noChangeAspect="1" noMove="1" noResize="1" noEditPoints="1" noAdjustHandles="1" noChangeArrowheads="1" noChangeShapeType="1"/>
-          </p:cNvCxnSpPr>
-          <p:nvPr>
-            <p:extLst>
-              <p:ext uri="{386F3935-93C4-4BCD-93E2-E3B085C9AB24}">
-                <p16:designElem xmlns:p16="http://schemas.microsoft.com/office/powerpoint/2015/main" val="1"/>
-              </p:ext>
-            </p:extLst>
-          </p:nvPr>
-        </p:nvCxnSpPr>
-        <p:spPr>
-          <a:xfrm>
-            <a:off x="6079958" y="1143000"/>
-            <a:ext cx="0" cy="4572000"/>
-          </a:xfrm>
-          <a:prstGeom prst="line">
-            <a:avLst/>
-          </a:prstGeom>
-          <a:ln>
-            <a:solidFill>
-              <a:srgbClr val="4E4E4E"/>
-            </a:solidFill>
-          </a:ln>
-        </p:spPr>
-        <p:style>
-          <a:lnRef idx="1">
-            <a:schemeClr val="accent1"/>
-          </a:lnRef>
-          <a:fillRef idx="0">
-            <a:schemeClr val="accent1"/>
-          </a:fillRef>
-          <a:effectRef idx="0">
-            <a:schemeClr val="accent1"/>
-          </a:effectRef>
-          <a:fontRef idx="minor">
-            <a:schemeClr val="tx1"/>
-          </a:fontRef>
-        </p:style>
-      </p:cxnSp>
-      <p:pic>
-        <p:nvPicPr>
-          <p:cNvPr id="3" name="Picture 2">
-            <a:extLst>
-              <a:ext uri="{FF2B5EF4-FFF2-40B4-BE49-F238E27FC236}">
-                <a16:creationId xmlns:a16="http://schemas.microsoft.com/office/drawing/2014/main" id="{6A1233C6-980B-415F-A101-3B7C639887E3}"/>
-              </a:ext>
-            </a:extLst>
-          </p:cNvPr>
-          <p:cNvPicPr/>
-          <p:nvPr/>
-        </p:nvPicPr>
-        <p:blipFill>
-          <a:blip r:embed="rId4">
-            <a:extLst>
-              <a:ext uri="{28A0092B-C50C-407E-A947-70E740481C1C}">
-                <a14:useLocalDpi xmlns:a14="http://schemas.microsoft.com/office/drawing/2010/main" val="0"/>
-              </a:ext>
-            </a:extLst>
-          </a:blip>
-          <a:stretch>
-            <a:fillRect/>
-          </a:stretch>
-        </p:blipFill>
-        <p:spPr bwMode="auto">
-          <a:xfrm>
-            <a:off x="6253817" y="1390535"/>
-            <a:ext cx="5294715" cy="4076930"/>
-          </a:xfrm>
-          <a:prstGeom prst="rect">
-            <a:avLst/>
-          </a:prstGeom>
-          <a:noFill/>
-        </p:spPr>
-      </p:pic>
+          <p:cNvPr id="2" name="Title 1">
+            <a:extLst>
+              <a:ext uri="{FF2B5EF4-FFF2-40B4-BE49-F238E27FC236}">
+                <a16:creationId xmlns:a16="http://schemas.microsoft.com/office/drawing/2014/main" id="{5EF59F8C-9E62-4157-A90F-0B3A2D2CFCAD}"/>
+              </a:ext>
+            </a:extLst>
+          </p:cNvPr>
+          <p:cNvSpPr>
+            <a:spLocks noGrp="1"/>
+          </p:cNvSpPr>
+          <p:nvPr>
+            <p:ph type="ctrTitle"/>
+          </p:nvPr>
+        </p:nvSpPr>
+        <p:spPr/>
+        <p:txBody>
+          <a:bodyPr/>
+          <a:lstStyle/>
+          <a:p>
+            <a:endParaRPr lang="nb-NO"/>
+          </a:p>
+        </p:txBody>
+      </p:sp>
+      <p:sp>
+        <p:nvSpPr>
+          <p:cNvPr id="3" name="Subtitle 2">
+            <a:extLst>
+              <a:ext uri="{FF2B5EF4-FFF2-40B4-BE49-F238E27FC236}">
+                <a16:creationId xmlns:a16="http://schemas.microsoft.com/office/drawing/2014/main" id="{AACEEE00-0F15-4097-9D41-B5BE258F5E32}"/>
+              </a:ext>
+            </a:extLst>
+          </p:cNvPr>
+          <p:cNvSpPr>
+            <a:spLocks noGrp="1"/>
+          </p:cNvSpPr>
+          <p:nvPr>
+            <p:ph type="subTitle" idx="1"/>
+          </p:nvPr>
+        </p:nvSpPr>
+        <p:spPr/>
+        <p:txBody>
+          <a:bodyPr/>
+          <a:lstStyle/>
+          <a:p>
+            <a:endParaRPr lang="nb-NO"/>
+          </a:p>
+        </p:txBody>
+      </p:sp>
     </p:spTree>
     <p:extLst>
       <p:ext uri="{BB962C8B-B14F-4D97-AF65-F5344CB8AC3E}">
-        <p14:creationId xmlns:p14="http://schemas.microsoft.com/office/powerpoint/2010/main" val="1648747403"/>
+        <p14:creationId xmlns:p14="http://schemas.microsoft.com/office/powerpoint/2010/main" val="3153510595"/>
       </p:ext>
     </p:extLst>
   </p:cSld>
   <p:clrMapOvr>
     <a:masterClrMapping/>
   </p:clrMapOvr>
-  <mc:AlternateContent xmlns:mc="http://schemas.openxmlformats.org/markup-compatibility/2006">
-    <mc:Choice xmlns:p159="http://schemas.microsoft.com/office/powerpoint/2015/09/main" Requires="p159">
-      <p:transition xmlns:p14="http://schemas.microsoft.com/office/powerpoint/2010/main" spd="slow" p14:dur="2000" advTm="16000">
-        <p159:morph option="byObject"/>
-      </p:transition>
-    </mc:Choice>
-    <mc:Fallback>
-      <p:transition spd="slow" advTm="16000">
-        <p:fade/>
-      </p:transition>
-    </mc:Fallback>
-  </mc:AlternateContent>
-</p:sld>
-</file>
-
-<file path=ppt/slides/slide5.xml><?xml version="1.0" encoding="utf-8"?>
-<p:sld xmlns:a="http://schemas.openxmlformats.org/drawingml/2006/main" xmlns:r="http://schemas.openxmlformats.org/officeDocument/2006/relationships" xmlns:p="http://schemas.openxmlformats.org/presentationml/2006/main">
-  <p:cSld>
-    <p:bg>
-      <p:bgPr>
-        <a:solidFill>
-          <a:schemeClr val="bg1">
-            <a:tint val="95000"/>
-            <a:satMod val="170000"/>
-          </a:schemeClr>
-        </a:solidFill>
-        <a:effectLst/>
-      </p:bgPr>
-    </p:bg>
-    <p:spTree>
-      <p:nvGrpSpPr>
-        <p:cNvPr id="1" name=""/>
-        <p:cNvGrpSpPr/>
-        <p:nvPr/>
-      </p:nvGrpSpPr>
-      <p:grpSpPr>
-        <a:xfrm>
-          <a:off x="0" y="0"/>
-          <a:ext cx="0" cy="0"/>
-          <a:chOff x="0" y="0"/>
-          <a:chExt cx="0" cy="0"/>
-        </a:xfrm>
-      </p:grpSpPr>
-      <p:sp>
-        <p:nvSpPr>
-          <p:cNvPr id="7" name="Freeform: Shape 6">
-            <a:extLst>
-              <a:ext uri="{FF2B5EF4-FFF2-40B4-BE49-F238E27FC236}">
-                <a16:creationId xmlns:a16="http://schemas.microsoft.com/office/drawing/2014/main" id="{66B332A4-D438-4773-A77F-5ED49A448D9D}"/>
-              </a:ext>
-              <a:ext uri="{C183D7F6-B498-43B3-948B-1728B52AA6E4}">
-                <adec:decorative xmlns:adec="http://schemas.microsoft.com/office/drawing/2017/decorative" val="1"/>
-              </a:ext>
-            </a:extLst>
-          </p:cNvPr>
-          <p:cNvSpPr>
-            <a:spLocks noGrp="1" noRot="1" noChangeAspect="1" noMove="1" noResize="1" noEditPoints="1" noAdjustHandles="1" noChangeArrowheads="1" noChangeShapeType="1" noTextEdit="1"/>
-          </p:cNvSpPr>
-          <p:nvPr>
-            <p:extLst>
-              <p:ext uri="{386F3935-93C4-4BCD-93E2-E3B085C9AB24}">
-                <p16:designElem xmlns:p16="http://schemas.microsoft.com/office/powerpoint/2015/main" val="1"/>
-              </p:ext>
-            </p:extLst>
-          </p:nvPr>
-        </p:nvSpPr>
-        <p:spPr>
-          <a:xfrm>
-            <a:off x="1953768" y="0"/>
-            <a:ext cx="8284464" cy="6858000"/>
-          </a:xfrm>
-          <a:custGeom>
-            <a:avLst/>
-            <a:gdLst>
-              <a:gd name="connsiteX0" fmla="*/ 1818109 w 8284464"/>
-              <a:gd name="connsiteY0" fmla="*/ 0 h 6858000"/>
-              <a:gd name="connsiteX1" fmla="*/ 6466355 w 8284464"/>
-              <a:gd name="connsiteY1" fmla="*/ 0 h 6858000"/>
-              <a:gd name="connsiteX2" fmla="*/ 6620596 w 8284464"/>
-              <a:gd name="connsiteY2" fmla="*/ 109683 h 6858000"/>
-              <a:gd name="connsiteX3" fmla="*/ 8284464 w 8284464"/>
-              <a:gd name="connsiteY3" fmla="*/ 3429000 h 6858000"/>
-              <a:gd name="connsiteX4" fmla="*/ 6620596 w 8284464"/>
-              <a:gd name="connsiteY4" fmla="*/ 6748318 h 6858000"/>
-              <a:gd name="connsiteX5" fmla="*/ 6466355 w 8284464"/>
-              <a:gd name="connsiteY5" fmla="*/ 6858000 h 6858000"/>
-              <a:gd name="connsiteX6" fmla="*/ 1818109 w 8284464"/>
-              <a:gd name="connsiteY6" fmla="*/ 6858000 h 6858000"/>
-              <a:gd name="connsiteX7" fmla="*/ 1663869 w 8284464"/>
-              <a:gd name="connsiteY7" fmla="*/ 6748318 h 6858000"/>
-              <a:gd name="connsiteX8" fmla="*/ 0 w 8284464"/>
-              <a:gd name="connsiteY8" fmla="*/ 3429000 h 6858000"/>
-              <a:gd name="connsiteX9" fmla="*/ 1663869 w 8284464"/>
-              <a:gd name="connsiteY9" fmla="*/ 109683 h 6858000"/>
-            </a:gdLst>
-            <a:ahLst/>
-            <a:cxnLst>
-              <a:cxn ang="0">
-                <a:pos x="connsiteX0" y="connsiteY0"/>
-              </a:cxn>
-              <a:cxn ang="0">
-                <a:pos x="connsiteX1" y="connsiteY1"/>
-              </a:cxn>
-              <a:cxn ang="0">
-                <a:pos x="connsiteX2" y="connsiteY2"/>
-              </a:cxn>
-              <a:cxn ang="0">
-                <a:pos x="connsiteX3" y="connsiteY3"/>
-              </a:cxn>
-              <a:cxn ang="0">
-                <a:pos x="connsiteX4" y="connsiteY4"/>
-              </a:cxn>
-              <a:cxn ang="0">
-                <a:pos x="connsiteX5" y="connsiteY5"/>
-              </a:cxn>
-              <a:cxn ang="0">
-                <a:pos x="connsiteX6" y="connsiteY6"/>
-              </a:cxn>
-              <a:cxn ang="0">
-                <a:pos x="connsiteX7" y="connsiteY7"/>
-              </a:cxn>
-              <a:cxn ang="0">
-                <a:pos x="connsiteX8" y="connsiteY8"/>
-              </a:cxn>
-              <a:cxn ang="0">
-                <a:pos x="connsiteX9" y="connsiteY9"/>
-              </a:cxn>
-            </a:cxnLst>
-            <a:rect l="l" t="t" r="r" b="b"/>
-            <a:pathLst>
-              <a:path w="8284464" h="6858000">
-                <a:moveTo>
-                  <a:pt x="1818109" y="0"/>
-                </a:moveTo>
-                <a:lnTo>
-                  <a:pt x="6466355" y="0"/>
-                </a:lnTo>
-                <a:lnTo>
-                  <a:pt x="6620596" y="109683"/>
-                </a:lnTo>
-                <a:cubicBezTo>
-                  <a:pt x="7630666" y="865069"/>
-                  <a:pt x="8284464" y="2070683"/>
-                  <a:pt x="8284464" y="3429000"/>
-                </a:cubicBezTo>
-                <a:cubicBezTo>
-                  <a:pt x="8284464" y="4787317"/>
-                  <a:pt x="7630666" y="5992931"/>
-                  <a:pt x="6620596" y="6748318"/>
-                </a:cubicBezTo>
-                <a:lnTo>
-                  <a:pt x="6466355" y="6858000"/>
-                </a:lnTo>
-                <a:lnTo>
-                  <a:pt x="1818109" y="6858000"/>
-                </a:lnTo>
-                <a:lnTo>
-                  <a:pt x="1663869" y="6748318"/>
-                </a:lnTo>
-                <a:cubicBezTo>
-                  <a:pt x="653798" y="5992931"/>
-                  <a:pt x="0" y="4787317"/>
-                  <a:pt x="0" y="3429000"/>
-                </a:cubicBezTo>
-                <a:cubicBezTo>
-                  <a:pt x="0" y="2070683"/>
-                  <a:pt x="653798" y="865069"/>
-                  <a:pt x="1663869" y="109683"/>
-                </a:cubicBezTo>
-                <a:close/>
-              </a:path>
-            </a:pathLst>
-          </a:custGeom>
-          <a:solidFill>
-            <a:srgbClr val="FFFFFF">
-              <a:alpha val="80000"/>
-            </a:srgbClr>
-          </a:solidFill>
-          <a:ln>
-            <a:noFill/>
-          </a:ln>
-        </p:spPr>
-        <p:style>
-          <a:lnRef idx="2">
-            <a:schemeClr val="accent1">
-              <a:shade val="50000"/>
-            </a:schemeClr>
-          </a:lnRef>
-          <a:fillRef idx="1">
-            <a:schemeClr val="accent1"/>
-          </a:fillRef>
-          <a:effectRef idx="0">
-            <a:schemeClr val="accent1"/>
-          </a:effectRef>
-          <a:fontRef idx="minor">
-            <a:schemeClr val="lt1"/>
-          </a:fontRef>
-        </p:style>
-        <p:txBody>
-          <a:bodyPr wrap="square" rtlCol="0" anchor="ctr">
-            <a:noAutofit/>
-          </a:bodyPr>
-          <a:lstStyle/>
-          <a:p>
-            <a:pPr algn="ctr"/>
-            <a:endParaRPr lang="en-US"/>
-          </a:p>
-        </p:txBody>
-      </p:sp>
-      <p:sp>
-        <p:nvSpPr>
-          <p:cNvPr id="9" name="Freeform: Shape 8">
-            <a:extLst>
-              <a:ext uri="{FF2B5EF4-FFF2-40B4-BE49-F238E27FC236}">
-                <a16:creationId xmlns:a16="http://schemas.microsoft.com/office/drawing/2014/main" id="{DF9AD32D-FF05-44F4-BD4D-9CEE89B71EB9}"/>
-              </a:ext>
-              <a:ext uri="{C183D7F6-B498-43B3-948B-1728B52AA6E4}">
-                <adec:decorative xmlns:adec="http://schemas.microsoft.com/office/drawing/2017/decorative" val="1"/>
-              </a:ext>
-            </a:extLst>
-          </p:cNvPr>
-          <p:cNvSpPr>
-            <a:spLocks noGrp="1" noRot="1" noChangeAspect="1" noMove="1" noResize="1" noEditPoints="1" noAdjustHandles="1" noChangeArrowheads="1" noChangeShapeType="1" noTextEdit="1"/>
-          </p:cNvSpPr>
-          <p:nvPr>
-            <p:extLst>
-              <p:ext uri="{386F3935-93C4-4BCD-93E2-E3B085C9AB24}">
-                <p16:designElem xmlns:p16="http://schemas.microsoft.com/office/powerpoint/2015/main" val="1"/>
-              </p:ext>
-            </p:extLst>
-          </p:nvPr>
-        </p:nvSpPr>
-        <p:spPr>
-          <a:xfrm>
-            <a:off x="2118360" y="0"/>
-            <a:ext cx="7955280" cy="6858000"/>
-          </a:xfrm>
-          <a:custGeom>
-            <a:avLst/>
-            <a:gdLst>
-              <a:gd name="connsiteX0" fmla="*/ 1962423 w 7955280"/>
-              <a:gd name="connsiteY0" fmla="*/ 0 h 6858000"/>
-              <a:gd name="connsiteX1" fmla="*/ 5992858 w 7955280"/>
-              <a:gd name="connsiteY1" fmla="*/ 0 h 6858000"/>
-              <a:gd name="connsiteX2" fmla="*/ 6040191 w 7955280"/>
-              <a:gd name="connsiteY2" fmla="*/ 27216 h 6858000"/>
-              <a:gd name="connsiteX3" fmla="*/ 7955280 w 7955280"/>
-              <a:gd name="connsiteY3" fmla="*/ 3429000 h 6858000"/>
-              <a:gd name="connsiteX4" fmla="*/ 6040191 w 7955280"/>
-              <a:gd name="connsiteY4" fmla="*/ 6830784 h 6858000"/>
-              <a:gd name="connsiteX5" fmla="*/ 5992858 w 7955280"/>
-              <a:gd name="connsiteY5" fmla="*/ 6858000 h 6858000"/>
-              <a:gd name="connsiteX6" fmla="*/ 1962423 w 7955280"/>
-              <a:gd name="connsiteY6" fmla="*/ 6858000 h 6858000"/>
-              <a:gd name="connsiteX7" fmla="*/ 1915089 w 7955280"/>
-              <a:gd name="connsiteY7" fmla="*/ 6830784 h 6858000"/>
-              <a:gd name="connsiteX8" fmla="*/ 0 w 7955280"/>
-              <a:gd name="connsiteY8" fmla="*/ 3429000 h 6858000"/>
-              <a:gd name="connsiteX9" fmla="*/ 1915089 w 7955280"/>
-              <a:gd name="connsiteY9" fmla="*/ 27216 h 6858000"/>
-            </a:gdLst>
-            <a:ahLst/>
-            <a:cxnLst>
-              <a:cxn ang="0">
-                <a:pos x="connsiteX0" y="connsiteY0"/>
-              </a:cxn>
-              <a:cxn ang="0">
-                <a:pos x="connsiteX1" y="connsiteY1"/>
-              </a:cxn>
-              <a:cxn ang="0">
-                <a:pos x="connsiteX2" y="connsiteY2"/>
-              </a:cxn>
-              <a:cxn ang="0">
-                <a:pos x="connsiteX3" y="connsiteY3"/>
-              </a:cxn>
-              <a:cxn ang="0">
-                <a:pos x="connsiteX4" y="connsiteY4"/>
-              </a:cxn>
-              <a:cxn ang="0">
-                <a:pos x="connsiteX5" y="connsiteY5"/>
-              </a:cxn>
-              <a:cxn ang="0">
-                <a:pos x="connsiteX6" y="connsiteY6"/>
-              </a:cxn>
-              <a:cxn ang="0">
-                <a:pos x="connsiteX7" y="connsiteY7"/>
-              </a:cxn>
-              <a:cxn ang="0">
-                <a:pos x="connsiteX8" y="connsiteY8"/>
-              </a:cxn>
-              <a:cxn ang="0">
-                <a:pos x="connsiteX9" y="connsiteY9"/>
-              </a:cxn>
-            </a:cxnLst>
-            <a:rect l="l" t="t" r="r" b="b"/>
-            <a:pathLst>
-              <a:path w="7955280" h="6858000">
-                <a:moveTo>
-                  <a:pt x="1962423" y="0"/>
-                </a:moveTo>
-                <a:lnTo>
-                  <a:pt x="5992858" y="0"/>
-                </a:lnTo>
-                <a:lnTo>
-                  <a:pt x="6040191" y="27216"/>
-                </a:lnTo>
-                <a:cubicBezTo>
-                  <a:pt x="7188332" y="724844"/>
-                  <a:pt x="7955280" y="1987357"/>
-                  <a:pt x="7955280" y="3429000"/>
-                </a:cubicBezTo>
-                <a:cubicBezTo>
-                  <a:pt x="7955280" y="4870644"/>
-                  <a:pt x="7188332" y="6133157"/>
-                  <a:pt x="6040191" y="6830784"/>
-                </a:cubicBezTo>
-                <a:lnTo>
-                  <a:pt x="5992858" y="6858000"/>
-                </a:lnTo>
-                <a:lnTo>
-                  <a:pt x="1962423" y="6858000"/>
-                </a:lnTo>
-                <a:lnTo>
-                  <a:pt x="1915089" y="6830784"/>
-                </a:lnTo>
-                <a:cubicBezTo>
-                  <a:pt x="766948" y="6133157"/>
-                  <a:pt x="0" y="4870644"/>
-                  <a:pt x="0" y="3429000"/>
-                </a:cubicBezTo>
-                <a:cubicBezTo>
-                  <a:pt x="0" y="1987357"/>
-                  <a:pt x="766948" y="724844"/>
-                  <a:pt x="1915089" y="27216"/>
-                </a:cubicBezTo>
-                <a:close/>
-              </a:path>
-            </a:pathLst>
-          </a:custGeom>
-          <a:solidFill>
-            <a:schemeClr val="tx1"/>
-          </a:solidFill>
-          <a:ln>
-            <a:noFill/>
-          </a:ln>
-        </p:spPr>
-        <p:style>
-          <a:lnRef idx="2">
-            <a:schemeClr val="accent1">
-              <a:shade val="50000"/>
-            </a:schemeClr>
-          </a:lnRef>
-          <a:fillRef idx="1">
-            <a:schemeClr val="accent1"/>
-          </a:fillRef>
-          <a:effectRef idx="0">
-            <a:schemeClr val="accent1"/>
-          </a:effectRef>
-          <a:fontRef idx="minor">
-            <a:schemeClr val="lt1"/>
-          </a:fontRef>
-        </p:style>
-        <p:txBody>
-          <a:bodyPr wrap="square" rtlCol="0" anchor="ctr">
-            <a:noAutofit/>
-          </a:bodyPr>
-          <a:lstStyle/>
-          <a:p>
-            <a:pPr algn="ctr"/>
-            <a:endParaRPr lang="en-US"/>
-          </a:p>
-        </p:txBody>
-      </p:sp>
-      <p:sp>
-        <p:nvSpPr>
-          <p:cNvPr id="2" name="TextBox 1">
-            <a:extLst>
-              <a:ext uri="{FF2B5EF4-FFF2-40B4-BE49-F238E27FC236}">
-                <a16:creationId xmlns:a16="http://schemas.microsoft.com/office/drawing/2014/main" id="{6DC80502-853A-43C0-A094-2ECB7BD255E5}"/>
-              </a:ext>
-            </a:extLst>
-          </p:cNvPr>
-          <p:cNvSpPr txBox="1"/>
-          <p:nvPr/>
-        </p:nvSpPr>
-        <p:spPr>
-          <a:xfrm>
-            <a:off x="2555631" y="1441938"/>
-            <a:ext cx="7080738" cy="3974124"/>
-          </a:xfrm>
-          <a:prstGeom prst="rect">
-            <a:avLst/>
-          </a:prstGeom>
-        </p:spPr>
-        <p:txBody>
-          <a:bodyPr vert="horz" lIns="91440" tIns="45720" rIns="91440" bIns="45720" rtlCol="0" anchor="ctr">
-            <a:normAutofit/>
-          </a:bodyPr>
-          <a:lstStyle/>
-          <a:p>
-            <a:pPr algn="ctr">
-              <a:lnSpc>
-                <a:spcPct val="90000"/>
-              </a:lnSpc>
-              <a:spcBef>
-                <a:spcPct val="0"/>
-              </a:spcBef>
-              <a:spcAft>
-                <a:spcPts val="600"/>
-              </a:spcAft>
-            </a:pPr>
-            <a:r>
-              <a:rPr lang="en-US" sz="5400">
-                <a:solidFill>
-                  <a:schemeClr val="bg1">
-                    <a:lumMod val="95000"/>
-                    <a:lumOff val="5000"/>
-                  </a:schemeClr>
-                </a:solidFill>
-                <a:latin typeface="+mj-lt"/>
-                <a:ea typeface="+mj-ea"/>
-                <a:cs typeface="+mj-cs"/>
-              </a:rPr>
-              <a:t>Thanks for watching.</a:t>
-            </a:r>
-          </a:p>
-        </p:txBody>
-      </p:sp>
-    </p:spTree>
-    <p:extLst>
-      <p:ext uri="{BB962C8B-B14F-4D97-AF65-F5344CB8AC3E}">
-        <p14:creationId xmlns:p14="http://schemas.microsoft.com/office/powerpoint/2010/main" val="203925907"/>
-      </p:ext>
-    </p:extLst>
-  </p:cSld>
-  <p:clrMapOvr>
-    <a:overrideClrMapping bg1="dk1" tx1="lt1" bg2="dk2" tx2="lt2" accent1="accent1" accent2="accent2" accent3="accent3" accent4="accent4" accent5="accent5" accent6="accent6" hlink="hlink" folHlink="folHlink"/>
-  </p:clrMapOvr>
-  <mc:AlternateContent xmlns:mc="http://schemas.openxmlformats.org/markup-compatibility/2006">
-    <mc:Choice xmlns:p14="http://schemas.microsoft.com/office/powerpoint/2010/main" Requires="p14">
-      <p:transition spd="slow" p14:dur="2000" advTm="5000"/>
-    </mc:Choice>
-    <mc:Fallback>
-      <p:transition spd="slow" advTm="5000"/>
-    </mc:Fallback>
-  </mc:AlternateContent>
 </p:sld>
 </file>
 
@@ -6219,561 +3941,4 @@
     </a:ext>
   </a:extLst>
 </a:theme>
-</file>
-
-<file path=ppt/theme/theme2.xml><?xml version="1.0" encoding="utf-8"?>
-<a:theme xmlns:a="http://schemas.openxmlformats.org/drawingml/2006/main" name="Office Theme">
-  <a:themeElements>
-    <a:clrScheme name="Office">
-      <a:dk1>
-        <a:sysClr val="windowText" lastClr="000000"/>
-      </a:dk1>
-      <a:lt1>
-        <a:sysClr val="window" lastClr="FFFFFF"/>
-      </a:lt1>
-      <a:dk2>
-        <a:srgbClr val="44546A"/>
-      </a:dk2>
-      <a:lt2>
-        <a:srgbClr val="E7E6E6"/>
-      </a:lt2>
-      <a:accent1>
-        <a:srgbClr val="4472C4"/>
-      </a:accent1>
-      <a:accent2>
-        <a:srgbClr val="ED7D31"/>
-      </a:accent2>
-      <a:accent3>
-        <a:srgbClr val="A5A5A5"/>
-      </a:accent3>
-      <a:accent4>
-        <a:srgbClr val="FFC000"/>
-      </a:accent4>
-      <a:accent5>
-        <a:srgbClr val="5B9BD5"/>
-      </a:accent5>
-      <a:accent6>
-        <a:srgbClr val="70AD47"/>
-      </a:accent6>
-      <a:hlink>
-        <a:srgbClr val="0563C1"/>
-      </a:hlink>
-      <a:folHlink>
-        <a:srgbClr val="954F72"/>
-      </a:folHlink>
-    </a:clrScheme>
-    <a:fontScheme name="Office">
-      <a:majorFont>
-        <a:latin typeface="Calibri Light" panose="020F0302020204030204"/>
-        <a:ea typeface=""/>
-        <a:cs typeface=""/>
-        <a:font script="Jpan" typeface="游ゴシック Light"/>
-        <a:font script="Hang" typeface="맑은 고딕"/>
-        <a:font script="Hans" typeface="等线 Light"/>
-        <a:font script="Hant" typeface="新細明體"/>
-        <a:font script="Arab" typeface="Times New Roman"/>
-        <a:font script="Hebr" typeface="Times New Roman"/>
-        <a:font script="Thai" typeface="Angsana New"/>
-        <a:font script="Ethi" typeface="Nyala"/>
-        <a:font script="Beng" typeface="Vrinda"/>
-        <a:font script="Gujr" typeface="Shruti"/>
-        <a:font script="Khmr" typeface="MoolBoran"/>
-        <a:font script="Knda" typeface="Tunga"/>
-        <a:font script="Guru" typeface="Raavi"/>
-        <a:font script="Cans" typeface="Euphemia"/>
-        <a:font script="Cher" typeface="Plantagenet Cherokee"/>
-        <a:font script="Yiii" typeface="Microsoft Yi Baiti"/>
-        <a:font script="Tibt" typeface="Microsoft Himalaya"/>
-        <a:font script="Thaa" typeface="MV Boli"/>
-        <a:font script="Deva" typeface="Mangal"/>
-        <a:font script="Telu" typeface="Gautami"/>
-        <a:font script="Taml" typeface="Latha"/>
-        <a:font script="Syrc" typeface="Estrangelo Edessa"/>
-        <a:font script="Orya" typeface="Kalinga"/>
-        <a:font script="Mlym" typeface="Kartika"/>
-        <a:font script="Laoo" typeface="DokChampa"/>
-        <a:font script="Sinh" typeface="Iskoola Pota"/>
-        <a:font script="Mong" typeface="Mongolian Baiti"/>
-        <a:font script="Viet" typeface="Times New Roman"/>
-        <a:font script="Uigh" typeface="Microsoft Uighur"/>
-        <a:font script="Geor" typeface="Sylfaen"/>
-        <a:font script="Armn" typeface="Arial"/>
-        <a:font script="Bugi" typeface="Leelawadee UI"/>
-        <a:font script="Bopo" typeface="Microsoft JhengHei"/>
-        <a:font script="Java" typeface="Javanese Text"/>
-        <a:font script="Lisu" typeface="Segoe UI"/>
-        <a:font script="Mymr" typeface="Myanmar Text"/>
-        <a:font script="Nkoo" typeface="Ebrima"/>
-        <a:font script="Olck" typeface="Nirmala UI"/>
-        <a:font script="Osma" typeface="Ebrima"/>
-        <a:font script="Phag" typeface="Phagspa"/>
-        <a:font script="Syrn" typeface="Estrangelo Edessa"/>
-        <a:font script="Syrj" typeface="Estrangelo Edessa"/>
-        <a:font script="Syre" typeface="Estrangelo Edessa"/>
-        <a:font script="Sora" typeface="Nirmala UI"/>
-        <a:font script="Tale" typeface="Microsoft Tai Le"/>
-        <a:font script="Talu" typeface="Microsoft New Tai Lue"/>
-        <a:font script="Tfng" typeface="Ebrima"/>
-      </a:majorFont>
-      <a:minorFont>
-        <a:latin typeface="Calibri" panose="020F0502020204030204"/>
-        <a:ea typeface=""/>
-        <a:cs typeface=""/>
-        <a:font script="Jpan" typeface="游ゴシック"/>
-        <a:font script="Hang" typeface="맑은 고딕"/>
-        <a:font script="Hans" typeface="等线"/>
-        <a:font script="Hant" typeface="新細明體"/>
-        <a:font script="Arab" typeface="Arial"/>
-        <a:font script="Hebr" typeface="Arial"/>
-        <a:font script="Thai" typeface="Cordia New"/>
-        <a:font script="Ethi" typeface="Nyala"/>
-        <a:font script="Beng" typeface="Vrinda"/>
-        <a:font script="Gujr" typeface="Shruti"/>
-        <a:font script="Khmr" typeface="DaunPenh"/>
-        <a:font script="Knda" typeface="Tunga"/>
-        <a:font script="Guru" typeface="Raavi"/>
-        <a:font script="Cans" typeface="Euphemia"/>
-        <a:font script="Cher" typeface="Plantagenet Cherokee"/>
-        <a:font script="Yiii" typeface="Microsoft Yi Baiti"/>
-        <a:font script="Tibt" typeface="Microsoft Himalaya"/>
-        <a:font script="Thaa" typeface="MV Boli"/>
-        <a:font script="Deva" typeface="Mangal"/>
-        <a:font script="Telu" typeface="Gautami"/>
-        <a:font script="Taml" typeface="Latha"/>
-        <a:font script="Syrc" typeface="Estrangelo Edessa"/>
-        <a:font script="Orya" typeface="Kalinga"/>
-        <a:font script="Mlym" typeface="Kartika"/>
-        <a:font script="Laoo" typeface="DokChampa"/>
-        <a:font script="Sinh" typeface="Iskoola Pota"/>
-        <a:font script="Mong" typeface="Mongolian Baiti"/>
-        <a:font script="Viet" typeface="Arial"/>
-        <a:font script="Uigh" typeface="Microsoft Uighur"/>
-        <a:font script="Geor" typeface="Sylfaen"/>
-        <a:font script="Armn" typeface="Arial"/>
-        <a:font script="Bugi" typeface="Leelawadee UI"/>
-        <a:font script="Bopo" typeface="Microsoft JhengHei"/>
-        <a:font script="Java" typeface="Javanese Text"/>
-        <a:font script="Lisu" typeface="Segoe UI"/>
-        <a:font script="Mymr" typeface="Myanmar Text"/>
-        <a:font script="Nkoo" typeface="Ebrima"/>
-        <a:font script="Olck" typeface="Nirmala UI"/>
-        <a:font script="Osma" typeface="Ebrima"/>
-        <a:font script="Phag" typeface="Phagspa"/>
-        <a:font script="Syrn" typeface="Estrangelo Edessa"/>
-        <a:font script="Syrj" typeface="Estrangelo Edessa"/>
-        <a:font script="Syre" typeface="Estrangelo Edessa"/>
-        <a:font script="Sora" typeface="Nirmala UI"/>
-        <a:font script="Tale" typeface="Microsoft Tai Le"/>
-        <a:font script="Talu" typeface="Microsoft New Tai Lue"/>
-        <a:font script="Tfng" typeface="Ebrima"/>
-      </a:minorFont>
-    </a:fontScheme>
-    <a:fmtScheme name="Office">
-      <a:fillStyleLst>
-        <a:solidFill>
-          <a:schemeClr val="phClr"/>
-        </a:solidFill>
-        <a:gradFill rotWithShape="1">
-          <a:gsLst>
-            <a:gs pos="0">
-              <a:schemeClr val="phClr">
-                <a:lumMod val="110000"/>
-                <a:satMod val="105000"/>
-                <a:tint val="67000"/>
-              </a:schemeClr>
-            </a:gs>
-            <a:gs pos="50000">
-              <a:schemeClr val="phClr">
-                <a:lumMod val="105000"/>
-                <a:satMod val="103000"/>
-                <a:tint val="73000"/>
-              </a:schemeClr>
-            </a:gs>
-            <a:gs pos="100000">
-              <a:schemeClr val="phClr">
-                <a:lumMod val="105000"/>
-                <a:satMod val="109000"/>
-                <a:tint val="81000"/>
-              </a:schemeClr>
-            </a:gs>
-          </a:gsLst>
-          <a:lin ang="5400000" scaled="0"/>
-        </a:gradFill>
-        <a:gradFill rotWithShape="1">
-          <a:gsLst>
-            <a:gs pos="0">
-              <a:schemeClr val="phClr">
-                <a:satMod val="103000"/>
-                <a:lumMod val="102000"/>
-                <a:tint val="94000"/>
-              </a:schemeClr>
-            </a:gs>
-            <a:gs pos="50000">
-              <a:schemeClr val="phClr">
-                <a:satMod val="110000"/>
-                <a:lumMod val="100000"/>
-                <a:shade val="100000"/>
-              </a:schemeClr>
-            </a:gs>
-            <a:gs pos="100000">
-              <a:schemeClr val="phClr">
-                <a:lumMod val="99000"/>
-                <a:satMod val="120000"/>
-                <a:shade val="78000"/>
-              </a:schemeClr>
-            </a:gs>
-          </a:gsLst>
-          <a:lin ang="5400000" scaled="0"/>
-        </a:gradFill>
-      </a:fillStyleLst>
-      <a:lnStyleLst>
-        <a:ln w="6350" cap="flat" cmpd="sng" algn="ctr">
-          <a:solidFill>
-            <a:schemeClr val="phClr"/>
-          </a:solidFill>
-          <a:prstDash val="solid"/>
-          <a:miter lim="800000"/>
-        </a:ln>
-        <a:ln w="12700" cap="flat" cmpd="sng" algn="ctr">
-          <a:solidFill>
-            <a:schemeClr val="phClr"/>
-          </a:solidFill>
-          <a:prstDash val="solid"/>
-          <a:miter lim="800000"/>
-        </a:ln>
-        <a:ln w="19050" cap="flat" cmpd="sng" algn="ctr">
-          <a:solidFill>
-            <a:schemeClr val="phClr"/>
-          </a:solidFill>
-          <a:prstDash val="solid"/>
-          <a:miter lim="800000"/>
-        </a:ln>
-      </a:lnStyleLst>
-      <a:effectStyleLst>
-        <a:effectStyle>
-          <a:effectLst/>
-        </a:effectStyle>
-        <a:effectStyle>
-          <a:effectLst/>
-        </a:effectStyle>
-        <a:effectStyle>
-          <a:effectLst>
-            <a:outerShdw blurRad="57150" dist="19050" dir="5400000" algn="ctr" rotWithShape="0">
-              <a:srgbClr val="000000">
-                <a:alpha val="63000"/>
-              </a:srgbClr>
-            </a:outerShdw>
-          </a:effectLst>
-        </a:effectStyle>
-      </a:effectStyleLst>
-      <a:bgFillStyleLst>
-        <a:solidFill>
-          <a:schemeClr val="phClr"/>
-        </a:solidFill>
-        <a:solidFill>
-          <a:schemeClr val="phClr">
-            <a:tint val="95000"/>
-            <a:satMod val="170000"/>
-          </a:schemeClr>
-        </a:solidFill>
-        <a:gradFill rotWithShape="1">
-          <a:gsLst>
-            <a:gs pos="0">
-              <a:schemeClr val="phClr">
-                <a:tint val="93000"/>
-                <a:satMod val="150000"/>
-                <a:shade val="98000"/>
-                <a:lumMod val="102000"/>
-              </a:schemeClr>
-            </a:gs>
-            <a:gs pos="50000">
-              <a:schemeClr val="phClr">
-                <a:tint val="98000"/>
-                <a:satMod val="130000"/>
-                <a:shade val="90000"/>
-                <a:lumMod val="103000"/>
-              </a:schemeClr>
-            </a:gs>
-            <a:gs pos="100000">
-              <a:schemeClr val="phClr">
-                <a:shade val="63000"/>
-                <a:satMod val="120000"/>
-              </a:schemeClr>
-            </a:gs>
-          </a:gsLst>
-          <a:lin ang="5400000" scaled="0"/>
-        </a:gradFill>
-      </a:bgFillStyleLst>
-    </a:fmtScheme>
-  </a:themeElements>
-  <a:objectDefaults/>
-  <a:extraClrSchemeLst/>
-  <a:extLst>
-    <a:ext uri="{05A4C25C-085E-4340-85A3-A5531E510DB2}">
-      <thm15:themeFamily xmlns:thm15="http://schemas.microsoft.com/office/thememl/2012/main" name="Office Theme" id="{62F939B6-93AF-4DB8-9C6B-D6C7DFDC589F}" vid="{4A3C46E8-61CC-4603-A589-7422A47A8E4A}"/>
-    </a:ext>
-  </a:extLst>
-</a:theme>
-</file>
-
-<file path=customXml/item1.xml><?xml version="1.0" encoding="utf-8"?>
-<p:properties xmlns:p="http://schemas.microsoft.com/office/2006/metadata/properties" xmlns:xsi="http://www.w3.org/2001/XMLSchema-instance" xmlns:pc="http://schemas.microsoft.com/office/infopath/2007/PartnerControls">
-  <documentManagement/>
-</p:properties>
-</file>
-
-<file path=customXml/item2.xml><?xml version="1.0" encoding="utf-8"?>
-<?mso-contentType ?>
-<FormTemplates xmlns="http://schemas.microsoft.com/sharepoint/v3/contenttype/forms">
-  <Display>DocumentLibraryForm</Display>
-  <Edit>DocumentLibraryForm</Edit>
-  <New>DocumentLibraryForm</New>
-</FormTemplates>
-</file>
-
-<file path=customXml/item3.xml><?xml version="1.0" encoding="utf-8"?>
-<ct:contentTypeSchema xmlns:ct="http://schemas.microsoft.com/office/2006/metadata/contentType" xmlns:ma="http://schemas.microsoft.com/office/2006/metadata/properties/metaAttributes" ct:_="" ma:_="" ma:contentTypeName="Dokument" ma:contentTypeID="0x010100168C2C4D2467D04C8F76CC54AA36E14A" ma:contentTypeVersion="10" ma:contentTypeDescription="Opprett et nytt dokument." ma:contentTypeScope="" ma:versionID="cacb6bbae460b5a2ada942853e3f8b48">
-  <xsd:schema xmlns:xsd="http://www.w3.org/2001/XMLSchema" xmlns:xs="http://www.w3.org/2001/XMLSchema" xmlns:p="http://schemas.microsoft.com/office/2006/metadata/properties" xmlns:ns3="44d977e8-986a-4d4f-84bb-df267b456a77" xmlns:ns4="aa0759f6-826d-4adb-a9f4-e77dc778fa93" targetNamespace="http://schemas.microsoft.com/office/2006/metadata/properties" ma:root="true" ma:fieldsID="085c7f9e51b34efef1ce8e9ec7c36d16" ns3:_="" ns4:_="">
-    <xsd:import namespace="44d977e8-986a-4d4f-84bb-df267b456a77"/>
-    <xsd:import namespace="aa0759f6-826d-4adb-a9f4-e77dc778fa93"/>
-    <xsd:element name="properties">
-      <xsd:complexType>
-        <xsd:sequence>
-          <xsd:element name="documentManagement">
-            <xsd:complexType>
-              <xsd:all>
-                <xsd:element ref="ns3:SharedWithUsers" minOccurs="0"/>
-                <xsd:element ref="ns3:SharedWithDetails" minOccurs="0"/>
-                <xsd:element ref="ns3:SharingHintHash" minOccurs="0"/>
-                <xsd:element ref="ns4:MediaServiceMetadata" minOccurs="0"/>
-                <xsd:element ref="ns4:MediaServiceFastMetadata" minOccurs="0"/>
-                <xsd:element ref="ns4:MediaServiceAutoTags" minOccurs="0"/>
-                <xsd:element ref="ns4:MediaServiceGenerationTime" minOccurs="0"/>
-                <xsd:element ref="ns4:MediaServiceEventHashCode" minOccurs="0"/>
-                <xsd:element ref="ns4:MediaServiceOCR" minOccurs="0"/>
-                <xsd:element ref="ns4:MediaServiceDateTaken" minOccurs="0"/>
-              </xsd:all>
-            </xsd:complexType>
-          </xsd:element>
-        </xsd:sequence>
-      </xsd:complexType>
-    </xsd:element>
-  </xsd:schema>
-  <xsd:schema xmlns:xsd="http://www.w3.org/2001/XMLSchema" xmlns:xs="http://www.w3.org/2001/XMLSchema" xmlns:dms="http://schemas.microsoft.com/office/2006/documentManagement/types" xmlns:pc="http://schemas.microsoft.com/office/infopath/2007/PartnerControls" targetNamespace="44d977e8-986a-4d4f-84bb-df267b456a77" elementFormDefault="qualified">
-    <xsd:import namespace="http://schemas.microsoft.com/office/2006/documentManagement/types"/>
-    <xsd:import namespace="http://schemas.microsoft.com/office/infopath/2007/PartnerControls"/>
-    <xsd:element name="SharedWithUsers" ma:index="8" nillable="true" ma:displayName="Delt med" ma:internalName="SharedWithUsers" ma:readOnly="true">
-      <xsd:complexType>
-        <xsd:complexContent>
-          <xsd:extension base="dms:UserMulti">
-            <xsd:sequence>
-              <xsd:element name="UserInfo" minOccurs="0" maxOccurs="unbounded">
-                <xsd:complexType>
-                  <xsd:sequence>
-                    <xsd:element name="DisplayName" type="xsd:string" minOccurs="0"/>
-                    <xsd:element name="AccountId" type="dms:UserId" minOccurs="0" nillable="true"/>
-                    <xsd:element name="AccountType" type="xsd:string" minOccurs="0"/>
-                  </xsd:sequence>
-                </xsd:complexType>
-              </xsd:element>
-            </xsd:sequence>
-          </xsd:extension>
-        </xsd:complexContent>
-      </xsd:complexType>
-    </xsd:element>
-    <xsd:element name="SharedWithDetails" ma:index="9" nillable="true" ma:displayName="Delingsdetaljer" ma:internalName="SharedWithDetails" ma:readOnly="true">
-      <xsd:simpleType>
-        <xsd:restriction base="dms:Note">
-          <xsd:maxLength value="255"/>
-        </xsd:restriction>
-      </xsd:simpleType>
-    </xsd:element>
-    <xsd:element name="SharingHintHash" ma:index="10" nillable="true" ma:displayName="Hash for deling av tips" ma:hidden="true" ma:internalName="SharingHintHash" ma:readOnly="true">
-      <xsd:simpleType>
-        <xsd:restriction base="dms:Text"/>
-      </xsd:simpleType>
-    </xsd:element>
-  </xsd:schema>
-  <xsd:schema xmlns:xsd="http://www.w3.org/2001/XMLSchema" xmlns:xs="http://www.w3.org/2001/XMLSchema" xmlns:dms="http://schemas.microsoft.com/office/2006/documentManagement/types" xmlns:pc="http://schemas.microsoft.com/office/infopath/2007/PartnerControls" targetNamespace="aa0759f6-826d-4adb-a9f4-e77dc778fa93" elementFormDefault="qualified">
-    <xsd:import namespace="http://schemas.microsoft.com/office/2006/documentManagement/types"/>
-    <xsd:import namespace="http://schemas.microsoft.com/office/infopath/2007/PartnerControls"/>
-    <xsd:element name="MediaServiceMetadata" ma:index="11" nillable="true" ma:displayName="MediaServiceMetadata" ma:hidden="true" ma:internalName="MediaServiceMetadata" ma:readOnly="true">
-      <xsd:simpleType>
-        <xsd:restriction base="dms:Note"/>
-      </xsd:simpleType>
-    </xsd:element>
-    <xsd:element name="MediaServiceFastMetadata" ma:index="12" nillable="true" ma:displayName="MediaServiceFastMetadata" ma:hidden="true" ma:internalName="MediaServiceFastMetadata" ma:readOnly="true">
-      <xsd:simpleType>
-        <xsd:restriction base="dms:Note"/>
-      </xsd:simpleType>
-    </xsd:element>
-    <xsd:element name="MediaServiceAutoTags" ma:index="13" nillable="true" ma:displayName="Tags" ma:internalName="MediaServiceAutoTags" ma:readOnly="true">
-      <xsd:simpleType>
-        <xsd:restriction base="dms:Text"/>
-      </xsd:simpleType>
-    </xsd:element>
-    <xsd:element name="MediaServiceGenerationTime" ma:index="14" nillable="true" ma:displayName="MediaServiceGenerationTime" ma:hidden="true" ma:internalName="MediaServiceGenerationTime" ma:readOnly="true">
-      <xsd:simpleType>
-        <xsd:restriction base="dms:Text"/>
-      </xsd:simpleType>
-    </xsd:element>
-    <xsd:element name="MediaServiceEventHashCode" ma:index="15" nillable="true" ma:displayName="MediaServiceEventHashCode" ma:hidden="true" ma:internalName="MediaServiceEventHashCode" ma:readOnly="true">
-      <xsd:simpleType>
-        <xsd:restriction base="dms:Text"/>
-      </xsd:simpleType>
-    </xsd:element>
-    <xsd:element name="MediaServiceOCR" ma:index="16" nillable="true" ma:displayName="Extracted Text" ma:internalName="MediaServiceOCR" ma:readOnly="true">
-      <xsd:simpleType>
-        <xsd:restriction base="dms:Note">
-          <xsd:maxLength value="255"/>
-        </xsd:restriction>
-      </xsd:simpleType>
-    </xsd:element>
-    <xsd:element name="MediaServiceDateTaken" ma:index="17" nillable="true" ma:displayName="MediaServiceDateTaken" ma:hidden="true" ma:internalName="MediaServiceDateTaken" ma:readOnly="true">
-      <xsd:simpleType>
-        <xsd:restriction base="dms:Text"/>
-      </xsd:simpleType>
-    </xsd:element>
-  </xsd:schema>
-  <xsd:schema xmlns="http://schemas.openxmlformats.org/package/2006/metadata/core-properties" xmlns:xsd="http://www.w3.org/2001/XMLSchema" xmlns:xsi="http://www.w3.org/2001/XMLSchema-instance" xmlns:dc="http://purl.org/dc/elements/1.1/" xmlns:dcterms="http://purl.org/dc/terms/" xmlns:odoc="http://schemas.microsoft.com/internal/obd" targetNamespace="http://schemas.openxmlformats.org/package/2006/metadata/core-properties" elementFormDefault="qualified" attributeFormDefault="unqualified" blockDefault="#all">
-    <xsd:import namespace="http://purl.org/dc/elements/1.1/" schemaLocation="http://dublincore.org/schemas/xmls/qdc/2003/04/02/dc.xsd"/>
-    <xsd:import namespace="http://purl.org/dc/terms/" schemaLocation="http://dublincore.org/schemas/xmls/qdc/2003/04/02/dcterms.xsd"/>
-    <xsd:element name="coreProperties" type="CT_coreProperties"/>
-    <xsd:complexType name="CT_coreProperties">
-      <xsd:all>
-        <xsd:element ref="dc:creator" minOccurs="0" maxOccurs="1"/>
-        <xsd:element ref="dcterms:created" minOccurs="0" maxOccurs="1"/>
-        <xsd:element ref="dc:identifier" minOccurs="0" maxOccurs="1"/>
-        <xsd:element name="contentType" minOccurs="0" maxOccurs="1" type="xsd:string" ma:index="0" ma:displayName="Innholdstype"/>
-        <xsd:element ref="dc:title" minOccurs="0" maxOccurs="1" ma:index="4" ma:displayName="Tittel"/>
-        <xsd:element ref="dc:subject" minOccurs="0" maxOccurs="1"/>
-        <xsd:element ref="dc:description" minOccurs="0" maxOccurs="1"/>
-        <xsd:element name="keywords" minOccurs="0" maxOccurs="1" type="xsd:string"/>
-        <xsd:element ref="dc:language" minOccurs="0" maxOccurs="1"/>
-        <xsd:element name="category" minOccurs="0" maxOccurs="1" type="xsd:string"/>
-        <xsd:element name="version" minOccurs="0" maxOccurs="1" type="xsd:string"/>
-        <xsd:element name="revision" minOccurs="0" maxOccurs="1" type="xsd:string">
-          <xsd:annotation>
-            <xsd:documentation>
-                        This value indicates the number of saves or revisions. The application is responsible for updating this value after each revision.
-                    </xsd:documentation>
-          </xsd:annotation>
-        </xsd:element>
-        <xsd:element name="lastModifiedBy" minOccurs="0" maxOccurs="1" type="xsd:string"/>
-        <xsd:element ref="dcterms:modified" minOccurs="0" maxOccurs="1"/>
-        <xsd:element name="contentStatus" minOccurs="0" maxOccurs="1" type="xsd:string"/>
-      </xsd:all>
-    </xsd:complexType>
-  </xsd:schema>
-  <xs:schema xmlns:pc="http://schemas.microsoft.com/office/infopath/2007/PartnerControls" xmlns:xs="http://www.w3.org/2001/XMLSchema" targetNamespace="http://schemas.microsoft.com/office/infopath/2007/PartnerControls" elementFormDefault="qualified" attributeFormDefault="unqualified">
-    <xs:element name="Person">
-      <xs:complexType>
-        <xs:sequence>
-          <xs:element ref="pc:DisplayName" minOccurs="0"/>
-          <xs:element ref="pc:AccountId" minOccurs="0"/>
-          <xs:element ref="pc:AccountType" minOccurs="0"/>
-        </xs:sequence>
-      </xs:complexType>
-    </xs:element>
-    <xs:element name="DisplayName" type="xs:string"/>
-    <xs:element name="AccountId" type="xs:string"/>
-    <xs:element name="AccountType" type="xs:string"/>
-    <xs:element name="BDCAssociatedEntity">
-      <xs:complexType>
-        <xs:sequence>
-          <xs:element ref="pc:BDCEntity" minOccurs="0" maxOccurs="unbounded"/>
-        </xs:sequence>
-        <xs:attribute ref="pc:EntityNamespace"/>
-        <xs:attribute ref="pc:EntityName"/>
-        <xs:attribute ref="pc:SystemInstanceName"/>
-        <xs:attribute ref="pc:AssociationName"/>
-      </xs:complexType>
-    </xs:element>
-    <xs:attribute name="EntityNamespace" type="xs:string"/>
-    <xs:attribute name="EntityName" type="xs:string"/>
-    <xs:attribute name="SystemInstanceName" type="xs:string"/>
-    <xs:attribute name="AssociationName" type="xs:string"/>
-    <xs:element name="BDCEntity">
-      <xs:complexType>
-        <xs:sequence>
-          <xs:element ref="pc:EntityDisplayName" minOccurs="0"/>
-          <xs:element ref="pc:EntityInstanceReference" minOccurs="0"/>
-          <xs:element ref="pc:EntityId1" minOccurs="0"/>
-          <xs:element ref="pc:EntityId2" minOccurs="0"/>
-          <xs:element ref="pc:EntityId3" minOccurs="0"/>
-          <xs:element ref="pc:EntityId4" minOccurs="0"/>
-          <xs:element ref="pc:EntityId5" minOccurs="0"/>
-        </xs:sequence>
-      </xs:complexType>
-    </xs:element>
-    <xs:element name="EntityDisplayName" type="xs:string"/>
-    <xs:element name="EntityInstanceReference" type="xs:string"/>
-    <xs:element name="EntityId1" type="xs:string"/>
-    <xs:element name="EntityId2" type="xs:string"/>
-    <xs:element name="EntityId3" type="xs:string"/>
-    <xs:element name="EntityId4" type="xs:string"/>
-    <xs:element name="EntityId5" type="xs:string"/>
-    <xs:element name="Terms">
-      <xs:complexType>
-        <xs:sequence>
-          <xs:element ref="pc:TermInfo" minOccurs="0" maxOccurs="unbounded"/>
-        </xs:sequence>
-      </xs:complexType>
-    </xs:element>
-    <xs:element name="TermInfo">
-      <xs:complexType>
-        <xs:sequence>
-          <xs:element ref="pc:TermName" minOccurs="0"/>
-          <xs:element ref="pc:TermId" minOccurs="0"/>
-        </xs:sequence>
-      </xs:complexType>
-    </xs:element>
-    <xs:element name="TermName" type="xs:string"/>
-    <xs:element name="TermId" type="xs:string"/>
-  </xs:schema>
-</ct:contentTypeSchema>
-</file>
-
-<file path=customXml/itemProps1.xml><?xml version="1.0" encoding="utf-8"?>
-<ds:datastoreItem xmlns:ds="http://schemas.openxmlformats.org/officeDocument/2006/customXml" ds:itemID="{EC455248-C6B6-46FA-99DE-0DCF596432A8}">
-  <ds:schemaRefs>
-    <ds:schemaRef ds:uri="http://purl.org/dc/terms/"/>
-    <ds:schemaRef ds:uri="http://purl.org/dc/elements/1.1/"/>
-    <ds:schemaRef ds:uri="http://schemas.microsoft.com/office/2006/documentManagement/types"/>
-    <ds:schemaRef ds:uri="http://www.w3.org/XML/1998/namespace"/>
-    <ds:schemaRef ds:uri="44d977e8-986a-4d4f-84bb-df267b456a77"/>
-    <ds:schemaRef ds:uri="http://schemas.microsoft.com/office/2006/metadata/properties"/>
-    <ds:schemaRef ds:uri="http://schemas.microsoft.com/office/infopath/2007/PartnerControls"/>
-    <ds:schemaRef ds:uri="http://schemas.openxmlformats.org/package/2006/metadata/core-properties"/>
-    <ds:schemaRef ds:uri="aa0759f6-826d-4adb-a9f4-e77dc778fa93"/>
-    <ds:schemaRef ds:uri="http://purl.org/dc/dcmitype/"/>
-  </ds:schemaRefs>
-</ds:datastoreItem>
-</file>
-
-<file path=customXml/itemProps2.xml><?xml version="1.0" encoding="utf-8"?>
-<ds:datastoreItem xmlns:ds="http://schemas.openxmlformats.org/officeDocument/2006/customXml" ds:itemID="{870E746D-9687-4F35-89B9-9D9EC6B6A64D}">
-  <ds:schemaRefs>
-    <ds:schemaRef ds:uri="http://schemas.microsoft.com/sharepoint/v3/contenttype/forms"/>
-  </ds:schemaRefs>
-</ds:datastoreItem>
-</file>
-
-<file path=customXml/itemProps3.xml><?xml version="1.0" encoding="utf-8"?>
-<ds:datastoreItem xmlns:ds="http://schemas.openxmlformats.org/officeDocument/2006/customXml" ds:itemID="{B1E7B290-24C1-482C-8B3F-383FB2A956BC}">
-  <ds:schemaRefs>
-    <ds:schemaRef ds:uri="http://schemas.microsoft.com/office/2006/metadata/contentType"/>
-    <ds:schemaRef ds:uri="http://schemas.microsoft.com/office/2006/metadata/properties/metaAttributes"/>
-    <ds:schemaRef ds:uri="http://www.w3.org/2001/XMLSchema"/>
-    <ds:schemaRef ds:uri="http://schemas.microsoft.com/office/2006/metadata/properties"/>
-    <ds:schemaRef ds:uri="44d977e8-986a-4d4f-84bb-df267b456a77"/>
-    <ds:schemaRef ds:uri="aa0759f6-826d-4adb-a9f4-e77dc778fa93"/>
-    <ds:schemaRef ds:uri="http://schemas.microsoft.com/office/2006/documentManagement/types"/>
-    <ds:schemaRef ds:uri="http://schemas.microsoft.com/office/infopath/2007/PartnerControls"/>
-    <ds:schemaRef ds:uri="http://schemas.openxmlformats.org/package/2006/metadata/core-properties"/>
-    <ds:schemaRef ds:uri="http://purl.org/dc/elements/1.1/"/>
-    <ds:schemaRef ds:uri="http://purl.org/dc/terms/"/>
-    <ds:schemaRef ds:uri="http://schemas.microsoft.com/internal/obd"/>
-  </ds:schemaRefs>
-</ds:datastoreItem>
 </file>
--- a/Publish-PPTX-Speech.pptx
+++ b/Publish-PPTX-Speech.pptx
@@ -107,6 +107,11 @@
       </a:defRPr>
     </a:lvl9pPr>
   </p:defaultTextStyle>
+  <p:extLst>
+    <p:ext uri="{EFAFB233-063F-42B5-8137-9DF3F51BA10A}">
+      <p15:sldGuideLst xmlns:p15="http://schemas.microsoft.com/office/powerpoint/2012/main"/>
+    </p:ext>
+  </p:extLst>
 </p:presentation>
 </file>
 
@@ -3366,7 +3371,11 @@
           <a:bodyPr/>
           <a:lstStyle/>
           <a:p>
-            <a:endParaRPr lang="nb-NO"/>
+            <a:r>
+              <a:rPr lang="en-US" dirty="0"/>
+              <a:t>Slide 1</a:t>
+            </a:r>
+            <a:endParaRPr lang="nb-NO" dirty="0"/>
           </a:p>
         </p:txBody>
       </p:sp>
@@ -3446,7 +3455,11 @@
           <a:bodyPr/>
           <a:lstStyle/>
           <a:p>
-            <a:endParaRPr lang="nb-NO"/>
+            <a:r>
+              <a:rPr lang="en-US" dirty="0"/>
+              <a:t>Slide 2</a:t>
+            </a:r>
+            <a:endParaRPr lang="nb-NO" dirty="0"/>
           </a:p>
         </p:txBody>
       </p:sp>
@@ -3526,7 +3539,11 @@
           <a:bodyPr/>
           <a:lstStyle/>
           <a:p>
-            <a:endParaRPr lang="nb-NO"/>
+            <a:r>
+              <a:rPr lang="en-US" dirty="0"/>
+              <a:t>Slide 3</a:t>
+            </a:r>
+            <a:endParaRPr lang="nb-NO" dirty="0"/>
           </a:p>
         </p:txBody>
       </p:sp>
@@ -3606,6 +3623,10 @@
           <a:bodyPr/>
           <a:lstStyle/>
           <a:p>
+            <a:r>
+              <a:rPr lang="en-US"/>
+              <a:t>Slide 4</a:t>
+            </a:r>
             <a:endParaRPr lang="nb-NO"/>
           </a:p>
         </p:txBody>

--- a/Publish-PPTX-Speech.pptx
+++ b/Publish-PPTX-Speech.pptx
@@ -7,8 +7,6 @@
   <p:sldIdLst>
     <p:sldId id="257" r:id="rId2"/>
     <p:sldId id="258" r:id="rId3"/>
-    <p:sldId id="259" r:id="rId4"/>
-    <p:sldId id="256" r:id="rId5"/>
   </p:sldIdLst>
   <p:sldSz cx="12192000" cy="6858000"/>
   <p:notesSz cx="6858000" cy="9144000"/>
@@ -264,7 +262,7 @@
           <a:p>
             <a:fld id="{E6C88626-B35D-4F2B-B082-5DE8C0F00F1C}" type="datetimeFigureOut">
               <a:rPr lang="nb-NO" smtClean="0"/>
-              <a:t>24.10.2019</a:t>
+              <a:t>08.11.2019</a:t>
             </a:fld>
             <a:endParaRPr lang="nb-NO"/>
           </a:p>
@@ -464,7 +462,7 @@
           <a:p>
             <a:fld id="{E6C88626-B35D-4F2B-B082-5DE8C0F00F1C}" type="datetimeFigureOut">
               <a:rPr lang="nb-NO" smtClean="0"/>
-              <a:t>24.10.2019</a:t>
+              <a:t>08.11.2019</a:t>
             </a:fld>
             <a:endParaRPr lang="nb-NO"/>
           </a:p>
@@ -674,7 +672,7 @@
           <a:p>
             <a:fld id="{E6C88626-B35D-4F2B-B082-5DE8C0F00F1C}" type="datetimeFigureOut">
               <a:rPr lang="nb-NO" smtClean="0"/>
-              <a:t>24.10.2019</a:t>
+              <a:t>08.11.2019</a:t>
             </a:fld>
             <a:endParaRPr lang="nb-NO"/>
           </a:p>
@@ -874,7 +872,7 @@
           <a:p>
             <a:fld id="{E6C88626-B35D-4F2B-B082-5DE8C0F00F1C}" type="datetimeFigureOut">
               <a:rPr lang="nb-NO" smtClean="0"/>
-              <a:t>24.10.2019</a:t>
+              <a:t>08.11.2019</a:t>
             </a:fld>
             <a:endParaRPr lang="nb-NO"/>
           </a:p>
@@ -1150,7 +1148,7 @@
           <a:p>
             <a:fld id="{E6C88626-B35D-4F2B-B082-5DE8C0F00F1C}" type="datetimeFigureOut">
               <a:rPr lang="nb-NO" smtClean="0"/>
-              <a:t>24.10.2019</a:t>
+              <a:t>08.11.2019</a:t>
             </a:fld>
             <a:endParaRPr lang="nb-NO"/>
           </a:p>
@@ -1418,7 +1416,7 @@
           <a:p>
             <a:fld id="{E6C88626-B35D-4F2B-B082-5DE8C0F00F1C}" type="datetimeFigureOut">
               <a:rPr lang="nb-NO" smtClean="0"/>
-              <a:t>24.10.2019</a:t>
+              <a:t>08.11.2019</a:t>
             </a:fld>
             <a:endParaRPr lang="nb-NO"/>
           </a:p>
@@ -1833,7 +1831,7 @@
           <a:p>
             <a:fld id="{E6C88626-B35D-4F2B-B082-5DE8C0F00F1C}" type="datetimeFigureOut">
               <a:rPr lang="nb-NO" smtClean="0"/>
-              <a:t>24.10.2019</a:t>
+              <a:t>08.11.2019</a:t>
             </a:fld>
             <a:endParaRPr lang="nb-NO"/>
           </a:p>
@@ -1975,7 +1973,7 @@
           <a:p>
             <a:fld id="{E6C88626-B35D-4F2B-B082-5DE8C0F00F1C}" type="datetimeFigureOut">
               <a:rPr lang="nb-NO" smtClean="0"/>
-              <a:t>24.10.2019</a:t>
+              <a:t>08.11.2019</a:t>
             </a:fld>
             <a:endParaRPr lang="nb-NO"/>
           </a:p>
@@ -2088,7 +2086,7 @@
           <a:p>
             <a:fld id="{E6C88626-B35D-4F2B-B082-5DE8C0F00F1C}" type="datetimeFigureOut">
               <a:rPr lang="nb-NO" smtClean="0"/>
-              <a:t>24.10.2019</a:t>
+              <a:t>08.11.2019</a:t>
             </a:fld>
             <a:endParaRPr lang="nb-NO"/>
           </a:p>
@@ -2401,7 +2399,7 @@
           <a:p>
             <a:fld id="{E6C88626-B35D-4F2B-B082-5DE8C0F00F1C}" type="datetimeFigureOut">
               <a:rPr lang="nb-NO" smtClean="0"/>
-              <a:t>24.10.2019</a:t>
+              <a:t>08.11.2019</a:t>
             </a:fld>
             <a:endParaRPr lang="nb-NO"/>
           </a:p>
@@ -2690,7 +2688,7 @@
           <a:p>
             <a:fld id="{E6C88626-B35D-4F2B-B082-5DE8C0F00F1C}" type="datetimeFigureOut">
               <a:rPr lang="nb-NO" smtClean="0"/>
-              <a:t>24.10.2019</a:t>
+              <a:t>08.11.2019</a:t>
             </a:fld>
             <a:endParaRPr lang="nb-NO"/>
           </a:p>
@@ -2933,7 +2931,7 @@
           <a:p>
             <a:fld id="{E6C88626-B35D-4F2B-B082-5DE8C0F00F1C}" type="datetimeFigureOut">
               <a:rPr lang="nb-NO" smtClean="0"/>
-              <a:t>24.10.2019</a:t>
+              <a:t>08.11.2019</a:t>
             </a:fld>
             <a:endParaRPr lang="nb-NO"/>
           </a:p>
@@ -3501,174 +3499,6 @@
 </p:sld>
 </file>
 
-<file path=ppt/slides/slide3.xml><?xml version="1.0" encoding="utf-8"?>
-<p:sld xmlns:a="http://schemas.openxmlformats.org/drawingml/2006/main" xmlns:r="http://schemas.openxmlformats.org/officeDocument/2006/relationships" xmlns:p="http://schemas.openxmlformats.org/presentationml/2006/main">
-  <p:cSld>
-    <p:spTree>
-      <p:nvGrpSpPr>
-        <p:cNvPr id="1" name=""/>
-        <p:cNvGrpSpPr/>
-        <p:nvPr/>
-      </p:nvGrpSpPr>
-      <p:grpSpPr>
-        <a:xfrm>
-          <a:off x="0" y="0"/>
-          <a:ext cx="0" cy="0"/>
-          <a:chOff x="0" y="0"/>
-          <a:chExt cx="0" cy="0"/>
-        </a:xfrm>
-      </p:grpSpPr>
-      <p:sp>
-        <p:nvSpPr>
-          <p:cNvPr id="2" name="Title 1">
-            <a:extLst>
-              <a:ext uri="{FF2B5EF4-FFF2-40B4-BE49-F238E27FC236}">
-                <a16:creationId xmlns:a16="http://schemas.microsoft.com/office/drawing/2014/main" id="{5EF59F8C-9E62-4157-A90F-0B3A2D2CFCAD}"/>
-              </a:ext>
-            </a:extLst>
-          </p:cNvPr>
-          <p:cNvSpPr>
-            <a:spLocks noGrp="1"/>
-          </p:cNvSpPr>
-          <p:nvPr>
-            <p:ph type="ctrTitle"/>
-          </p:nvPr>
-        </p:nvSpPr>
-        <p:spPr/>
-        <p:txBody>
-          <a:bodyPr/>
-          <a:lstStyle/>
-          <a:p>
-            <a:r>
-              <a:rPr lang="en-US" dirty="0"/>
-              <a:t>Slide 3</a:t>
-            </a:r>
-            <a:endParaRPr lang="nb-NO" dirty="0"/>
-          </a:p>
-        </p:txBody>
-      </p:sp>
-      <p:sp>
-        <p:nvSpPr>
-          <p:cNvPr id="3" name="Subtitle 2">
-            <a:extLst>
-              <a:ext uri="{FF2B5EF4-FFF2-40B4-BE49-F238E27FC236}">
-                <a16:creationId xmlns:a16="http://schemas.microsoft.com/office/drawing/2014/main" id="{AACEEE00-0F15-4097-9D41-B5BE258F5E32}"/>
-              </a:ext>
-            </a:extLst>
-          </p:cNvPr>
-          <p:cNvSpPr>
-            <a:spLocks noGrp="1"/>
-          </p:cNvSpPr>
-          <p:nvPr>
-            <p:ph type="subTitle" idx="1"/>
-          </p:nvPr>
-        </p:nvSpPr>
-        <p:spPr/>
-        <p:txBody>
-          <a:bodyPr/>
-          <a:lstStyle/>
-          <a:p>
-            <a:endParaRPr lang="nb-NO"/>
-          </a:p>
-        </p:txBody>
-      </p:sp>
-    </p:spTree>
-    <p:extLst>
-      <p:ext uri="{BB962C8B-B14F-4D97-AF65-F5344CB8AC3E}">
-        <p14:creationId xmlns:p14="http://schemas.microsoft.com/office/powerpoint/2010/main" val="3513139012"/>
-      </p:ext>
-    </p:extLst>
-  </p:cSld>
-  <p:clrMapOvr>
-    <a:masterClrMapping/>
-  </p:clrMapOvr>
-</p:sld>
-</file>
-
-<file path=ppt/slides/slide4.xml><?xml version="1.0" encoding="utf-8"?>
-<p:sld xmlns:a="http://schemas.openxmlformats.org/drawingml/2006/main" xmlns:r="http://schemas.openxmlformats.org/officeDocument/2006/relationships" xmlns:p="http://schemas.openxmlformats.org/presentationml/2006/main">
-  <p:cSld>
-    <p:spTree>
-      <p:nvGrpSpPr>
-        <p:cNvPr id="1" name=""/>
-        <p:cNvGrpSpPr/>
-        <p:nvPr/>
-      </p:nvGrpSpPr>
-      <p:grpSpPr>
-        <a:xfrm>
-          <a:off x="0" y="0"/>
-          <a:ext cx="0" cy="0"/>
-          <a:chOff x="0" y="0"/>
-          <a:chExt cx="0" cy="0"/>
-        </a:xfrm>
-      </p:grpSpPr>
-      <p:sp>
-        <p:nvSpPr>
-          <p:cNvPr id="2" name="Title 1">
-            <a:extLst>
-              <a:ext uri="{FF2B5EF4-FFF2-40B4-BE49-F238E27FC236}">
-                <a16:creationId xmlns:a16="http://schemas.microsoft.com/office/drawing/2014/main" id="{5EF59F8C-9E62-4157-A90F-0B3A2D2CFCAD}"/>
-              </a:ext>
-            </a:extLst>
-          </p:cNvPr>
-          <p:cNvSpPr>
-            <a:spLocks noGrp="1"/>
-          </p:cNvSpPr>
-          <p:nvPr>
-            <p:ph type="ctrTitle"/>
-          </p:nvPr>
-        </p:nvSpPr>
-        <p:spPr/>
-        <p:txBody>
-          <a:bodyPr/>
-          <a:lstStyle/>
-          <a:p>
-            <a:r>
-              <a:rPr lang="en-US"/>
-              <a:t>Slide 4</a:t>
-            </a:r>
-            <a:endParaRPr lang="nb-NO"/>
-          </a:p>
-        </p:txBody>
-      </p:sp>
-      <p:sp>
-        <p:nvSpPr>
-          <p:cNvPr id="3" name="Subtitle 2">
-            <a:extLst>
-              <a:ext uri="{FF2B5EF4-FFF2-40B4-BE49-F238E27FC236}">
-                <a16:creationId xmlns:a16="http://schemas.microsoft.com/office/drawing/2014/main" id="{AACEEE00-0F15-4097-9D41-B5BE258F5E32}"/>
-              </a:ext>
-            </a:extLst>
-          </p:cNvPr>
-          <p:cNvSpPr>
-            <a:spLocks noGrp="1"/>
-          </p:cNvSpPr>
-          <p:nvPr>
-            <p:ph type="subTitle" idx="1"/>
-          </p:nvPr>
-        </p:nvSpPr>
-        <p:spPr/>
-        <p:txBody>
-          <a:bodyPr/>
-          <a:lstStyle/>
-          <a:p>
-            <a:endParaRPr lang="nb-NO"/>
-          </a:p>
-        </p:txBody>
-      </p:sp>
-    </p:spTree>
-    <p:extLst>
-      <p:ext uri="{BB962C8B-B14F-4D97-AF65-F5344CB8AC3E}">
-        <p14:creationId xmlns:p14="http://schemas.microsoft.com/office/powerpoint/2010/main" val="3153510595"/>
-      </p:ext>
-    </p:extLst>
-  </p:cSld>
-  <p:clrMapOvr>
-    <a:masterClrMapping/>
-  </p:clrMapOvr>
-</p:sld>
-</file>
-
 <file path=ppt/theme/theme1.xml><?xml version="1.0" encoding="utf-8"?>
 <a:theme xmlns:a="http://schemas.openxmlformats.org/drawingml/2006/main" name="Office Theme">
   <a:themeElements>
